--- a/Diagrams and Charts/Sequence Charts.pptx
+++ b/Diagrams and Charts/Sequence Charts.pptx
@@ -11474,97 +11474,6 @@
           </a:p>
         </p:txBody>
       </p:sp>
-      <p:sp>
-        <p:nvSpPr>
-          <p:cNvPr id="6" name="Rectangle 5">
-            <a:extLst>
-              <a:ext uri="{FF2B5EF4-FFF2-40B4-BE49-F238E27FC236}">
-                <a16:creationId xmlns:a16="http://schemas.microsoft.com/office/drawing/2014/main" id="{5993E7F0-A172-4838-883D-6CEFEA31C010}"/>
-              </a:ext>
-            </a:extLst>
-          </p:cNvPr>
-          <p:cNvSpPr/>
-          <p:nvPr/>
-        </p:nvSpPr>
-        <p:spPr>
-          <a:xfrm>
-            <a:off x="2001329" y="1114021"/>
-            <a:ext cx="169057" cy="4913656"/>
-          </a:xfrm>
-          <a:prstGeom prst="rect">
-            <a:avLst/>
-          </a:prstGeom>
-          <a:solidFill>
-            <a:schemeClr val="bg2"/>
-          </a:solidFill>
-          <a:ln>
-            <a:solidFill>
-              <a:schemeClr val="tx1"/>
-            </a:solidFill>
-          </a:ln>
-        </p:spPr>
-        <p:style>
-          <a:lnRef idx="2">
-            <a:schemeClr val="accent1">
-              <a:shade val="50000"/>
-            </a:schemeClr>
-          </a:lnRef>
-          <a:fillRef idx="1">
-            <a:schemeClr val="accent1"/>
-          </a:fillRef>
-          <a:effectRef idx="0">
-            <a:schemeClr val="accent1"/>
-          </a:effectRef>
-          <a:fontRef idx="minor">
-            <a:schemeClr val="lt1"/>
-          </a:fontRef>
-        </p:style>
-        <p:txBody>
-          <a:bodyPr rtlCol="0" anchor="ctr"/>
-          <a:lstStyle/>
-          <a:p>
-            <a:pPr algn="ctr"/>
-            <a:endParaRPr lang="en-US"/>
-          </a:p>
-        </p:txBody>
-      </p:sp>
-      <p:sp>
-        <p:nvSpPr>
-          <p:cNvPr id="7" name="TextBox 6">
-            <a:extLst>
-              <a:ext uri="{FF2B5EF4-FFF2-40B4-BE49-F238E27FC236}">
-                <a16:creationId xmlns:a16="http://schemas.microsoft.com/office/drawing/2014/main" id="{8D400405-8429-45D0-A6D6-38BE802C9D65}"/>
-              </a:ext>
-            </a:extLst>
-          </p:cNvPr>
-          <p:cNvSpPr txBox="1"/>
-          <p:nvPr/>
-        </p:nvSpPr>
-        <p:spPr>
-          <a:xfrm>
-            <a:off x="1389993" y="783735"/>
-            <a:ext cx="1391728" cy="307777"/>
-          </a:xfrm>
-          <a:prstGeom prst="rect">
-            <a:avLst/>
-          </a:prstGeom>
-          <a:noFill/>
-        </p:spPr>
-        <p:txBody>
-          <a:bodyPr wrap="none" rtlCol="0">
-            <a:spAutoFit/>
-          </a:bodyPr>
-          <a:lstStyle/>
-          <a:p>
-            <a:r>
-              <a:rPr lang="en-US" sz="1400" u="sng" dirty="0">
-                <a:latin typeface="Georgia" panose="02040502050405020303" pitchFamily="18" charset="0"/>
-              </a:rPr>
-              <a:t>Command GUI</a:t>
-            </a:r>
-          </a:p>
-        </p:txBody>
-      </p:sp>
       <p:pic>
         <p:nvPicPr>
           <p:cNvPr id="9" name="Graphic 8" descr="User">
@@ -11641,950 +11550,42 @@
           </a:p>
         </p:txBody>
       </p:sp>
-      <p:cxnSp>
-        <p:nvCxnSpPr>
-          <p:cNvPr id="13" name="Straight Arrow Connector 12">
-            <a:extLst>
-              <a:ext uri="{FF2B5EF4-FFF2-40B4-BE49-F238E27FC236}">
-                <a16:creationId xmlns:a16="http://schemas.microsoft.com/office/drawing/2014/main" id="{C92A00A1-D5F3-47EB-A5AB-07025FE787B1}"/>
-              </a:ext>
-            </a:extLst>
-          </p:cNvPr>
-          <p:cNvCxnSpPr>
-            <a:cxnSpLocks/>
-          </p:cNvCxnSpPr>
-          <p:nvPr/>
-        </p:nvCxnSpPr>
-        <p:spPr>
-          <a:xfrm>
-            <a:off x="940676" y="1334813"/>
-            <a:ext cx="1060653" cy="0"/>
-          </a:xfrm>
-          <a:prstGeom prst="straightConnector1">
-            <a:avLst/>
-          </a:prstGeom>
-          <a:ln>
-            <a:headEnd type="none" w="med" len="med"/>
-            <a:tailEnd type="arrow" w="med" len="med"/>
-          </a:ln>
-        </p:spPr>
-        <p:style>
-          <a:lnRef idx="3">
-            <a:schemeClr val="dk1"/>
-          </a:lnRef>
-          <a:fillRef idx="0">
-            <a:schemeClr val="dk1"/>
-          </a:fillRef>
-          <a:effectRef idx="2">
-            <a:schemeClr val="dk1"/>
-          </a:effectRef>
-          <a:fontRef idx="minor">
-            <a:schemeClr val="tx1"/>
-          </a:fontRef>
-        </p:style>
-      </p:cxnSp>
-      <p:sp>
-        <p:nvSpPr>
-          <p:cNvPr id="16" name="Rectangle 15">
-            <a:extLst>
-              <a:ext uri="{FF2B5EF4-FFF2-40B4-BE49-F238E27FC236}">
-                <a16:creationId xmlns:a16="http://schemas.microsoft.com/office/drawing/2014/main" id="{0285C4BD-12F1-4D93-81B0-4B81C5DE0ACF}"/>
-              </a:ext>
-            </a:extLst>
-          </p:cNvPr>
-          <p:cNvSpPr/>
-          <p:nvPr/>
-        </p:nvSpPr>
-        <p:spPr>
-          <a:xfrm>
-            <a:off x="4544870" y="1283680"/>
-            <a:ext cx="169057" cy="4391855"/>
-          </a:xfrm>
-          <a:prstGeom prst="rect">
-            <a:avLst/>
-          </a:prstGeom>
-          <a:solidFill>
-            <a:schemeClr val="bg2"/>
-          </a:solidFill>
-          <a:ln>
-            <a:solidFill>
-              <a:schemeClr val="tx1"/>
-            </a:solidFill>
-          </a:ln>
-        </p:spPr>
-        <p:style>
-          <a:lnRef idx="2">
-            <a:schemeClr val="accent1">
-              <a:shade val="50000"/>
-            </a:schemeClr>
-          </a:lnRef>
-          <a:fillRef idx="1">
-            <a:schemeClr val="accent1"/>
-          </a:fillRef>
-          <a:effectRef idx="0">
-            <a:schemeClr val="accent1"/>
-          </a:effectRef>
-          <a:fontRef idx="minor">
-            <a:schemeClr val="lt1"/>
-          </a:fontRef>
-        </p:style>
-        <p:txBody>
-          <a:bodyPr rtlCol="0" anchor="ctr"/>
-          <a:lstStyle/>
-          <a:p>
-            <a:pPr algn="ctr"/>
-            <a:endParaRPr lang="en-US"/>
-          </a:p>
-        </p:txBody>
-      </p:sp>
-      <p:sp>
-        <p:nvSpPr>
-          <p:cNvPr id="17" name="TextBox 16">
-            <a:extLst>
-              <a:ext uri="{FF2B5EF4-FFF2-40B4-BE49-F238E27FC236}">
-                <a16:creationId xmlns:a16="http://schemas.microsoft.com/office/drawing/2014/main" id="{5F14A1DD-3841-44CD-81BB-FC50BB190866}"/>
-              </a:ext>
-            </a:extLst>
-          </p:cNvPr>
-          <p:cNvSpPr txBox="1"/>
-          <p:nvPr/>
-        </p:nvSpPr>
-        <p:spPr>
-          <a:xfrm>
-            <a:off x="4230088" y="780958"/>
-            <a:ext cx="798617" cy="307777"/>
-          </a:xfrm>
-          <a:prstGeom prst="rect">
-            <a:avLst/>
-          </a:prstGeom>
-          <a:noFill/>
-        </p:spPr>
-        <p:txBody>
-          <a:bodyPr wrap="none" rtlCol="0">
-            <a:spAutoFit/>
-          </a:bodyPr>
-          <a:lstStyle/>
-          <a:p>
-            <a:r>
-              <a:rPr lang="en-US" sz="1400" u="sng" dirty="0">
-                <a:latin typeface="Georgia" panose="02040502050405020303" pitchFamily="18" charset="0"/>
-              </a:rPr>
-              <a:t>Theater</a:t>
-            </a:r>
-          </a:p>
-        </p:txBody>
-      </p:sp>
-      <p:cxnSp>
-        <p:nvCxnSpPr>
-          <p:cNvPr id="19" name="Straight Connector 18">
-            <a:extLst>
-              <a:ext uri="{FF2B5EF4-FFF2-40B4-BE49-F238E27FC236}">
-                <a16:creationId xmlns:a16="http://schemas.microsoft.com/office/drawing/2014/main" id="{3145678D-8CB4-4933-BC4C-B105C5495678}"/>
-              </a:ext>
-            </a:extLst>
-          </p:cNvPr>
-          <p:cNvCxnSpPr/>
-          <p:nvPr/>
-        </p:nvCxnSpPr>
-        <p:spPr>
-          <a:xfrm>
-            <a:off x="2065283" y="6027677"/>
-            <a:ext cx="0" cy="294295"/>
-          </a:xfrm>
-          <a:prstGeom prst="line">
-            <a:avLst/>
-          </a:prstGeom>
-          <a:ln w="9525" cap="flat" cmpd="sng" algn="ctr">
-            <a:solidFill>
-              <a:schemeClr val="dk1"/>
-            </a:solidFill>
-            <a:prstDash val="dash"/>
-            <a:round/>
-            <a:headEnd type="none" w="med" len="med"/>
-            <a:tailEnd type="none" w="med" len="med"/>
-          </a:ln>
-        </p:spPr>
-        <p:style>
-          <a:lnRef idx="0">
-            <a:scrgbClr r="0" g="0" b="0"/>
-          </a:lnRef>
-          <a:fillRef idx="0">
-            <a:scrgbClr r="0" g="0" b="0"/>
-          </a:fillRef>
-          <a:effectRef idx="0">
-            <a:scrgbClr r="0" g="0" b="0"/>
-          </a:effectRef>
-          <a:fontRef idx="minor">
-            <a:schemeClr val="tx1"/>
-          </a:fontRef>
-        </p:style>
-      </p:cxnSp>
-      <p:cxnSp>
-        <p:nvCxnSpPr>
-          <p:cNvPr id="20" name="Straight Connector 19">
-            <a:extLst>
-              <a:ext uri="{FF2B5EF4-FFF2-40B4-BE49-F238E27FC236}">
-                <a16:creationId xmlns:a16="http://schemas.microsoft.com/office/drawing/2014/main" id="{093D5B23-CD8E-4B7F-9953-8B4E721B9BC0}"/>
-              </a:ext>
-            </a:extLst>
-          </p:cNvPr>
-          <p:cNvCxnSpPr>
-            <a:cxnSpLocks/>
-          </p:cNvCxnSpPr>
-          <p:nvPr/>
-        </p:nvCxnSpPr>
-        <p:spPr>
-          <a:xfrm>
-            <a:off x="4619333" y="5675535"/>
-            <a:ext cx="0" cy="646437"/>
-          </a:xfrm>
-          <a:prstGeom prst="line">
-            <a:avLst/>
-          </a:prstGeom>
-          <a:ln w="9525" cap="flat" cmpd="sng" algn="ctr">
-            <a:solidFill>
-              <a:schemeClr val="dk1"/>
-            </a:solidFill>
-            <a:prstDash val="dash"/>
-            <a:round/>
-            <a:headEnd type="none" w="med" len="med"/>
-            <a:tailEnd type="none" w="med" len="med"/>
-          </a:ln>
-        </p:spPr>
-        <p:style>
-          <a:lnRef idx="0">
-            <a:scrgbClr r="0" g="0" b="0"/>
-          </a:lnRef>
-          <a:fillRef idx="0">
-            <a:scrgbClr r="0" g="0" b="0"/>
-          </a:fillRef>
-          <a:effectRef idx="0">
-            <a:scrgbClr r="0" g="0" b="0"/>
-          </a:effectRef>
-          <a:fontRef idx="minor">
-            <a:schemeClr val="tx1"/>
-          </a:fontRef>
-        </p:style>
-      </p:cxnSp>
-      <p:sp>
-        <p:nvSpPr>
-          <p:cNvPr id="2" name="TextBox 1">
-            <a:extLst>
-              <a:ext uri="{FF2B5EF4-FFF2-40B4-BE49-F238E27FC236}">
-                <a16:creationId xmlns:a16="http://schemas.microsoft.com/office/drawing/2014/main" id="{83ADB76A-5987-4181-B4F4-D057D6E6076C}"/>
-              </a:ext>
-            </a:extLst>
-          </p:cNvPr>
-          <p:cNvSpPr txBox="1"/>
-          <p:nvPr/>
-        </p:nvSpPr>
-        <p:spPr>
-          <a:xfrm>
-            <a:off x="330515" y="1040100"/>
-            <a:ext cx="1683474" cy="307777"/>
-          </a:xfrm>
-          <a:prstGeom prst="rect">
-            <a:avLst/>
-          </a:prstGeom>
-          <a:noFill/>
-        </p:spPr>
-        <p:txBody>
-          <a:bodyPr wrap="none" rtlCol="0">
-            <a:spAutoFit/>
-          </a:bodyPr>
-          <a:lstStyle/>
-          <a:p>
-            <a:r>
-              <a:rPr lang="en-US" sz="1400" dirty="0" err="1">
-                <a:latin typeface="Georgia" panose="02040502050405020303" pitchFamily="18" charset="0"/>
-              </a:rPr>
-              <a:t>removeCustomer</a:t>
-            </a:r>
-            <a:r>
-              <a:rPr lang="en-US" sz="1400" dirty="0">
-                <a:latin typeface="Georgia" panose="02040502050405020303" pitchFamily="18" charset="0"/>
-              </a:rPr>
-              <a:t>()</a:t>
-            </a:r>
-          </a:p>
-        </p:txBody>
-      </p:sp>
-      <p:cxnSp>
-        <p:nvCxnSpPr>
-          <p:cNvPr id="8" name="Straight Arrow Connector 7">
-            <a:extLst>
-              <a:ext uri="{FF2B5EF4-FFF2-40B4-BE49-F238E27FC236}">
-                <a16:creationId xmlns:a16="http://schemas.microsoft.com/office/drawing/2014/main" id="{654816B3-ADA2-45CA-AA92-3CEADAC81496}"/>
-              </a:ext>
-            </a:extLst>
-          </p:cNvPr>
-          <p:cNvCxnSpPr/>
-          <p:nvPr/>
-        </p:nvCxnSpPr>
-        <p:spPr>
-          <a:xfrm flipH="1">
-            <a:off x="1192696" y="1762318"/>
-            <a:ext cx="808633" cy="0"/>
-          </a:xfrm>
-          <a:prstGeom prst="straightConnector1">
-            <a:avLst/>
-          </a:prstGeom>
-          <a:ln>
-            <a:tailEnd type="triangle"/>
-          </a:ln>
-        </p:spPr>
-        <p:style>
-          <a:lnRef idx="3">
-            <a:schemeClr val="dk1"/>
-          </a:lnRef>
-          <a:fillRef idx="0">
-            <a:schemeClr val="dk1"/>
-          </a:fillRef>
-          <a:effectRef idx="2">
-            <a:schemeClr val="dk1"/>
-          </a:effectRef>
-          <a:fontRef idx="minor">
-            <a:schemeClr val="tx1"/>
-          </a:fontRef>
-        </p:style>
-      </p:cxnSp>
-      <p:sp>
-        <p:nvSpPr>
-          <p:cNvPr id="11" name="TextBox 10">
-            <a:extLst>
-              <a:ext uri="{FF2B5EF4-FFF2-40B4-BE49-F238E27FC236}">
-                <a16:creationId xmlns:a16="http://schemas.microsoft.com/office/drawing/2014/main" id="{86A5E434-3B58-4D8B-959C-D4A1C0D86BD9}"/>
-              </a:ext>
-            </a:extLst>
-          </p:cNvPr>
-          <p:cNvSpPr txBox="1"/>
-          <p:nvPr/>
-        </p:nvSpPr>
-        <p:spPr>
-          <a:xfrm>
-            <a:off x="772935" y="1458236"/>
-            <a:ext cx="1194558" cy="307777"/>
-          </a:xfrm>
-          <a:prstGeom prst="rect">
-            <a:avLst/>
-          </a:prstGeom>
-          <a:noFill/>
-        </p:spPr>
-        <p:txBody>
-          <a:bodyPr wrap="none" rtlCol="0">
-            <a:spAutoFit/>
-          </a:bodyPr>
-          <a:lstStyle/>
-          <a:p>
-            <a:r>
-              <a:rPr lang="en-US" sz="1400" dirty="0">
-                <a:latin typeface="Georgia" panose="02040502050405020303" pitchFamily="18" charset="0"/>
-              </a:rPr>
-              <a:t>Data request</a:t>
-            </a:r>
-          </a:p>
-        </p:txBody>
-      </p:sp>
-      <p:cxnSp>
-        <p:nvCxnSpPr>
-          <p:cNvPr id="18" name="Straight Arrow Connector 17">
-            <a:extLst>
-              <a:ext uri="{FF2B5EF4-FFF2-40B4-BE49-F238E27FC236}">
-                <a16:creationId xmlns:a16="http://schemas.microsoft.com/office/drawing/2014/main" id="{EAFACEE2-E314-4550-BBFD-230E356FE298}"/>
-              </a:ext>
-            </a:extLst>
-          </p:cNvPr>
-          <p:cNvCxnSpPr>
-            <a:cxnSpLocks/>
-          </p:cNvCxnSpPr>
-          <p:nvPr/>
-        </p:nvCxnSpPr>
-        <p:spPr>
-          <a:xfrm>
-            <a:off x="1340177" y="2232592"/>
-            <a:ext cx="661152" cy="5012"/>
-          </a:xfrm>
-          <a:prstGeom prst="straightConnector1">
-            <a:avLst/>
-          </a:prstGeom>
-          <a:ln>
-            <a:tailEnd type="triangle"/>
-          </a:ln>
-        </p:spPr>
-        <p:style>
-          <a:lnRef idx="3">
-            <a:schemeClr val="dk1"/>
-          </a:lnRef>
-          <a:fillRef idx="0">
-            <a:schemeClr val="dk1"/>
-          </a:fillRef>
-          <a:effectRef idx="2">
-            <a:schemeClr val="dk1"/>
-          </a:effectRef>
-          <a:fontRef idx="minor">
-            <a:schemeClr val="tx1"/>
-          </a:fontRef>
-        </p:style>
-      </p:cxnSp>
-      <p:sp>
-        <p:nvSpPr>
-          <p:cNvPr id="21" name="TextBox 20">
-            <a:extLst>
-              <a:ext uri="{FF2B5EF4-FFF2-40B4-BE49-F238E27FC236}">
-                <a16:creationId xmlns:a16="http://schemas.microsoft.com/office/drawing/2014/main" id="{0C46E3DB-9E01-4AA1-A621-D15237CED1DF}"/>
-              </a:ext>
-            </a:extLst>
-          </p:cNvPr>
-          <p:cNvSpPr txBox="1"/>
-          <p:nvPr/>
-        </p:nvSpPr>
-        <p:spPr>
-          <a:xfrm>
-            <a:off x="832406" y="1920671"/>
-            <a:ext cx="1096775" cy="307777"/>
-          </a:xfrm>
-          <a:prstGeom prst="rect">
-            <a:avLst/>
-          </a:prstGeom>
-          <a:noFill/>
-        </p:spPr>
-        <p:txBody>
-          <a:bodyPr wrap="none" rtlCol="0">
-            <a:spAutoFit/>
-          </a:bodyPr>
-          <a:lstStyle/>
-          <a:p>
-            <a:r>
-              <a:rPr lang="en-US" sz="1400" dirty="0" err="1">
-                <a:latin typeface="Georgia" panose="02040502050405020303" pitchFamily="18" charset="0"/>
-              </a:rPr>
-              <a:t>customerId</a:t>
-            </a:r>
-            <a:endParaRPr lang="en-US" sz="1400" dirty="0">
-              <a:latin typeface="Georgia" panose="02040502050405020303" pitchFamily="18" charset="0"/>
-            </a:endParaRPr>
-          </a:p>
-        </p:txBody>
-      </p:sp>
-      <p:sp>
-        <p:nvSpPr>
-          <p:cNvPr id="22" name="Rectangle 21">
-            <a:extLst>
-              <a:ext uri="{FF2B5EF4-FFF2-40B4-BE49-F238E27FC236}">
-                <a16:creationId xmlns:a16="http://schemas.microsoft.com/office/drawing/2014/main" id="{769DC167-AA6B-409A-9AAF-269A530FDA02}"/>
-              </a:ext>
-            </a:extLst>
-          </p:cNvPr>
-          <p:cNvSpPr/>
-          <p:nvPr/>
-        </p:nvSpPr>
-        <p:spPr>
-          <a:xfrm>
-            <a:off x="7393545" y="2030837"/>
-            <a:ext cx="169057" cy="2470208"/>
-          </a:xfrm>
-          <a:prstGeom prst="rect">
-            <a:avLst/>
-          </a:prstGeom>
-          <a:solidFill>
-            <a:schemeClr val="bg2"/>
-          </a:solidFill>
-          <a:ln>
-            <a:solidFill>
-              <a:schemeClr val="tx1"/>
-            </a:solidFill>
-          </a:ln>
-        </p:spPr>
-        <p:style>
-          <a:lnRef idx="2">
-            <a:schemeClr val="accent1">
-              <a:shade val="50000"/>
-            </a:schemeClr>
-          </a:lnRef>
-          <a:fillRef idx="1">
-            <a:schemeClr val="accent1"/>
-          </a:fillRef>
-          <a:effectRef idx="0">
-            <a:schemeClr val="accent1"/>
-          </a:effectRef>
-          <a:fontRef idx="minor">
-            <a:schemeClr val="lt1"/>
-          </a:fontRef>
-        </p:style>
-        <p:txBody>
-          <a:bodyPr rtlCol="0" anchor="ctr"/>
-          <a:lstStyle/>
-          <a:p>
-            <a:pPr algn="ctr"/>
-            <a:endParaRPr lang="en-US"/>
-          </a:p>
-        </p:txBody>
-      </p:sp>
-      <p:sp>
-        <p:nvSpPr>
-          <p:cNvPr id="23" name="TextBox 22">
-            <a:extLst>
-              <a:ext uri="{FF2B5EF4-FFF2-40B4-BE49-F238E27FC236}">
-                <a16:creationId xmlns:a16="http://schemas.microsoft.com/office/drawing/2014/main" id="{A6A25776-FBD0-435F-BA0D-F7BEEC3A4013}"/>
-              </a:ext>
-            </a:extLst>
-          </p:cNvPr>
-          <p:cNvSpPr txBox="1"/>
-          <p:nvPr/>
-        </p:nvSpPr>
-        <p:spPr>
-          <a:xfrm>
-            <a:off x="9612137" y="762789"/>
-            <a:ext cx="1258678" cy="307777"/>
-          </a:xfrm>
-          <a:prstGeom prst="rect">
-            <a:avLst/>
-          </a:prstGeom>
-          <a:noFill/>
-        </p:spPr>
-        <p:txBody>
-          <a:bodyPr wrap="none" rtlCol="0">
-            <a:spAutoFit/>
-          </a:bodyPr>
-          <a:lstStyle/>
-          <a:p>
-            <a:r>
-              <a:rPr lang="en-US" sz="1400" u="sng" dirty="0" err="1">
-                <a:latin typeface="Georgia" panose="02040502050405020303" pitchFamily="18" charset="0"/>
-              </a:rPr>
-              <a:t>CustomerList</a:t>
-            </a:r>
-            <a:endParaRPr lang="en-US" sz="1400" u="sng" dirty="0">
-              <a:latin typeface="Georgia" panose="02040502050405020303" pitchFamily="18" charset="0"/>
-            </a:endParaRPr>
-          </a:p>
-        </p:txBody>
-      </p:sp>
-      <p:sp>
-        <p:nvSpPr>
-          <p:cNvPr id="24" name="Rectangle 23">
-            <a:extLst>
-              <a:ext uri="{FF2B5EF4-FFF2-40B4-BE49-F238E27FC236}">
-                <a16:creationId xmlns:a16="http://schemas.microsoft.com/office/drawing/2014/main" id="{5090F218-6A7D-41BE-9401-6E5F23793C90}"/>
-              </a:ext>
-            </a:extLst>
-          </p:cNvPr>
-          <p:cNvSpPr/>
-          <p:nvPr/>
-        </p:nvSpPr>
-        <p:spPr>
-          <a:xfrm>
-            <a:off x="10190671" y="2869039"/>
-            <a:ext cx="169058" cy="2160059"/>
-          </a:xfrm>
-          <a:prstGeom prst="rect">
-            <a:avLst/>
-          </a:prstGeom>
-          <a:solidFill>
-            <a:schemeClr val="bg2"/>
-          </a:solidFill>
-          <a:ln>
-            <a:solidFill>
-              <a:schemeClr val="tx1"/>
-            </a:solidFill>
-          </a:ln>
-        </p:spPr>
-        <p:style>
-          <a:lnRef idx="2">
-            <a:schemeClr val="accent1">
-              <a:shade val="50000"/>
-            </a:schemeClr>
-          </a:lnRef>
-          <a:fillRef idx="1">
-            <a:schemeClr val="accent1"/>
-          </a:fillRef>
-          <a:effectRef idx="0">
-            <a:schemeClr val="accent1"/>
-          </a:effectRef>
-          <a:fontRef idx="minor">
-            <a:schemeClr val="lt1"/>
-          </a:fontRef>
-        </p:style>
-        <p:txBody>
-          <a:bodyPr rtlCol="0" anchor="ctr"/>
-          <a:lstStyle/>
-          <a:p>
-            <a:pPr algn="ctr"/>
-            <a:endParaRPr lang="en-US"/>
-          </a:p>
-        </p:txBody>
-      </p:sp>
-      <p:cxnSp>
-        <p:nvCxnSpPr>
-          <p:cNvPr id="25" name="Straight Connector 24">
-            <a:extLst>
-              <a:ext uri="{FF2B5EF4-FFF2-40B4-BE49-F238E27FC236}">
-                <a16:creationId xmlns:a16="http://schemas.microsoft.com/office/drawing/2014/main" id="{FAE76E5D-6C63-4C1C-9724-2570B479D5CE}"/>
-              </a:ext>
-            </a:extLst>
-          </p:cNvPr>
-          <p:cNvCxnSpPr>
-            <a:cxnSpLocks/>
-          </p:cNvCxnSpPr>
-          <p:nvPr/>
-        </p:nvCxnSpPr>
-        <p:spPr>
-          <a:xfrm>
-            <a:off x="7462652" y="1214741"/>
-            <a:ext cx="0" cy="816096"/>
-          </a:xfrm>
-          <a:prstGeom prst="line">
-            <a:avLst/>
-          </a:prstGeom>
-          <a:ln w="9525" cap="flat" cmpd="sng" algn="ctr">
-            <a:solidFill>
-              <a:schemeClr val="dk1"/>
-            </a:solidFill>
-            <a:prstDash val="dash"/>
-            <a:round/>
-            <a:headEnd type="none" w="med" len="med"/>
-            <a:tailEnd type="none" w="med" len="med"/>
-          </a:ln>
-        </p:spPr>
-        <p:style>
-          <a:lnRef idx="0">
-            <a:scrgbClr r="0" g="0" b="0"/>
-          </a:lnRef>
-          <a:fillRef idx="0">
-            <a:scrgbClr r="0" g="0" b="0"/>
-          </a:fillRef>
-          <a:effectRef idx="0">
-            <a:scrgbClr r="0" g="0" b="0"/>
-          </a:effectRef>
-          <a:fontRef idx="minor">
-            <a:schemeClr val="tx1"/>
-          </a:fontRef>
-        </p:style>
-      </p:cxnSp>
-      <p:cxnSp>
-        <p:nvCxnSpPr>
-          <p:cNvPr id="26" name="Straight Connector 25">
-            <a:extLst>
-              <a:ext uri="{FF2B5EF4-FFF2-40B4-BE49-F238E27FC236}">
-                <a16:creationId xmlns:a16="http://schemas.microsoft.com/office/drawing/2014/main" id="{B81124A9-4D58-4417-BF4F-1D1A2A2E44FF}"/>
-              </a:ext>
-            </a:extLst>
-          </p:cNvPr>
-          <p:cNvCxnSpPr>
-            <a:cxnSpLocks/>
-          </p:cNvCxnSpPr>
-          <p:nvPr/>
-        </p:nvCxnSpPr>
-        <p:spPr>
-          <a:xfrm>
-            <a:off x="7495451" y="4542501"/>
-            <a:ext cx="45175" cy="1827308"/>
-          </a:xfrm>
-          <a:prstGeom prst="line">
-            <a:avLst/>
-          </a:prstGeom>
-          <a:ln w="9525" cap="flat" cmpd="sng" algn="ctr">
-            <a:solidFill>
-              <a:schemeClr val="dk1"/>
-            </a:solidFill>
-            <a:prstDash val="dash"/>
-            <a:round/>
-            <a:headEnd type="none" w="med" len="med"/>
-            <a:tailEnd type="none" w="med" len="med"/>
-          </a:ln>
-        </p:spPr>
-        <p:style>
-          <a:lnRef idx="0">
-            <a:scrgbClr r="0" g="0" b="0"/>
-          </a:lnRef>
-          <a:fillRef idx="0">
-            <a:scrgbClr r="0" g="0" b="0"/>
-          </a:fillRef>
-          <a:effectRef idx="0">
-            <a:scrgbClr r="0" g="0" b="0"/>
-          </a:effectRef>
-          <a:fontRef idx="minor">
-            <a:schemeClr val="tx1"/>
-          </a:fontRef>
-        </p:style>
-      </p:cxnSp>
-      <p:cxnSp>
-        <p:nvCxnSpPr>
-          <p:cNvPr id="27" name="Straight Connector 26">
-            <a:extLst>
-              <a:ext uri="{FF2B5EF4-FFF2-40B4-BE49-F238E27FC236}">
-                <a16:creationId xmlns:a16="http://schemas.microsoft.com/office/drawing/2014/main" id="{969FB2FF-FA42-4C20-8466-B2BA1E996FFF}"/>
-              </a:ext>
-            </a:extLst>
-          </p:cNvPr>
-          <p:cNvCxnSpPr>
-            <a:cxnSpLocks/>
-            <a:endCxn id="24" idx="0"/>
-          </p:cNvCxnSpPr>
-          <p:nvPr/>
-        </p:nvCxnSpPr>
-        <p:spPr>
-          <a:xfrm flipH="1">
-            <a:off x="10275200" y="1114021"/>
-            <a:ext cx="2" cy="1755018"/>
-          </a:xfrm>
-          <a:prstGeom prst="line">
-            <a:avLst/>
-          </a:prstGeom>
-          <a:ln w="9525" cap="flat" cmpd="sng" algn="ctr">
-            <a:solidFill>
-              <a:schemeClr val="dk1"/>
-            </a:solidFill>
-            <a:prstDash val="dash"/>
-            <a:round/>
-            <a:headEnd type="none" w="med" len="med"/>
-            <a:tailEnd type="none" w="med" len="med"/>
-          </a:ln>
-        </p:spPr>
-        <p:style>
-          <a:lnRef idx="0">
-            <a:scrgbClr r="0" g="0" b="0"/>
-          </a:lnRef>
-          <a:fillRef idx="0">
-            <a:scrgbClr r="0" g="0" b="0"/>
-          </a:fillRef>
-          <a:effectRef idx="0">
-            <a:scrgbClr r="0" g="0" b="0"/>
-          </a:effectRef>
-          <a:fontRef idx="minor">
-            <a:schemeClr val="tx1"/>
-          </a:fontRef>
-        </p:style>
-      </p:cxnSp>
-      <p:cxnSp>
-        <p:nvCxnSpPr>
-          <p:cNvPr id="28" name="Straight Connector 27">
-            <a:extLst>
-              <a:ext uri="{FF2B5EF4-FFF2-40B4-BE49-F238E27FC236}">
-                <a16:creationId xmlns:a16="http://schemas.microsoft.com/office/drawing/2014/main" id="{8F7B3924-8ADE-4E24-8F52-EF9F171CA264}"/>
-              </a:ext>
-            </a:extLst>
-          </p:cNvPr>
-          <p:cNvCxnSpPr>
-            <a:cxnSpLocks/>
-            <a:stCxn id="24" idx="2"/>
-          </p:cNvCxnSpPr>
-          <p:nvPr/>
-        </p:nvCxnSpPr>
-        <p:spPr>
-          <a:xfrm>
-            <a:off x="10275200" y="5029098"/>
-            <a:ext cx="0" cy="1292874"/>
-          </a:xfrm>
-          <a:prstGeom prst="line">
-            <a:avLst/>
-          </a:prstGeom>
-          <a:ln w="9525" cap="flat" cmpd="sng" algn="ctr">
-            <a:solidFill>
-              <a:schemeClr val="dk1"/>
-            </a:solidFill>
-            <a:prstDash val="dash"/>
-            <a:round/>
-            <a:headEnd type="none" w="med" len="med"/>
-            <a:tailEnd type="none" w="med" len="med"/>
-          </a:ln>
-        </p:spPr>
-        <p:style>
-          <a:lnRef idx="0">
-            <a:scrgbClr r="0" g="0" b="0"/>
-          </a:lnRef>
-          <a:fillRef idx="0">
-            <a:scrgbClr r="0" g="0" b="0"/>
-          </a:fillRef>
-          <a:effectRef idx="0">
-            <a:scrgbClr r="0" g="0" b="0"/>
-          </a:effectRef>
-          <a:fontRef idx="minor">
-            <a:schemeClr val="tx1"/>
-          </a:fontRef>
-        </p:style>
-      </p:cxnSp>
-      <p:sp>
-        <p:nvSpPr>
-          <p:cNvPr id="40" name="TextBox 39">
-            <a:extLst>
-              <a:ext uri="{FF2B5EF4-FFF2-40B4-BE49-F238E27FC236}">
-                <a16:creationId xmlns:a16="http://schemas.microsoft.com/office/drawing/2014/main" id="{E756C5C5-2CCA-4C2F-ADF1-5F88000B3F91}"/>
-              </a:ext>
-            </a:extLst>
-          </p:cNvPr>
-          <p:cNvSpPr txBox="1"/>
-          <p:nvPr/>
-        </p:nvSpPr>
-        <p:spPr>
-          <a:xfrm>
-            <a:off x="6983995" y="845660"/>
-            <a:ext cx="957313" cy="307777"/>
-          </a:xfrm>
-          <a:prstGeom prst="rect">
-            <a:avLst/>
-          </a:prstGeom>
-          <a:noFill/>
-        </p:spPr>
-        <p:txBody>
-          <a:bodyPr wrap="none" rtlCol="0">
-            <a:spAutoFit/>
-          </a:bodyPr>
-          <a:lstStyle/>
-          <a:p>
-            <a:r>
-              <a:rPr lang="en-US" sz="1400" u="sng" dirty="0">
-                <a:latin typeface="Georgia" panose="02040502050405020303" pitchFamily="18" charset="0"/>
-              </a:rPr>
-              <a:t>Customer</a:t>
-            </a:r>
-          </a:p>
-        </p:txBody>
-      </p:sp>
-      <p:cxnSp>
-        <p:nvCxnSpPr>
-          <p:cNvPr id="43" name="Straight Connector 42">
-            <a:extLst>
-              <a:ext uri="{FF2B5EF4-FFF2-40B4-BE49-F238E27FC236}">
-                <a16:creationId xmlns:a16="http://schemas.microsoft.com/office/drawing/2014/main" id="{045ACB1A-D336-4433-8197-36942DDA8816}"/>
-              </a:ext>
-            </a:extLst>
-          </p:cNvPr>
-          <p:cNvCxnSpPr>
-            <a:cxnSpLocks/>
-          </p:cNvCxnSpPr>
-          <p:nvPr/>
-        </p:nvCxnSpPr>
-        <p:spPr>
-          <a:xfrm>
-            <a:off x="4629396" y="1043153"/>
-            <a:ext cx="0" cy="240527"/>
-          </a:xfrm>
-          <a:prstGeom prst="line">
-            <a:avLst/>
-          </a:prstGeom>
-          <a:ln w="9525" cap="flat" cmpd="sng" algn="ctr">
-            <a:solidFill>
-              <a:schemeClr val="dk1"/>
-            </a:solidFill>
-            <a:prstDash val="dash"/>
-            <a:round/>
-            <a:headEnd type="none" w="med" len="med"/>
-            <a:tailEnd type="none" w="med" len="med"/>
-          </a:ln>
-        </p:spPr>
-        <p:style>
-          <a:lnRef idx="0">
-            <a:scrgbClr r="0" g="0" b="0"/>
-          </a:lnRef>
-          <a:fillRef idx="0">
-            <a:scrgbClr r="0" g="0" b="0"/>
-          </a:fillRef>
-          <a:effectRef idx="0">
-            <a:scrgbClr r="0" g="0" b="0"/>
-          </a:effectRef>
-          <a:fontRef idx="minor">
-            <a:schemeClr val="tx1"/>
-          </a:fontRef>
-        </p:style>
-      </p:cxnSp>
-      <p:sp>
-        <p:nvSpPr>
-          <p:cNvPr id="46" name="TextBox 45">
-            <a:extLst>
-              <a:ext uri="{FF2B5EF4-FFF2-40B4-BE49-F238E27FC236}">
-                <a16:creationId xmlns:a16="http://schemas.microsoft.com/office/drawing/2014/main" id="{C8E3622D-B120-462A-A74E-93D1A1FF6AAC}"/>
-              </a:ext>
-            </a:extLst>
-          </p:cNvPr>
-          <p:cNvSpPr txBox="1"/>
-          <p:nvPr/>
-        </p:nvSpPr>
-        <p:spPr>
-          <a:xfrm>
-            <a:off x="2137282" y="2344073"/>
-            <a:ext cx="2249334" cy="276999"/>
-          </a:xfrm>
-          <a:prstGeom prst="rect">
-            <a:avLst/>
-          </a:prstGeom>
-          <a:noFill/>
-        </p:spPr>
-        <p:txBody>
-          <a:bodyPr wrap="none" rtlCol="0">
-            <a:spAutoFit/>
-          </a:bodyPr>
-          <a:lstStyle/>
-          <a:p>
-            <a:r>
-              <a:rPr lang="en-US" sz="1200" dirty="0" err="1">
-                <a:latin typeface="Georgia" panose="02040502050405020303" pitchFamily="18" charset="0"/>
-              </a:rPr>
-              <a:t>removeCustomer</a:t>
-            </a:r>
-            <a:r>
-              <a:rPr lang="en-US" sz="1200" dirty="0">
-                <a:latin typeface="Georgia" panose="02040502050405020303" pitchFamily="18" charset="0"/>
-              </a:rPr>
-              <a:t>(</a:t>
-            </a:r>
-            <a:r>
-              <a:rPr lang="en-US" sz="1200" dirty="0" err="1">
-                <a:latin typeface="Georgia" panose="02040502050405020303" pitchFamily="18" charset="0"/>
-              </a:rPr>
-              <a:t>customerId</a:t>
-            </a:r>
-            <a:r>
-              <a:rPr lang="en-US" sz="1200" dirty="0">
-                <a:latin typeface="Georgia" panose="02040502050405020303" pitchFamily="18" charset="0"/>
-              </a:rPr>
-              <a:t>)</a:t>
-            </a:r>
-          </a:p>
-        </p:txBody>
-      </p:sp>
-      <p:cxnSp>
-        <p:nvCxnSpPr>
-          <p:cNvPr id="47" name="Straight Arrow Connector 46">
-            <a:extLst>
-              <a:ext uri="{FF2B5EF4-FFF2-40B4-BE49-F238E27FC236}">
-                <a16:creationId xmlns:a16="http://schemas.microsoft.com/office/drawing/2014/main" id="{11EB37F8-D52F-4BBF-941A-3BE8A4825B06}"/>
-              </a:ext>
-            </a:extLst>
-          </p:cNvPr>
-          <p:cNvCxnSpPr>
-            <a:cxnSpLocks/>
-          </p:cNvCxnSpPr>
-          <p:nvPr/>
-        </p:nvCxnSpPr>
-        <p:spPr>
-          <a:xfrm>
-            <a:off x="2170386" y="2649439"/>
-            <a:ext cx="2324029" cy="0"/>
-          </a:xfrm>
-          <a:prstGeom prst="straightConnector1">
-            <a:avLst/>
-          </a:prstGeom>
-          <a:ln>
-            <a:headEnd type="none" w="med" len="med"/>
-            <a:tailEnd type="arrow" w="med" len="med"/>
-          </a:ln>
-        </p:spPr>
-        <p:style>
-          <a:lnRef idx="3">
-            <a:schemeClr val="dk1"/>
-          </a:lnRef>
-          <a:fillRef idx="0">
-            <a:schemeClr val="dk1"/>
-          </a:fillRef>
-          <a:effectRef idx="2">
-            <a:schemeClr val="dk1"/>
-          </a:effectRef>
-          <a:fontRef idx="minor">
-            <a:schemeClr val="tx1"/>
-          </a:fontRef>
-        </p:style>
-      </p:cxnSp>
+      <p:pic>
+        <p:nvPicPr>
+          <p:cNvPr id="15" name="Picture 14">
+            <a:extLst>
+              <a:ext uri="{FF2B5EF4-FFF2-40B4-BE49-F238E27FC236}">
+                <a16:creationId xmlns:a16="http://schemas.microsoft.com/office/drawing/2014/main" id="{39EC8BD1-614C-4167-8E0A-44DA16066FB8}"/>
+              </a:ext>
+            </a:extLst>
+          </p:cNvPr>
+          <p:cNvPicPr>
+            <a:picLocks noChangeAspect="1"/>
+          </p:cNvPicPr>
+          <p:nvPr/>
+        </p:nvPicPr>
+        <p:blipFill>
+          <a:blip r:embed="rId4">
+            <a:extLst>
+              <a:ext uri="{28A0092B-C50C-407E-A947-70E740481C1C}">
+                <a14:useLocalDpi xmlns:a14="http://schemas.microsoft.com/office/drawing/2010/main" val="0"/>
+              </a:ext>
+            </a:extLst>
+          </a:blip>
+          <a:stretch>
+            <a:fillRect/>
+          </a:stretch>
+        </p:blipFill>
+        <p:spPr>
+          <a:xfrm>
+            <a:off x="2233387" y="1685636"/>
+            <a:ext cx="8093987" cy="4395872"/>
+          </a:xfrm>
+          <a:prstGeom prst="rect">
+            <a:avLst/>
+          </a:prstGeom>
+        </p:spPr>
+      </p:pic>
     </p:spTree>
     <p:extLst>
       <p:ext uri="{BB962C8B-B14F-4D97-AF65-F5344CB8AC3E}">
@@ -12915,97 +11916,6 @@
           </a:fontRef>
         </p:style>
       </p:cxnSp>
-      <p:sp>
-        <p:nvSpPr>
-          <p:cNvPr id="16" name="Rectangle 15">
-            <a:extLst>
-              <a:ext uri="{FF2B5EF4-FFF2-40B4-BE49-F238E27FC236}">
-                <a16:creationId xmlns:a16="http://schemas.microsoft.com/office/drawing/2014/main" id="{0285C4BD-12F1-4D93-81B0-4B81C5DE0ACF}"/>
-              </a:ext>
-            </a:extLst>
-          </p:cNvPr>
-          <p:cNvSpPr/>
-          <p:nvPr/>
-        </p:nvSpPr>
-        <p:spPr>
-          <a:xfrm>
-            <a:off x="3841085" y="1114021"/>
-            <a:ext cx="169057" cy="4391855"/>
-          </a:xfrm>
-          <a:prstGeom prst="rect">
-            <a:avLst/>
-          </a:prstGeom>
-          <a:solidFill>
-            <a:schemeClr val="bg2"/>
-          </a:solidFill>
-          <a:ln>
-            <a:solidFill>
-              <a:schemeClr val="tx1"/>
-            </a:solidFill>
-          </a:ln>
-        </p:spPr>
-        <p:style>
-          <a:lnRef idx="2">
-            <a:schemeClr val="accent1">
-              <a:shade val="50000"/>
-            </a:schemeClr>
-          </a:lnRef>
-          <a:fillRef idx="1">
-            <a:schemeClr val="accent1"/>
-          </a:fillRef>
-          <a:effectRef idx="0">
-            <a:schemeClr val="accent1"/>
-          </a:effectRef>
-          <a:fontRef idx="minor">
-            <a:schemeClr val="lt1"/>
-          </a:fontRef>
-        </p:style>
-        <p:txBody>
-          <a:bodyPr rtlCol="0" anchor="ctr"/>
-          <a:lstStyle/>
-          <a:p>
-            <a:pPr algn="ctr"/>
-            <a:endParaRPr lang="en-US"/>
-          </a:p>
-        </p:txBody>
-      </p:sp>
-      <p:sp>
-        <p:nvSpPr>
-          <p:cNvPr id="17" name="TextBox 16">
-            <a:extLst>
-              <a:ext uri="{FF2B5EF4-FFF2-40B4-BE49-F238E27FC236}">
-                <a16:creationId xmlns:a16="http://schemas.microsoft.com/office/drawing/2014/main" id="{5F14A1DD-3841-44CD-81BB-FC50BB190866}"/>
-              </a:ext>
-            </a:extLst>
-          </p:cNvPr>
-          <p:cNvSpPr txBox="1"/>
-          <p:nvPr/>
-        </p:nvSpPr>
-        <p:spPr>
-          <a:xfrm>
-            <a:off x="3536369" y="780958"/>
-            <a:ext cx="798617" cy="307777"/>
-          </a:xfrm>
-          <a:prstGeom prst="rect">
-            <a:avLst/>
-          </a:prstGeom>
-          <a:noFill/>
-        </p:spPr>
-        <p:txBody>
-          <a:bodyPr wrap="none" rtlCol="0">
-            <a:spAutoFit/>
-          </a:bodyPr>
-          <a:lstStyle/>
-          <a:p>
-            <a:r>
-              <a:rPr lang="en-US" sz="1400" u="sng" dirty="0">
-                <a:latin typeface="Georgia" panose="02040502050405020303" pitchFamily="18" charset="0"/>
-              </a:rPr>
-              <a:t>Theater</a:t>
-            </a:r>
-          </a:p>
-        </p:txBody>
-      </p:sp>
       <p:cxnSp>
         <p:nvCxnSpPr>
           <p:cNvPr id="19" name="Straight Connector 18">

--- a/Diagrams and Charts/Sequence Charts.pptx
+++ b/Diagrams and Charts/Sequence Charts.pptx
@@ -12617,10 +12617,47 @@
       </p:grpSpPr>
       <p:sp>
         <p:nvSpPr>
-          <p:cNvPr id="4" name="Rectangle 3">
-            <a:extLst>
-              <a:ext uri="{FF2B5EF4-FFF2-40B4-BE49-F238E27FC236}">
-                <a16:creationId xmlns:a16="http://schemas.microsoft.com/office/drawing/2014/main" id="{5E4728A9-43B4-4413-8980-CA41E40E12A2}"/>
+          <p:cNvPr id="5" name="TextBox 4">
+            <a:extLst>
+              <a:ext uri="{FF2B5EF4-FFF2-40B4-BE49-F238E27FC236}">
+                <a16:creationId xmlns:a16="http://schemas.microsoft.com/office/drawing/2014/main" id="{EED46A86-C106-4596-9342-011EAB247CB0}"/>
+              </a:ext>
+            </a:extLst>
+          </p:cNvPr>
+          <p:cNvSpPr txBox="1"/>
+          <p:nvPr/>
+        </p:nvSpPr>
+        <p:spPr>
+          <a:xfrm>
+            <a:off x="4698124" y="216196"/>
+            <a:ext cx="4386137" cy="369332"/>
+          </a:xfrm>
+          <a:prstGeom prst="rect">
+            <a:avLst/>
+          </a:prstGeom>
+          <a:noFill/>
+        </p:spPr>
+        <p:txBody>
+          <a:bodyPr wrap="none" rtlCol="0">
+            <a:spAutoFit/>
+          </a:bodyPr>
+          <a:lstStyle/>
+          <a:p>
+            <a:r>
+              <a:rPr lang="en-US" b="1" dirty="0">
+                <a:latin typeface="Georgia" panose="02040502050405020303" pitchFamily="18" charset="0"/>
+              </a:rPr>
+              <a:t>Add Credit Card Sequence Diagram</a:t>
+            </a:r>
+          </a:p>
+        </p:txBody>
+      </p:sp>
+      <p:sp>
+        <p:nvSpPr>
+          <p:cNvPr id="61" name="Rectangle 60">
+            <a:extLst>
+              <a:ext uri="{FF2B5EF4-FFF2-40B4-BE49-F238E27FC236}">
+                <a16:creationId xmlns:a16="http://schemas.microsoft.com/office/drawing/2014/main" id="{476BA17D-3D5B-459C-ABCA-968711168F76}"/>
               </a:ext>
             </a:extLst>
           </p:cNvPr>
@@ -12664,12 +12701,51 @@
           </a:p>
         </p:txBody>
       </p:sp>
-      <p:sp>
-        <p:nvSpPr>
-          <p:cNvPr id="5" name="TextBox 4">
-            <a:extLst>
-              <a:ext uri="{FF2B5EF4-FFF2-40B4-BE49-F238E27FC236}">
-                <a16:creationId xmlns:a16="http://schemas.microsoft.com/office/drawing/2014/main" id="{EED46A86-C106-4596-9342-011EAB247CB0}"/>
+      <p:pic>
+        <p:nvPicPr>
+          <p:cNvPr id="62" name="Graphic 61" descr="User">
+            <a:extLst>
+              <a:ext uri="{FF2B5EF4-FFF2-40B4-BE49-F238E27FC236}">
+                <a16:creationId xmlns:a16="http://schemas.microsoft.com/office/drawing/2014/main" id="{202E64F5-6AFA-452B-ACDB-0297BAA745AC}"/>
+              </a:ext>
+            </a:extLst>
+          </p:cNvPr>
+          <p:cNvPicPr>
+            <a:picLocks noChangeAspect="1"/>
+          </p:cNvPicPr>
+          <p:nvPr/>
+        </p:nvPicPr>
+        <p:blipFill>
+          <a:blip r:embed="rId2">
+            <a:extLst>
+              <a:ext uri="{28A0092B-C50C-407E-A947-70E740481C1C}">
+                <a14:useLocalDpi xmlns:a14="http://schemas.microsoft.com/office/drawing/2010/main" val="0"/>
+              </a:ext>
+              <a:ext uri="{96DAC541-7B7A-43D3-8B79-37D633B846F1}">
+                <asvg:svgBlip xmlns:asvg="http://schemas.microsoft.com/office/drawing/2016/SVG/main" r:embed="rId3"/>
+              </a:ext>
+            </a:extLst>
+          </a:blip>
+          <a:stretch>
+            <a:fillRect/>
+          </a:stretch>
+        </p:blipFill>
+        <p:spPr>
+          <a:xfrm>
+            <a:off x="619666" y="3265941"/>
+            <a:ext cx="914400" cy="914400"/>
+          </a:xfrm>
+          <a:prstGeom prst="rect">
+            <a:avLst/>
+          </a:prstGeom>
+        </p:spPr>
+      </p:pic>
+      <p:sp>
+        <p:nvSpPr>
+          <p:cNvPr id="63" name="TextBox 62">
+            <a:extLst>
+              <a:ext uri="{FF2B5EF4-FFF2-40B4-BE49-F238E27FC236}">
+                <a16:creationId xmlns:a16="http://schemas.microsoft.com/office/drawing/2014/main" id="{4DFD2458-800D-4C5E-9323-DC9A7FDED306}"/>
               </a:ext>
             </a:extLst>
           </p:cNvPr>
@@ -12678,8 +12754,8 @@
         </p:nvSpPr>
         <p:spPr>
           <a:xfrm>
-            <a:off x="4698124" y="216196"/>
-            <a:ext cx="4386137" cy="369332"/>
+            <a:off x="772935" y="4077516"/>
+            <a:ext cx="607859" cy="307777"/>
           </a:xfrm>
           <a:prstGeom prst="rect">
             <a:avLst/>
@@ -12693,20 +12769,20 @@
           <a:lstStyle/>
           <a:p>
             <a:r>
-              <a:rPr lang="en-US" b="1" dirty="0">
+              <a:rPr lang="en-US" sz="1400" dirty="0">
                 <a:latin typeface="Georgia" panose="02040502050405020303" pitchFamily="18" charset="0"/>
               </a:rPr>
-              <a:t>Add Credit Card Sequence Diagram</a:t>
-            </a:r>
-          </a:p>
-        </p:txBody>
-      </p:sp>
-      <p:sp>
-        <p:nvSpPr>
-          <p:cNvPr id="6" name="Rectangle 5">
-            <a:extLst>
-              <a:ext uri="{FF2B5EF4-FFF2-40B4-BE49-F238E27FC236}">
-                <a16:creationId xmlns:a16="http://schemas.microsoft.com/office/drawing/2014/main" id="{5993E7F0-A172-4838-883D-6CEFEA31C010}"/>
+              <a:t>Clerk</a:t>
+            </a:r>
+          </a:p>
+        </p:txBody>
+      </p:sp>
+      <p:sp>
+        <p:nvSpPr>
+          <p:cNvPr id="64" name="Rectangle 63">
+            <a:extLst>
+              <a:ext uri="{FF2B5EF4-FFF2-40B4-BE49-F238E27FC236}">
+                <a16:creationId xmlns:a16="http://schemas.microsoft.com/office/drawing/2014/main" id="{699E88BF-B228-43CA-AB5A-474B09B192F1}"/>
               </a:ext>
             </a:extLst>
           </p:cNvPr>
@@ -12715,20 +12791,15 @@
         </p:nvSpPr>
         <p:spPr>
           <a:xfrm>
-            <a:off x="2001329" y="1114021"/>
-            <a:ext cx="169057" cy="4913656"/>
+            <a:off x="524028" y="1308911"/>
+            <a:ext cx="11103508" cy="5092276"/>
           </a:xfrm>
           <a:prstGeom prst="rect">
             <a:avLst/>
           </a:prstGeom>
           <a:solidFill>
-            <a:schemeClr val="bg2"/>
+            <a:schemeClr val="bg1"/>
           </a:solidFill>
-          <a:ln>
-            <a:solidFill>
-              <a:schemeClr val="tx1"/>
-            </a:solidFill>
-          </a:ln>
         </p:spPr>
         <p:style>
           <a:lnRef idx="2">
@@ -12751,16 +12822,19 @@
           <a:lstStyle/>
           <a:p>
             <a:pPr algn="ctr"/>
-            <a:endParaRPr lang="en-US"/>
-          </a:p>
-        </p:txBody>
-      </p:sp>
-      <p:sp>
-        <p:nvSpPr>
-          <p:cNvPr id="7" name="TextBox 6">
-            <a:extLst>
-              <a:ext uri="{FF2B5EF4-FFF2-40B4-BE49-F238E27FC236}">
-                <a16:creationId xmlns:a16="http://schemas.microsoft.com/office/drawing/2014/main" id="{8D400405-8429-45D0-A6D6-38BE802C9D65}"/>
+            <a:r>
+              <a:rPr lang="en-US" dirty="0"/>
+              <a:t>g</a:t>
+            </a:r>
+          </a:p>
+        </p:txBody>
+      </p:sp>
+      <p:sp>
+        <p:nvSpPr>
+          <p:cNvPr id="65" name="TextBox 64">
+            <a:extLst>
+              <a:ext uri="{FF2B5EF4-FFF2-40B4-BE49-F238E27FC236}">
+                <a16:creationId xmlns:a16="http://schemas.microsoft.com/office/drawing/2014/main" id="{BD1C3CC1-5322-4567-9BCB-095A97E0D5D7}"/>
               </a:ext>
             </a:extLst>
           </p:cNvPr>
@@ -12769,7 +12843,7 @@
         </p:nvSpPr>
         <p:spPr>
           <a:xfrm>
-            <a:off x="1389993" y="783735"/>
+            <a:off x="2690625" y="991112"/>
             <a:ext cx="1391728" cy="307777"/>
           </a:xfrm>
           <a:prstGeom prst="rect">
@@ -12794,10 +12868,10 @@
       </p:sp>
       <p:pic>
         <p:nvPicPr>
-          <p:cNvPr id="9" name="Graphic 8" descr="User">
-            <a:extLst>
-              <a:ext uri="{FF2B5EF4-FFF2-40B4-BE49-F238E27FC236}">
-                <a16:creationId xmlns:a16="http://schemas.microsoft.com/office/drawing/2014/main" id="{8CBF6EE1-F802-4256-A0A6-A52931E0F7B8}"/>
+          <p:cNvPr id="66" name="Graphic 65" descr="User">
+            <a:extLst>
+              <a:ext uri="{FF2B5EF4-FFF2-40B4-BE49-F238E27FC236}">
+                <a16:creationId xmlns:a16="http://schemas.microsoft.com/office/drawing/2014/main" id="{A6EA90F9-C886-46F7-A979-49440A7EA79E}"/>
               </a:ext>
             </a:extLst>
           </p:cNvPr>
@@ -12823,7 +12897,7 @@
         </p:blipFill>
         <p:spPr>
           <a:xfrm>
-            <a:off x="619666" y="3265941"/>
+            <a:off x="468048" y="3284639"/>
             <a:ext cx="914400" cy="914400"/>
           </a:xfrm>
           <a:prstGeom prst="rect">
@@ -12833,10 +12907,10 @@
       </p:pic>
       <p:sp>
         <p:nvSpPr>
-          <p:cNvPr id="10" name="TextBox 9">
-            <a:extLst>
-              <a:ext uri="{FF2B5EF4-FFF2-40B4-BE49-F238E27FC236}">
-                <a16:creationId xmlns:a16="http://schemas.microsoft.com/office/drawing/2014/main" id="{04D04300-9382-4C83-999F-A86D9A562CD2}"/>
+          <p:cNvPr id="67" name="TextBox 66">
+            <a:extLst>
+              <a:ext uri="{FF2B5EF4-FFF2-40B4-BE49-F238E27FC236}">
+                <a16:creationId xmlns:a16="http://schemas.microsoft.com/office/drawing/2014/main" id="{D93D57B5-27CF-4544-BA7D-AA21145CE306}"/>
               </a:ext>
             </a:extLst>
           </p:cNvPr>
@@ -12845,7 +12919,7 @@
         </p:nvSpPr>
         <p:spPr>
           <a:xfrm>
-            <a:off x="772935" y="4077516"/>
+            <a:off x="612156" y="4063848"/>
             <a:ext cx="607859" cy="307777"/>
           </a:xfrm>
           <a:prstGeom prst="rect">
@@ -12870,10 +12944,10 @@
       </p:sp>
       <p:cxnSp>
         <p:nvCxnSpPr>
-          <p:cNvPr id="13" name="Straight Arrow Connector 12">
-            <a:extLst>
-              <a:ext uri="{FF2B5EF4-FFF2-40B4-BE49-F238E27FC236}">
-                <a16:creationId xmlns:a16="http://schemas.microsoft.com/office/drawing/2014/main" id="{C92A00A1-D5F3-47EB-A5AB-07025FE787B1}"/>
+          <p:cNvPr id="68" name="Straight Connector 67">
+            <a:extLst>
+              <a:ext uri="{FF2B5EF4-FFF2-40B4-BE49-F238E27FC236}">
+                <a16:creationId xmlns:a16="http://schemas.microsoft.com/office/drawing/2014/main" id="{3AB51A09-DAA4-4A46-87A4-4D8E715E0B11}"/>
               </a:ext>
             </a:extLst>
           </p:cNvPr>
@@ -12883,21 +12957,21 @@
           <p:nvPr/>
         </p:nvCxnSpPr>
         <p:spPr>
-          <a:xfrm>
-            <a:off x="940676" y="1334813"/>
-            <a:ext cx="1060653" cy="0"/>
-          </a:xfrm>
-          <a:prstGeom prst="straightConnector1">
+          <a:xfrm flipH="1">
+            <a:off x="6295266" y="1445171"/>
+            <a:ext cx="1" cy="4827579"/>
+          </a:xfrm>
+          <a:prstGeom prst="line">
             <a:avLst/>
           </a:prstGeom>
           <a:ln w="9525" cap="flat" cmpd="sng" algn="ctr">
             <a:solidFill>
               <a:schemeClr val="dk1"/>
             </a:solidFill>
-            <a:prstDash val="solid"/>
+            <a:prstDash val="dash"/>
             <a:round/>
             <a:headEnd type="none" w="med" len="med"/>
-            <a:tailEnd type="arrow" w="med" len="med"/>
+            <a:tailEnd type="none" w="med" len="med"/>
           </a:ln>
         </p:spPr>
         <p:style>
@@ -12917,10 +12991,10 @@
       </p:cxnSp>
       <p:sp>
         <p:nvSpPr>
-          <p:cNvPr id="16" name="Rectangle 15">
-            <a:extLst>
-              <a:ext uri="{FF2B5EF4-FFF2-40B4-BE49-F238E27FC236}">
-                <a16:creationId xmlns:a16="http://schemas.microsoft.com/office/drawing/2014/main" id="{0285C4BD-12F1-4D93-81B0-4B81C5DE0ACF}"/>
+          <p:cNvPr id="69" name="Rectangle 68">
+            <a:extLst>
+              <a:ext uri="{FF2B5EF4-FFF2-40B4-BE49-F238E27FC236}">
+                <a16:creationId xmlns:a16="http://schemas.microsoft.com/office/drawing/2014/main" id="{A4B68F6D-C07A-499C-B3DE-5D30FC84BCCA}"/>
               </a:ext>
             </a:extLst>
           </p:cNvPr>
@@ -12929,8 +13003,8 @@
         </p:nvSpPr>
         <p:spPr>
           <a:xfrm>
-            <a:off x="3841085" y="1114021"/>
-            <a:ext cx="169057" cy="4391855"/>
+            <a:off x="6178527" y="2392437"/>
+            <a:ext cx="174551" cy="3262637"/>
           </a:xfrm>
           <a:prstGeom prst="rect">
             <a:avLst/>
@@ -12971,10 +13045,10 @@
       </p:sp>
       <p:sp>
         <p:nvSpPr>
-          <p:cNvPr id="17" name="TextBox 16">
-            <a:extLst>
-              <a:ext uri="{FF2B5EF4-FFF2-40B4-BE49-F238E27FC236}">
-                <a16:creationId xmlns:a16="http://schemas.microsoft.com/office/drawing/2014/main" id="{5F14A1DD-3841-44CD-81BB-FC50BB190866}"/>
+          <p:cNvPr id="70" name="TextBox 69">
+            <a:extLst>
+              <a:ext uri="{FF2B5EF4-FFF2-40B4-BE49-F238E27FC236}">
+                <a16:creationId xmlns:a16="http://schemas.microsoft.com/office/drawing/2014/main" id="{F222C9A3-310E-43EE-BE72-E41B79C1938A}"/>
               </a:ext>
             </a:extLst>
           </p:cNvPr>
@@ -12983,7 +13057,7 @@
         </p:nvSpPr>
         <p:spPr>
           <a:xfrm>
-            <a:off x="3536369" y="780958"/>
+            <a:off x="5877502" y="986563"/>
             <a:ext cx="798617" cy="307777"/>
           </a:xfrm>
           <a:prstGeom prst="rect">
@@ -13008,32 +13082,34 @@
       </p:sp>
       <p:cxnSp>
         <p:nvCxnSpPr>
-          <p:cNvPr id="19" name="Straight Connector 18">
-            <a:extLst>
-              <a:ext uri="{FF2B5EF4-FFF2-40B4-BE49-F238E27FC236}">
-                <a16:creationId xmlns:a16="http://schemas.microsoft.com/office/drawing/2014/main" id="{3145678D-8CB4-4933-BC4C-B105C5495678}"/>
-              </a:ext>
-            </a:extLst>
-          </p:cNvPr>
-          <p:cNvCxnSpPr/>
+          <p:cNvPr id="71" name="Straight Arrow Connector 70">
+            <a:extLst>
+              <a:ext uri="{FF2B5EF4-FFF2-40B4-BE49-F238E27FC236}">
+                <a16:creationId xmlns:a16="http://schemas.microsoft.com/office/drawing/2014/main" id="{CF37E261-3C71-4323-BB61-8800BC9537C0}"/>
+              </a:ext>
+            </a:extLst>
+          </p:cNvPr>
+          <p:cNvCxnSpPr>
+            <a:cxnSpLocks/>
+          </p:cNvCxnSpPr>
           <p:nvPr/>
         </p:nvCxnSpPr>
         <p:spPr>
           <a:xfrm>
-            <a:off x="2065283" y="6027677"/>
-            <a:ext cx="0" cy="294295"/>
-          </a:xfrm>
-          <a:prstGeom prst="line">
+            <a:off x="3540221" y="3559478"/>
+            <a:ext cx="2647186" cy="0"/>
+          </a:xfrm>
+          <a:prstGeom prst="straightConnector1">
             <a:avLst/>
           </a:prstGeom>
           <a:ln w="9525" cap="flat" cmpd="sng" algn="ctr">
             <a:solidFill>
               <a:schemeClr val="dk1"/>
             </a:solidFill>
-            <a:prstDash val="dash"/>
+            <a:prstDash val="solid"/>
             <a:round/>
             <a:headEnd type="none" w="med" len="med"/>
-            <a:tailEnd type="none" w="med" len="med"/>
+            <a:tailEnd type="arrow" w="med" len="med"/>
           </a:ln>
         </p:spPr>
         <p:style>
@@ -13053,10 +13129,10 @@
       </p:cxnSp>
       <p:cxnSp>
         <p:nvCxnSpPr>
-          <p:cNvPr id="20" name="Straight Connector 19">
-            <a:extLst>
-              <a:ext uri="{FF2B5EF4-FFF2-40B4-BE49-F238E27FC236}">
-                <a16:creationId xmlns:a16="http://schemas.microsoft.com/office/drawing/2014/main" id="{093D5B23-CD8E-4B7F-9953-8B4E721B9BC0}"/>
+          <p:cNvPr id="72" name="Straight Arrow Connector 71">
+            <a:extLst>
+              <a:ext uri="{FF2B5EF4-FFF2-40B4-BE49-F238E27FC236}">
+                <a16:creationId xmlns:a16="http://schemas.microsoft.com/office/drawing/2014/main" id="{7C175654-5B19-4A34-B64C-E202B077B58E}"/>
               </a:ext>
             </a:extLst>
           </p:cNvPr>
@@ -13067,20 +13143,20 @@
         </p:nvCxnSpPr>
         <p:spPr>
           <a:xfrm>
-            <a:off x="3925614" y="5505876"/>
-            <a:ext cx="0" cy="816096"/>
-          </a:xfrm>
-          <a:prstGeom prst="line">
+            <a:off x="6357253" y="3651786"/>
+            <a:ext cx="4283234" cy="23429"/>
+          </a:xfrm>
+          <a:prstGeom prst="straightConnector1">
             <a:avLst/>
           </a:prstGeom>
           <a:ln w="9525" cap="flat" cmpd="sng" algn="ctr">
             <a:solidFill>
               <a:schemeClr val="dk1"/>
             </a:solidFill>
-            <a:prstDash val="dash"/>
+            <a:prstDash val="solid"/>
             <a:round/>
             <a:headEnd type="none" w="med" len="med"/>
-            <a:tailEnd type="none" w="med" len="med"/>
+            <a:tailEnd type="arrow" w="med" len="med"/>
           </a:ln>
         </p:spPr>
         <p:style>
@@ -13098,6 +13174,1652 @@
           </a:fontRef>
         </p:style>
       </p:cxnSp>
+      <p:cxnSp>
+        <p:nvCxnSpPr>
+          <p:cNvPr id="73" name="Straight Connector 72">
+            <a:extLst>
+              <a:ext uri="{FF2B5EF4-FFF2-40B4-BE49-F238E27FC236}">
+                <a16:creationId xmlns:a16="http://schemas.microsoft.com/office/drawing/2014/main" id="{CF60DF2C-C708-4E2B-AF01-F66312D4DE25}"/>
+              </a:ext>
+            </a:extLst>
+          </p:cNvPr>
+          <p:cNvCxnSpPr>
+            <a:cxnSpLocks/>
+          </p:cNvCxnSpPr>
+          <p:nvPr/>
+        </p:nvCxnSpPr>
+        <p:spPr>
+          <a:xfrm flipH="1">
+            <a:off x="10698298" y="1449139"/>
+            <a:ext cx="25210" cy="4876801"/>
+          </a:xfrm>
+          <a:prstGeom prst="line">
+            <a:avLst/>
+          </a:prstGeom>
+          <a:ln w="9525" cap="flat" cmpd="sng" algn="ctr">
+            <a:solidFill>
+              <a:schemeClr val="dk1"/>
+            </a:solidFill>
+            <a:prstDash val="dash"/>
+            <a:round/>
+            <a:headEnd type="none" w="med" len="med"/>
+            <a:tailEnd type="none" w="med" len="med"/>
+          </a:ln>
+        </p:spPr>
+        <p:style>
+          <a:lnRef idx="0">
+            <a:scrgbClr r="0" g="0" b="0"/>
+          </a:lnRef>
+          <a:fillRef idx="0">
+            <a:scrgbClr r="0" g="0" b="0"/>
+          </a:fillRef>
+          <a:effectRef idx="0">
+            <a:scrgbClr r="0" g="0" b="0"/>
+          </a:effectRef>
+          <a:fontRef idx="minor">
+            <a:schemeClr val="tx1"/>
+          </a:fontRef>
+        </p:style>
+      </p:cxnSp>
+      <p:sp>
+        <p:nvSpPr>
+          <p:cNvPr id="74" name="TextBox 73">
+            <a:extLst>
+              <a:ext uri="{FF2B5EF4-FFF2-40B4-BE49-F238E27FC236}">
+                <a16:creationId xmlns:a16="http://schemas.microsoft.com/office/drawing/2014/main" id="{33F9F209-F9E8-45DB-B789-75DB0582A785}"/>
+              </a:ext>
+            </a:extLst>
+          </p:cNvPr>
+          <p:cNvSpPr txBox="1"/>
+          <p:nvPr/>
+        </p:nvSpPr>
+        <p:spPr>
+          <a:xfrm>
+            <a:off x="10113888" y="987473"/>
+            <a:ext cx="1211807" cy="307777"/>
+          </a:xfrm>
+          <a:prstGeom prst="rect">
+            <a:avLst/>
+          </a:prstGeom>
+          <a:noFill/>
+        </p:spPr>
+        <p:txBody>
+          <a:bodyPr wrap="none" rtlCol="0">
+            <a:spAutoFit/>
+          </a:bodyPr>
+          <a:lstStyle/>
+          <a:p>
+            <a:r>
+              <a:rPr lang="en-US" sz="1400" u="sng" dirty="0" err="1"/>
+              <a:t>CreditCardList</a:t>
+            </a:r>
+            <a:endParaRPr lang="en-US" sz="1400" u="sng" dirty="0"/>
+          </a:p>
+        </p:txBody>
+      </p:sp>
+      <p:sp>
+        <p:nvSpPr>
+          <p:cNvPr id="75" name="Rectangle 74">
+            <a:extLst>
+              <a:ext uri="{FF2B5EF4-FFF2-40B4-BE49-F238E27FC236}">
+                <a16:creationId xmlns:a16="http://schemas.microsoft.com/office/drawing/2014/main" id="{D2A29C26-D56C-46E9-AE92-F50D7A7FEA90}"/>
+              </a:ext>
+            </a:extLst>
+          </p:cNvPr>
+          <p:cNvSpPr/>
+          <p:nvPr/>
+        </p:nvSpPr>
+        <p:spPr>
+          <a:xfrm>
+            <a:off x="10635262" y="3269909"/>
+            <a:ext cx="127583" cy="1673964"/>
+          </a:xfrm>
+          <a:prstGeom prst="rect">
+            <a:avLst/>
+          </a:prstGeom>
+          <a:solidFill>
+            <a:schemeClr val="bg2"/>
+          </a:solidFill>
+          <a:ln>
+            <a:solidFill>
+              <a:schemeClr val="tx1"/>
+            </a:solidFill>
+          </a:ln>
+        </p:spPr>
+        <p:style>
+          <a:lnRef idx="2">
+            <a:schemeClr val="accent1">
+              <a:shade val="50000"/>
+            </a:schemeClr>
+          </a:lnRef>
+          <a:fillRef idx="1">
+            <a:schemeClr val="accent1"/>
+          </a:fillRef>
+          <a:effectRef idx="0">
+            <a:schemeClr val="accent1"/>
+          </a:effectRef>
+          <a:fontRef idx="minor">
+            <a:schemeClr val="lt1"/>
+          </a:fontRef>
+        </p:style>
+        <p:txBody>
+          <a:bodyPr rtlCol="0" anchor="ctr"/>
+          <a:lstStyle/>
+          <a:p>
+            <a:pPr algn="ctr"/>
+            <a:endParaRPr lang="en-US"/>
+          </a:p>
+        </p:txBody>
+      </p:sp>
+      <p:sp>
+        <p:nvSpPr>
+          <p:cNvPr id="77" name="TextBox 76">
+            <a:extLst>
+              <a:ext uri="{FF2B5EF4-FFF2-40B4-BE49-F238E27FC236}">
+                <a16:creationId xmlns:a16="http://schemas.microsoft.com/office/drawing/2014/main" id="{B4527521-B4D7-4F79-B5E6-AB55CF0918F1}"/>
+              </a:ext>
+            </a:extLst>
+          </p:cNvPr>
+          <p:cNvSpPr txBox="1"/>
+          <p:nvPr/>
+        </p:nvSpPr>
+        <p:spPr>
+          <a:xfrm>
+            <a:off x="6553394" y="3370741"/>
+            <a:ext cx="4045702" cy="276999"/>
+          </a:xfrm>
+          <a:prstGeom prst="rect">
+            <a:avLst/>
+          </a:prstGeom>
+          <a:noFill/>
+        </p:spPr>
+        <p:txBody>
+          <a:bodyPr wrap="square" rtlCol="0">
+            <a:spAutoFit/>
+          </a:bodyPr>
+          <a:lstStyle/>
+          <a:p>
+            <a:r>
+              <a:rPr lang="en-US" sz="1200" dirty="0" err="1"/>
+              <a:t>getCreditCard</a:t>
+            </a:r>
+            <a:r>
+              <a:rPr lang="en-US" sz="1200" dirty="0"/>
+              <a:t>(</a:t>
+            </a:r>
+            <a:r>
+              <a:rPr lang="en-US" sz="1200" dirty="0" err="1"/>
+              <a:t>cardNumber</a:t>
+            </a:r>
+            <a:r>
+              <a:rPr lang="en-US" sz="1200" dirty="0"/>
+              <a:t>)</a:t>
+            </a:r>
+          </a:p>
+        </p:txBody>
+      </p:sp>
+      <p:cxnSp>
+        <p:nvCxnSpPr>
+          <p:cNvPr id="78" name="Straight Arrow Connector 77">
+            <a:extLst>
+              <a:ext uri="{FF2B5EF4-FFF2-40B4-BE49-F238E27FC236}">
+                <a16:creationId xmlns:a16="http://schemas.microsoft.com/office/drawing/2014/main" id="{0D83F8CC-5FAD-4E13-BBEC-45A1B17AA346}"/>
+              </a:ext>
+            </a:extLst>
+          </p:cNvPr>
+          <p:cNvCxnSpPr>
+            <a:cxnSpLocks/>
+          </p:cNvCxnSpPr>
+          <p:nvPr/>
+        </p:nvCxnSpPr>
+        <p:spPr>
+          <a:xfrm flipH="1" flipV="1">
+            <a:off x="6362478" y="4037894"/>
+            <a:ext cx="4278009" cy="19198"/>
+          </a:xfrm>
+          <a:prstGeom prst="straightConnector1">
+            <a:avLst/>
+          </a:prstGeom>
+          <a:ln>
+            <a:prstDash val="lgDash"/>
+            <a:tailEnd type="triangle"/>
+          </a:ln>
+        </p:spPr>
+        <p:style>
+          <a:lnRef idx="1">
+            <a:schemeClr val="dk1"/>
+          </a:lnRef>
+          <a:fillRef idx="0">
+            <a:schemeClr val="dk1"/>
+          </a:fillRef>
+          <a:effectRef idx="0">
+            <a:schemeClr val="dk1"/>
+          </a:effectRef>
+          <a:fontRef idx="minor">
+            <a:schemeClr val="tx1"/>
+          </a:fontRef>
+        </p:style>
+      </p:cxnSp>
+      <p:cxnSp>
+        <p:nvCxnSpPr>
+          <p:cNvPr id="79" name="Straight Arrow Connector 78">
+            <a:extLst>
+              <a:ext uri="{FF2B5EF4-FFF2-40B4-BE49-F238E27FC236}">
+                <a16:creationId xmlns:a16="http://schemas.microsoft.com/office/drawing/2014/main" id="{C4DDFB34-173E-41C6-A7ED-A0498B71082E}"/>
+              </a:ext>
+            </a:extLst>
+          </p:cNvPr>
+          <p:cNvCxnSpPr>
+            <a:cxnSpLocks/>
+          </p:cNvCxnSpPr>
+          <p:nvPr/>
+        </p:nvCxnSpPr>
+        <p:spPr>
+          <a:xfrm flipH="1">
+            <a:off x="1403812" y="5929744"/>
+            <a:ext cx="1973993" cy="0"/>
+          </a:xfrm>
+          <a:prstGeom prst="straightConnector1">
+            <a:avLst/>
+          </a:prstGeom>
+          <a:ln>
+            <a:tailEnd type="triangle"/>
+          </a:ln>
+        </p:spPr>
+        <p:style>
+          <a:lnRef idx="1">
+            <a:schemeClr val="dk1"/>
+          </a:lnRef>
+          <a:fillRef idx="0">
+            <a:schemeClr val="dk1"/>
+          </a:fillRef>
+          <a:effectRef idx="0">
+            <a:schemeClr val="dk1"/>
+          </a:effectRef>
+          <a:fontRef idx="minor">
+            <a:schemeClr val="tx1"/>
+          </a:fontRef>
+        </p:style>
+      </p:cxnSp>
+      <p:sp>
+        <p:nvSpPr>
+          <p:cNvPr id="82" name="TextBox 81">
+            <a:extLst>
+              <a:ext uri="{FF2B5EF4-FFF2-40B4-BE49-F238E27FC236}">
+                <a16:creationId xmlns:a16="http://schemas.microsoft.com/office/drawing/2014/main" id="{1A3FEA8F-FA97-45F7-AA8D-AAD7C70B578D}"/>
+              </a:ext>
+            </a:extLst>
+          </p:cNvPr>
+          <p:cNvSpPr txBox="1"/>
+          <p:nvPr/>
+        </p:nvSpPr>
+        <p:spPr>
+          <a:xfrm>
+            <a:off x="6901046" y="3786849"/>
+            <a:ext cx="1893142" cy="276999"/>
+          </a:xfrm>
+          <a:prstGeom prst="rect">
+            <a:avLst/>
+          </a:prstGeom>
+          <a:noFill/>
+        </p:spPr>
+        <p:txBody>
+          <a:bodyPr wrap="square" rtlCol="0">
+            <a:spAutoFit/>
+          </a:bodyPr>
+          <a:lstStyle/>
+          <a:p>
+            <a:r>
+              <a:rPr lang="en-US" sz="1200" dirty="0"/>
+              <a:t>[Exists] </a:t>
+            </a:r>
+            <a:r>
+              <a:rPr lang="en-US" sz="1200" dirty="0" err="1"/>
+              <a:t>creditCard</a:t>
+            </a:r>
+            <a:r>
+              <a:rPr lang="en-US" sz="1200" dirty="0"/>
+              <a:t> or null</a:t>
+            </a:r>
+          </a:p>
+        </p:txBody>
+      </p:sp>
+      <p:sp>
+        <p:nvSpPr>
+          <p:cNvPr id="83" name="TextBox 82">
+            <a:extLst>
+              <a:ext uri="{FF2B5EF4-FFF2-40B4-BE49-F238E27FC236}">
+                <a16:creationId xmlns:a16="http://schemas.microsoft.com/office/drawing/2014/main" id="{3CCD7F59-D015-44FE-8C7F-714AEFD65F3E}"/>
+              </a:ext>
+            </a:extLst>
+          </p:cNvPr>
+          <p:cNvSpPr txBox="1"/>
+          <p:nvPr/>
+        </p:nvSpPr>
+        <p:spPr>
+          <a:xfrm>
+            <a:off x="1195353" y="5648106"/>
+            <a:ext cx="2150553" cy="276999"/>
+          </a:xfrm>
+          <a:prstGeom prst="rect">
+            <a:avLst/>
+          </a:prstGeom>
+          <a:noFill/>
+        </p:spPr>
+        <p:txBody>
+          <a:bodyPr wrap="square" rtlCol="0">
+            <a:spAutoFit/>
+          </a:bodyPr>
+          <a:lstStyle/>
+          <a:p>
+            <a:r>
+              <a:rPr lang="en-US" sz="1200" dirty="0"/>
+              <a:t>Credit </a:t>
+            </a:r>
+            <a:r>
+              <a:rPr lang="en-US" sz="1200"/>
+              <a:t>card added successfully</a:t>
+            </a:r>
+            <a:endParaRPr lang="en-US" sz="1200" dirty="0"/>
+          </a:p>
+        </p:txBody>
+      </p:sp>
+      <p:sp>
+        <p:nvSpPr>
+          <p:cNvPr id="84" name="TextBox 83">
+            <a:extLst>
+              <a:ext uri="{FF2B5EF4-FFF2-40B4-BE49-F238E27FC236}">
+                <a16:creationId xmlns:a16="http://schemas.microsoft.com/office/drawing/2014/main" id="{14D9903C-43DF-4274-BB7C-E79762A4FA58}"/>
+              </a:ext>
+            </a:extLst>
+          </p:cNvPr>
+          <p:cNvSpPr txBox="1"/>
+          <p:nvPr/>
+        </p:nvSpPr>
+        <p:spPr>
+          <a:xfrm>
+            <a:off x="1195353" y="3999155"/>
+            <a:ext cx="2723277" cy="276999"/>
+          </a:xfrm>
+          <a:prstGeom prst="rect">
+            <a:avLst/>
+          </a:prstGeom>
+          <a:noFill/>
+        </p:spPr>
+        <p:txBody>
+          <a:bodyPr wrap="square" rtlCol="0">
+            <a:spAutoFit/>
+          </a:bodyPr>
+          <a:lstStyle/>
+          <a:p>
+            <a:r>
+              <a:rPr lang="en-US" sz="1200" dirty="0"/>
+              <a:t>[If card Exists] Card already exists</a:t>
+            </a:r>
+          </a:p>
+        </p:txBody>
+      </p:sp>
+      <p:cxnSp>
+        <p:nvCxnSpPr>
+          <p:cNvPr id="85" name="Straight Arrow Connector 84">
+            <a:extLst>
+              <a:ext uri="{FF2B5EF4-FFF2-40B4-BE49-F238E27FC236}">
+                <a16:creationId xmlns:a16="http://schemas.microsoft.com/office/drawing/2014/main" id="{49701178-868C-4C5F-B7DD-A2487DC3ABEA}"/>
+              </a:ext>
+            </a:extLst>
+          </p:cNvPr>
+          <p:cNvCxnSpPr>
+            <a:cxnSpLocks/>
+          </p:cNvCxnSpPr>
+          <p:nvPr/>
+        </p:nvCxnSpPr>
+        <p:spPr>
+          <a:xfrm>
+            <a:off x="1793289" y="2823192"/>
+            <a:ext cx="1561496" cy="0"/>
+          </a:xfrm>
+          <a:prstGeom prst="straightConnector1">
+            <a:avLst/>
+          </a:prstGeom>
+          <a:ln>
+            <a:tailEnd type="triangle"/>
+          </a:ln>
+        </p:spPr>
+        <p:style>
+          <a:lnRef idx="1">
+            <a:schemeClr val="dk1"/>
+          </a:lnRef>
+          <a:fillRef idx="0">
+            <a:schemeClr val="dk1"/>
+          </a:fillRef>
+          <a:effectRef idx="0">
+            <a:schemeClr val="dk1"/>
+          </a:effectRef>
+          <a:fontRef idx="minor">
+            <a:schemeClr val="tx1"/>
+          </a:fontRef>
+        </p:style>
+      </p:cxnSp>
+      <p:sp>
+        <p:nvSpPr>
+          <p:cNvPr id="86" name="TextBox 85">
+            <a:extLst>
+              <a:ext uri="{FF2B5EF4-FFF2-40B4-BE49-F238E27FC236}">
+                <a16:creationId xmlns:a16="http://schemas.microsoft.com/office/drawing/2014/main" id="{B1A62B5D-085D-4305-9D7B-078F514CE01F}"/>
+              </a:ext>
+            </a:extLst>
+          </p:cNvPr>
+          <p:cNvSpPr txBox="1"/>
+          <p:nvPr/>
+        </p:nvSpPr>
+        <p:spPr>
+          <a:xfrm>
+            <a:off x="1770864" y="2361527"/>
+            <a:ext cx="1966553" cy="461665"/>
+          </a:xfrm>
+          <a:prstGeom prst="rect">
+            <a:avLst/>
+          </a:prstGeom>
+          <a:noFill/>
+        </p:spPr>
+        <p:txBody>
+          <a:bodyPr wrap="square" rtlCol="0">
+            <a:spAutoFit/>
+          </a:bodyPr>
+          <a:lstStyle/>
+          <a:p>
+            <a:r>
+              <a:rPr lang="en-US" sz="1200" dirty="0"/>
+              <a:t>Enters card Number, expiration Date</a:t>
+            </a:r>
+          </a:p>
+        </p:txBody>
+      </p:sp>
+      <p:cxnSp>
+        <p:nvCxnSpPr>
+          <p:cNvPr id="87" name="Straight Connector 86">
+            <a:extLst>
+              <a:ext uri="{FF2B5EF4-FFF2-40B4-BE49-F238E27FC236}">
+                <a16:creationId xmlns:a16="http://schemas.microsoft.com/office/drawing/2014/main" id="{DC7389F5-52BD-4BE2-AC63-0FBAF2ACD161}"/>
+              </a:ext>
+            </a:extLst>
+          </p:cNvPr>
+          <p:cNvCxnSpPr>
+            <a:cxnSpLocks/>
+          </p:cNvCxnSpPr>
+          <p:nvPr/>
+        </p:nvCxnSpPr>
+        <p:spPr>
+          <a:xfrm flipH="1">
+            <a:off x="3457444" y="1391883"/>
+            <a:ext cx="1" cy="4827579"/>
+          </a:xfrm>
+          <a:prstGeom prst="line">
+            <a:avLst/>
+          </a:prstGeom>
+          <a:ln w="9525" cap="flat" cmpd="sng" algn="ctr">
+            <a:solidFill>
+              <a:schemeClr val="dk1"/>
+            </a:solidFill>
+            <a:prstDash val="dash"/>
+            <a:round/>
+            <a:headEnd type="none" w="med" len="med"/>
+            <a:tailEnd type="none" w="med" len="med"/>
+          </a:ln>
+        </p:spPr>
+        <p:style>
+          <a:lnRef idx="0">
+            <a:scrgbClr r="0" g="0" b="0"/>
+          </a:lnRef>
+          <a:fillRef idx="0">
+            <a:scrgbClr r="0" g="0" b="0"/>
+          </a:fillRef>
+          <a:effectRef idx="0">
+            <a:scrgbClr r="0" g="0" b="0"/>
+          </a:effectRef>
+          <a:fontRef idx="minor">
+            <a:schemeClr val="tx1"/>
+          </a:fontRef>
+        </p:style>
+      </p:cxnSp>
+      <p:sp>
+        <p:nvSpPr>
+          <p:cNvPr id="88" name="Rectangle 87">
+            <a:extLst>
+              <a:ext uri="{FF2B5EF4-FFF2-40B4-BE49-F238E27FC236}">
+                <a16:creationId xmlns:a16="http://schemas.microsoft.com/office/drawing/2014/main" id="{FE823AE6-9332-4C51-8243-C19A0F931794}"/>
+              </a:ext>
+            </a:extLst>
+          </p:cNvPr>
+          <p:cNvSpPr/>
+          <p:nvPr/>
+        </p:nvSpPr>
+        <p:spPr>
+          <a:xfrm>
+            <a:off x="3354785" y="1445172"/>
+            <a:ext cx="169056" cy="4876800"/>
+          </a:xfrm>
+          <a:prstGeom prst="rect">
+            <a:avLst/>
+          </a:prstGeom>
+          <a:solidFill>
+            <a:schemeClr val="bg2"/>
+          </a:solidFill>
+          <a:ln>
+            <a:solidFill>
+              <a:schemeClr val="tx1"/>
+            </a:solidFill>
+          </a:ln>
+        </p:spPr>
+        <p:style>
+          <a:lnRef idx="2">
+            <a:schemeClr val="accent1">
+              <a:shade val="50000"/>
+            </a:schemeClr>
+          </a:lnRef>
+          <a:fillRef idx="1">
+            <a:schemeClr val="accent1"/>
+          </a:fillRef>
+          <a:effectRef idx="0">
+            <a:schemeClr val="accent1"/>
+          </a:effectRef>
+          <a:fontRef idx="minor">
+            <a:schemeClr val="lt1"/>
+          </a:fontRef>
+        </p:style>
+        <p:txBody>
+          <a:bodyPr rtlCol="0" anchor="ctr"/>
+          <a:lstStyle/>
+          <a:p>
+            <a:pPr algn="ctr"/>
+            <a:endParaRPr lang="en-US"/>
+          </a:p>
+        </p:txBody>
+      </p:sp>
+      <p:sp>
+        <p:nvSpPr>
+          <p:cNvPr id="89" name="TextBox 88">
+            <a:extLst>
+              <a:ext uri="{FF2B5EF4-FFF2-40B4-BE49-F238E27FC236}">
+                <a16:creationId xmlns:a16="http://schemas.microsoft.com/office/drawing/2014/main" id="{39205130-B892-434D-850B-D4D1AAD3C866}"/>
+              </a:ext>
+            </a:extLst>
+          </p:cNvPr>
+          <p:cNvSpPr txBox="1"/>
+          <p:nvPr/>
+        </p:nvSpPr>
+        <p:spPr>
+          <a:xfrm>
+            <a:off x="3927091" y="3883572"/>
+            <a:ext cx="1893142" cy="276999"/>
+          </a:xfrm>
+          <a:prstGeom prst="rect">
+            <a:avLst/>
+          </a:prstGeom>
+          <a:noFill/>
+        </p:spPr>
+        <p:txBody>
+          <a:bodyPr wrap="square" rtlCol="0">
+            <a:spAutoFit/>
+          </a:bodyPr>
+          <a:lstStyle/>
+          <a:p>
+            <a:r>
+              <a:rPr lang="en-US" sz="1200" dirty="0"/>
+              <a:t>[Exists] </a:t>
+            </a:r>
+            <a:r>
+              <a:rPr lang="en-US" sz="1200" dirty="0" err="1"/>
+              <a:t>creditCard</a:t>
+            </a:r>
+            <a:r>
+              <a:rPr lang="en-US" sz="1200" dirty="0"/>
+              <a:t> or null</a:t>
+            </a:r>
+          </a:p>
+        </p:txBody>
+      </p:sp>
+      <p:cxnSp>
+        <p:nvCxnSpPr>
+          <p:cNvPr id="90" name="Straight Arrow Connector 89">
+            <a:extLst>
+              <a:ext uri="{FF2B5EF4-FFF2-40B4-BE49-F238E27FC236}">
+                <a16:creationId xmlns:a16="http://schemas.microsoft.com/office/drawing/2014/main" id="{2A77AE81-1ED3-4ECF-B7CA-969D9F9C8123}"/>
+              </a:ext>
+            </a:extLst>
+          </p:cNvPr>
+          <p:cNvCxnSpPr>
+            <a:cxnSpLocks/>
+          </p:cNvCxnSpPr>
+          <p:nvPr/>
+        </p:nvCxnSpPr>
+        <p:spPr>
+          <a:xfrm flipH="1" flipV="1">
+            <a:off x="1294922" y="4275349"/>
+            <a:ext cx="2058961" cy="13668"/>
+          </a:xfrm>
+          <a:prstGeom prst="straightConnector1">
+            <a:avLst/>
+          </a:prstGeom>
+          <a:ln>
+            <a:tailEnd type="triangle"/>
+          </a:ln>
+        </p:spPr>
+        <p:style>
+          <a:lnRef idx="1">
+            <a:schemeClr val="dk1"/>
+          </a:lnRef>
+          <a:fillRef idx="0">
+            <a:schemeClr val="dk1"/>
+          </a:fillRef>
+          <a:effectRef idx="0">
+            <a:schemeClr val="dk1"/>
+          </a:effectRef>
+          <a:fontRef idx="minor">
+            <a:schemeClr val="tx1"/>
+          </a:fontRef>
+        </p:style>
+      </p:cxnSp>
+      <p:sp>
+        <p:nvSpPr>
+          <p:cNvPr id="91" name="TextBox 90">
+            <a:extLst>
+              <a:ext uri="{FF2B5EF4-FFF2-40B4-BE49-F238E27FC236}">
+                <a16:creationId xmlns:a16="http://schemas.microsoft.com/office/drawing/2014/main" id="{A6DDB24A-3DC0-41BF-A771-9B19FCB30393}"/>
+              </a:ext>
+            </a:extLst>
+          </p:cNvPr>
+          <p:cNvSpPr txBox="1"/>
+          <p:nvPr/>
+        </p:nvSpPr>
+        <p:spPr>
+          <a:xfrm>
+            <a:off x="3613670" y="3329724"/>
+            <a:ext cx="2553788" cy="276999"/>
+          </a:xfrm>
+          <a:prstGeom prst="rect">
+            <a:avLst/>
+          </a:prstGeom>
+          <a:noFill/>
+        </p:spPr>
+        <p:txBody>
+          <a:bodyPr wrap="square" rtlCol="0">
+            <a:spAutoFit/>
+          </a:bodyPr>
+          <a:lstStyle/>
+          <a:p>
+            <a:r>
+              <a:rPr lang="en-US" sz="1200" dirty="0" err="1"/>
+              <a:t>getCustomerCreditCard</a:t>
+            </a:r>
+            <a:r>
+              <a:rPr lang="en-US" sz="1200" dirty="0"/>
+              <a:t>(</a:t>
+            </a:r>
+            <a:r>
+              <a:rPr lang="en-US" sz="1200" dirty="0" err="1"/>
+              <a:t>cardNumber</a:t>
+            </a:r>
+            <a:r>
+              <a:rPr lang="en-US" sz="1200" dirty="0"/>
+              <a:t>)</a:t>
+            </a:r>
+          </a:p>
+        </p:txBody>
+      </p:sp>
+      <p:sp>
+        <p:nvSpPr>
+          <p:cNvPr id="92" name="TextBox 91">
+            <a:extLst>
+              <a:ext uri="{FF2B5EF4-FFF2-40B4-BE49-F238E27FC236}">
+                <a16:creationId xmlns:a16="http://schemas.microsoft.com/office/drawing/2014/main" id="{8087C266-2F6F-47F3-B5BA-EF0B3EF8FF8F}"/>
+              </a:ext>
+            </a:extLst>
+          </p:cNvPr>
+          <p:cNvSpPr txBox="1"/>
+          <p:nvPr/>
+        </p:nvSpPr>
+        <p:spPr>
+          <a:xfrm>
+            <a:off x="3613670" y="4572582"/>
+            <a:ext cx="2587603" cy="276999"/>
+          </a:xfrm>
+          <a:prstGeom prst="rect">
+            <a:avLst/>
+          </a:prstGeom>
+          <a:noFill/>
+        </p:spPr>
+        <p:txBody>
+          <a:bodyPr wrap="square" rtlCol="0">
+            <a:spAutoFit/>
+          </a:bodyPr>
+          <a:lstStyle/>
+          <a:p>
+            <a:r>
+              <a:rPr lang="en-US" sz="1200" dirty="0" err="1"/>
+              <a:t>addCustomerCreditCard</a:t>
+            </a:r>
+            <a:r>
+              <a:rPr lang="en-US" sz="1200" dirty="0"/>
+              <a:t>(</a:t>
+            </a:r>
+            <a:r>
+              <a:rPr lang="en-US" sz="1200" dirty="0" err="1"/>
+              <a:t>creditCard</a:t>
+            </a:r>
+            <a:r>
+              <a:rPr lang="en-US" sz="1200" dirty="0"/>
+              <a:t>)</a:t>
+            </a:r>
+          </a:p>
+        </p:txBody>
+      </p:sp>
+      <p:cxnSp>
+        <p:nvCxnSpPr>
+          <p:cNvPr id="93" name="Straight Arrow Connector 92">
+            <a:extLst>
+              <a:ext uri="{FF2B5EF4-FFF2-40B4-BE49-F238E27FC236}">
+                <a16:creationId xmlns:a16="http://schemas.microsoft.com/office/drawing/2014/main" id="{83AE8DD0-0C27-4383-83E4-34D97E62AB74}"/>
+              </a:ext>
+            </a:extLst>
+          </p:cNvPr>
+          <p:cNvCxnSpPr>
+            <a:cxnSpLocks/>
+          </p:cNvCxnSpPr>
+          <p:nvPr/>
+        </p:nvCxnSpPr>
+        <p:spPr>
+          <a:xfrm>
+            <a:off x="3540221" y="4863697"/>
+            <a:ext cx="2647186" cy="0"/>
+          </a:xfrm>
+          <a:prstGeom prst="straightConnector1">
+            <a:avLst/>
+          </a:prstGeom>
+          <a:ln w="9525" cap="flat" cmpd="sng" algn="ctr">
+            <a:solidFill>
+              <a:schemeClr val="dk1"/>
+            </a:solidFill>
+            <a:prstDash val="solid"/>
+            <a:round/>
+            <a:headEnd type="none" w="med" len="med"/>
+            <a:tailEnd type="arrow" w="med" len="med"/>
+          </a:ln>
+        </p:spPr>
+        <p:style>
+          <a:lnRef idx="0">
+            <a:scrgbClr r="0" g="0" b="0"/>
+          </a:lnRef>
+          <a:fillRef idx="0">
+            <a:scrgbClr r="0" g="0" b="0"/>
+          </a:fillRef>
+          <a:effectRef idx="0">
+            <a:scrgbClr r="0" g="0" b="0"/>
+          </a:effectRef>
+          <a:fontRef idx="minor">
+            <a:schemeClr val="tx1"/>
+          </a:fontRef>
+        </p:style>
+      </p:cxnSp>
+      <p:cxnSp>
+        <p:nvCxnSpPr>
+          <p:cNvPr id="94" name="Straight Arrow Connector 93">
+            <a:extLst>
+              <a:ext uri="{FF2B5EF4-FFF2-40B4-BE49-F238E27FC236}">
+                <a16:creationId xmlns:a16="http://schemas.microsoft.com/office/drawing/2014/main" id="{5DC88DC2-0D28-4AED-934E-BA76197AFE28}"/>
+              </a:ext>
+            </a:extLst>
+          </p:cNvPr>
+          <p:cNvCxnSpPr>
+            <a:cxnSpLocks/>
+          </p:cNvCxnSpPr>
+          <p:nvPr/>
+        </p:nvCxnSpPr>
+        <p:spPr>
+          <a:xfrm flipV="1">
+            <a:off x="6358303" y="4937552"/>
+            <a:ext cx="4274988" cy="1"/>
+          </a:xfrm>
+          <a:prstGeom prst="straightConnector1">
+            <a:avLst/>
+          </a:prstGeom>
+          <a:ln w="9525" cap="flat" cmpd="sng" algn="ctr">
+            <a:solidFill>
+              <a:schemeClr val="dk1"/>
+            </a:solidFill>
+            <a:prstDash val="solid"/>
+            <a:round/>
+            <a:headEnd type="none" w="med" len="med"/>
+            <a:tailEnd type="arrow" w="med" len="med"/>
+          </a:ln>
+        </p:spPr>
+        <p:style>
+          <a:lnRef idx="0">
+            <a:scrgbClr r="0" g="0" b="0"/>
+          </a:lnRef>
+          <a:fillRef idx="0">
+            <a:scrgbClr r="0" g="0" b="0"/>
+          </a:fillRef>
+          <a:effectRef idx="0">
+            <a:scrgbClr r="0" g="0" b="0"/>
+          </a:effectRef>
+          <a:fontRef idx="minor">
+            <a:schemeClr val="tx1"/>
+          </a:fontRef>
+        </p:style>
+      </p:cxnSp>
+      <p:sp>
+        <p:nvSpPr>
+          <p:cNvPr id="95" name="TextBox 94">
+            <a:extLst>
+              <a:ext uri="{FF2B5EF4-FFF2-40B4-BE49-F238E27FC236}">
+                <a16:creationId xmlns:a16="http://schemas.microsoft.com/office/drawing/2014/main" id="{E30B5A48-1961-478F-8FEC-DF41F6D8FAF9}"/>
+              </a:ext>
+            </a:extLst>
+          </p:cNvPr>
+          <p:cNvSpPr txBox="1"/>
+          <p:nvPr/>
+        </p:nvSpPr>
+        <p:spPr>
+          <a:xfrm>
+            <a:off x="6830261" y="4646437"/>
+            <a:ext cx="2982895" cy="276999"/>
+          </a:xfrm>
+          <a:prstGeom prst="rect">
+            <a:avLst/>
+          </a:prstGeom>
+          <a:noFill/>
+        </p:spPr>
+        <p:txBody>
+          <a:bodyPr wrap="square" rtlCol="0">
+            <a:spAutoFit/>
+          </a:bodyPr>
+          <a:lstStyle/>
+          <a:p>
+            <a:r>
+              <a:rPr lang="en-US" sz="1200" dirty="0" err="1"/>
+              <a:t>addCreditCard</a:t>
+            </a:r>
+            <a:r>
+              <a:rPr lang="en-US" sz="1200" dirty="0"/>
+              <a:t>(</a:t>
+            </a:r>
+            <a:r>
+              <a:rPr lang="en-US" sz="1200" dirty="0" err="1"/>
+              <a:t>creditCard</a:t>
+            </a:r>
+            <a:r>
+              <a:rPr lang="en-US" sz="1200" dirty="0"/>
+              <a:t>)</a:t>
+            </a:r>
+          </a:p>
+        </p:txBody>
+      </p:sp>
+      <p:cxnSp>
+        <p:nvCxnSpPr>
+          <p:cNvPr id="100" name="Straight Arrow Connector 99">
+            <a:extLst>
+              <a:ext uri="{FF2B5EF4-FFF2-40B4-BE49-F238E27FC236}">
+                <a16:creationId xmlns:a16="http://schemas.microsoft.com/office/drawing/2014/main" id="{AB6FB9AA-EE60-47AD-B9A7-B0D8237B5E35}"/>
+              </a:ext>
+            </a:extLst>
+          </p:cNvPr>
+          <p:cNvCxnSpPr>
+            <a:cxnSpLocks/>
+          </p:cNvCxnSpPr>
+          <p:nvPr/>
+        </p:nvCxnSpPr>
+        <p:spPr>
+          <a:xfrm flipH="1" flipV="1">
+            <a:off x="3523568" y="4160441"/>
+            <a:ext cx="2622455" cy="13221"/>
+          </a:xfrm>
+          <a:prstGeom prst="straightConnector1">
+            <a:avLst/>
+          </a:prstGeom>
+          <a:ln>
+            <a:prstDash val="lgDash"/>
+            <a:tailEnd type="triangle"/>
+          </a:ln>
+        </p:spPr>
+        <p:style>
+          <a:lnRef idx="1">
+            <a:schemeClr val="dk1"/>
+          </a:lnRef>
+          <a:fillRef idx="0">
+            <a:schemeClr val="dk1"/>
+          </a:fillRef>
+          <a:effectRef idx="0">
+            <a:schemeClr val="dk1"/>
+          </a:effectRef>
+          <a:fontRef idx="minor">
+            <a:schemeClr val="tx1"/>
+          </a:fontRef>
+        </p:style>
+      </p:cxnSp>
+      <p:sp>
+        <p:nvSpPr>
+          <p:cNvPr id="2" name="TextBox 1">
+            <a:extLst>
+              <a:ext uri="{FF2B5EF4-FFF2-40B4-BE49-F238E27FC236}">
+                <a16:creationId xmlns:a16="http://schemas.microsoft.com/office/drawing/2014/main" id="{F1D8A6B3-CE55-48D2-9A06-DD8DA866336B}"/>
+              </a:ext>
+            </a:extLst>
+          </p:cNvPr>
+          <p:cNvSpPr txBox="1"/>
+          <p:nvPr/>
+        </p:nvSpPr>
+        <p:spPr>
+          <a:xfrm>
+            <a:off x="1603298" y="1265896"/>
+            <a:ext cx="1575020" cy="1200329"/>
+          </a:xfrm>
+          <a:prstGeom prst="rect">
+            <a:avLst/>
+          </a:prstGeom>
+          <a:noFill/>
+        </p:spPr>
+        <p:txBody>
+          <a:bodyPr wrap="square" rtlCol="0">
+            <a:spAutoFit/>
+          </a:bodyPr>
+          <a:lstStyle/>
+          <a:p>
+            <a:r>
+              <a:rPr lang="en-US" sz="1200" dirty="0"/>
+              <a:t>Asks for customer ID</a:t>
+            </a:r>
+          </a:p>
+          <a:p>
+            <a:endParaRPr lang="en-US" sz="1200" dirty="0"/>
+          </a:p>
+          <a:p>
+            <a:r>
+              <a:rPr lang="en-US" sz="1200" dirty="0"/>
+              <a:t>Enters customer ID</a:t>
+            </a:r>
+          </a:p>
+          <a:p>
+            <a:endParaRPr lang="en-US" sz="1200" dirty="0"/>
+          </a:p>
+          <a:p>
+            <a:r>
+              <a:rPr lang="en-US" sz="1200" dirty="0"/>
+              <a:t>Asks for card number and Expiration</a:t>
+            </a:r>
+          </a:p>
+        </p:txBody>
+      </p:sp>
+      <p:cxnSp>
+        <p:nvCxnSpPr>
+          <p:cNvPr id="104" name="Straight Arrow Connector 103">
+            <a:extLst>
+              <a:ext uri="{FF2B5EF4-FFF2-40B4-BE49-F238E27FC236}">
+                <a16:creationId xmlns:a16="http://schemas.microsoft.com/office/drawing/2014/main" id="{223595AC-9E5D-43B9-AFF1-8B4288CA3EB6}"/>
+              </a:ext>
+            </a:extLst>
+          </p:cNvPr>
+          <p:cNvCxnSpPr>
+            <a:cxnSpLocks/>
+          </p:cNvCxnSpPr>
+          <p:nvPr/>
+        </p:nvCxnSpPr>
+        <p:spPr>
+          <a:xfrm>
+            <a:off x="1768194" y="1866060"/>
+            <a:ext cx="1561496" cy="0"/>
+          </a:xfrm>
+          <a:prstGeom prst="straightConnector1">
+            <a:avLst/>
+          </a:prstGeom>
+          <a:ln>
+            <a:tailEnd type="triangle"/>
+          </a:ln>
+        </p:spPr>
+        <p:style>
+          <a:lnRef idx="1">
+            <a:schemeClr val="dk1"/>
+          </a:lnRef>
+          <a:fillRef idx="0">
+            <a:schemeClr val="dk1"/>
+          </a:fillRef>
+          <a:effectRef idx="0">
+            <a:schemeClr val="dk1"/>
+          </a:effectRef>
+          <a:fontRef idx="minor">
+            <a:schemeClr val="tx1"/>
+          </a:fontRef>
+        </p:style>
+      </p:cxnSp>
+      <p:cxnSp>
+        <p:nvCxnSpPr>
+          <p:cNvPr id="105" name="Straight Arrow Connector 104">
+            <a:extLst>
+              <a:ext uri="{FF2B5EF4-FFF2-40B4-BE49-F238E27FC236}">
+                <a16:creationId xmlns:a16="http://schemas.microsoft.com/office/drawing/2014/main" id="{90166613-151F-4366-9449-37C8C0612740}"/>
+              </a:ext>
+            </a:extLst>
+          </p:cNvPr>
+          <p:cNvCxnSpPr>
+            <a:cxnSpLocks/>
+          </p:cNvCxnSpPr>
+          <p:nvPr/>
+        </p:nvCxnSpPr>
+        <p:spPr>
+          <a:xfrm flipH="1" flipV="1">
+            <a:off x="1305599" y="1509859"/>
+            <a:ext cx="2058961" cy="13668"/>
+          </a:xfrm>
+          <a:prstGeom prst="straightConnector1">
+            <a:avLst/>
+          </a:prstGeom>
+          <a:ln>
+            <a:tailEnd type="triangle"/>
+          </a:ln>
+        </p:spPr>
+        <p:style>
+          <a:lnRef idx="1">
+            <a:schemeClr val="dk1"/>
+          </a:lnRef>
+          <a:fillRef idx="0">
+            <a:schemeClr val="dk1"/>
+          </a:fillRef>
+          <a:effectRef idx="0">
+            <a:schemeClr val="dk1"/>
+          </a:effectRef>
+          <a:fontRef idx="minor">
+            <a:schemeClr val="tx1"/>
+          </a:fontRef>
+        </p:style>
+      </p:cxnSp>
+      <p:cxnSp>
+        <p:nvCxnSpPr>
+          <p:cNvPr id="106" name="Straight Arrow Connector 105">
+            <a:extLst>
+              <a:ext uri="{FF2B5EF4-FFF2-40B4-BE49-F238E27FC236}">
+                <a16:creationId xmlns:a16="http://schemas.microsoft.com/office/drawing/2014/main" id="{E2A24F92-EAAC-4542-83A0-43D2636E2E49}"/>
+              </a:ext>
+            </a:extLst>
+          </p:cNvPr>
+          <p:cNvCxnSpPr>
+            <a:cxnSpLocks/>
+          </p:cNvCxnSpPr>
+          <p:nvPr/>
+        </p:nvCxnSpPr>
+        <p:spPr>
+          <a:xfrm flipH="1" flipV="1">
+            <a:off x="1286944" y="2394984"/>
+            <a:ext cx="2058961" cy="13668"/>
+          </a:xfrm>
+          <a:prstGeom prst="straightConnector1">
+            <a:avLst/>
+          </a:prstGeom>
+          <a:ln>
+            <a:tailEnd type="triangle"/>
+          </a:ln>
+        </p:spPr>
+        <p:style>
+          <a:lnRef idx="1">
+            <a:schemeClr val="dk1"/>
+          </a:lnRef>
+          <a:fillRef idx="0">
+            <a:schemeClr val="dk1"/>
+          </a:fillRef>
+          <a:effectRef idx="0">
+            <a:schemeClr val="dk1"/>
+          </a:effectRef>
+          <a:fontRef idx="minor">
+            <a:schemeClr val="tx1"/>
+          </a:fontRef>
+        </p:style>
+      </p:cxnSp>
+      <p:sp>
+        <p:nvSpPr>
+          <p:cNvPr id="107" name="TextBox 106">
+            <a:extLst>
+              <a:ext uri="{FF2B5EF4-FFF2-40B4-BE49-F238E27FC236}">
+                <a16:creationId xmlns:a16="http://schemas.microsoft.com/office/drawing/2014/main" id="{CC5A41A1-1834-4201-846A-8FD4D08BC1FC}"/>
+              </a:ext>
+            </a:extLst>
+          </p:cNvPr>
+          <p:cNvSpPr txBox="1"/>
+          <p:nvPr/>
+        </p:nvSpPr>
+        <p:spPr>
+          <a:xfrm>
+            <a:off x="4050786" y="2603072"/>
+            <a:ext cx="1667067" cy="276999"/>
+          </a:xfrm>
+          <a:prstGeom prst="rect">
+            <a:avLst/>
+          </a:prstGeom>
+          <a:noFill/>
+        </p:spPr>
+        <p:txBody>
+          <a:bodyPr wrap="square" rtlCol="0">
+            <a:spAutoFit/>
+          </a:bodyPr>
+          <a:lstStyle/>
+          <a:p>
+            <a:r>
+              <a:rPr lang="en-US" sz="1200" dirty="0" err="1"/>
+              <a:t>getCustomerList</a:t>
+            </a:r>
+            <a:r>
+              <a:rPr lang="en-US" sz="1200" dirty="0"/>
+              <a:t>()</a:t>
+            </a:r>
+          </a:p>
+        </p:txBody>
+      </p:sp>
+      <p:cxnSp>
+        <p:nvCxnSpPr>
+          <p:cNvPr id="108" name="Straight Arrow Connector 107">
+            <a:extLst>
+              <a:ext uri="{FF2B5EF4-FFF2-40B4-BE49-F238E27FC236}">
+                <a16:creationId xmlns:a16="http://schemas.microsoft.com/office/drawing/2014/main" id="{9F886569-1D9C-4596-B2EC-36BE9057E467}"/>
+              </a:ext>
+            </a:extLst>
+          </p:cNvPr>
+          <p:cNvCxnSpPr>
+            <a:cxnSpLocks/>
+          </p:cNvCxnSpPr>
+          <p:nvPr/>
+        </p:nvCxnSpPr>
+        <p:spPr>
+          <a:xfrm>
+            <a:off x="3531341" y="2905469"/>
+            <a:ext cx="2647186" cy="0"/>
+          </a:xfrm>
+          <a:prstGeom prst="straightConnector1">
+            <a:avLst/>
+          </a:prstGeom>
+          <a:ln w="9525" cap="flat" cmpd="sng" algn="ctr">
+            <a:solidFill>
+              <a:schemeClr val="dk1"/>
+            </a:solidFill>
+            <a:prstDash val="solid"/>
+            <a:round/>
+            <a:headEnd type="none" w="med" len="med"/>
+            <a:tailEnd type="arrow" w="med" len="med"/>
+          </a:ln>
+        </p:spPr>
+        <p:style>
+          <a:lnRef idx="0">
+            <a:scrgbClr r="0" g="0" b="0"/>
+          </a:lnRef>
+          <a:fillRef idx="0">
+            <a:scrgbClr r="0" g="0" b="0"/>
+          </a:fillRef>
+          <a:effectRef idx="0">
+            <a:scrgbClr r="0" g="0" b="0"/>
+          </a:effectRef>
+          <a:fontRef idx="minor">
+            <a:schemeClr val="tx1"/>
+          </a:fontRef>
+        </p:style>
+      </p:cxnSp>
+      <p:cxnSp>
+        <p:nvCxnSpPr>
+          <p:cNvPr id="109" name="Straight Connector 108">
+            <a:extLst>
+              <a:ext uri="{FF2B5EF4-FFF2-40B4-BE49-F238E27FC236}">
+                <a16:creationId xmlns:a16="http://schemas.microsoft.com/office/drawing/2014/main" id="{EDA941B6-3669-4C22-A81D-4493CA929E2A}"/>
+              </a:ext>
+            </a:extLst>
+          </p:cNvPr>
+          <p:cNvCxnSpPr>
+            <a:cxnSpLocks/>
+          </p:cNvCxnSpPr>
+          <p:nvPr/>
+        </p:nvCxnSpPr>
+        <p:spPr>
+          <a:xfrm flipH="1">
+            <a:off x="9555546" y="1434568"/>
+            <a:ext cx="25210" cy="4876801"/>
+          </a:xfrm>
+          <a:prstGeom prst="line">
+            <a:avLst/>
+          </a:prstGeom>
+          <a:ln w="9525" cap="flat" cmpd="sng" algn="ctr">
+            <a:solidFill>
+              <a:schemeClr val="dk1"/>
+            </a:solidFill>
+            <a:prstDash val="dash"/>
+            <a:round/>
+            <a:headEnd type="none" w="med" len="med"/>
+            <a:tailEnd type="none" w="med" len="med"/>
+          </a:ln>
+        </p:spPr>
+        <p:style>
+          <a:lnRef idx="0">
+            <a:scrgbClr r="0" g="0" b="0"/>
+          </a:lnRef>
+          <a:fillRef idx="0">
+            <a:scrgbClr r="0" g="0" b="0"/>
+          </a:fillRef>
+          <a:effectRef idx="0">
+            <a:scrgbClr r="0" g="0" b="0"/>
+          </a:effectRef>
+          <a:fontRef idx="minor">
+            <a:schemeClr val="tx1"/>
+          </a:fontRef>
+        </p:style>
+      </p:cxnSp>
+      <p:sp>
+        <p:nvSpPr>
+          <p:cNvPr id="110" name="TextBox 109">
+            <a:extLst>
+              <a:ext uri="{FF2B5EF4-FFF2-40B4-BE49-F238E27FC236}">
+                <a16:creationId xmlns:a16="http://schemas.microsoft.com/office/drawing/2014/main" id="{DBE523EF-DBC1-4710-9E0F-97870FB378AD}"/>
+              </a:ext>
+            </a:extLst>
+          </p:cNvPr>
+          <p:cNvSpPr txBox="1"/>
+          <p:nvPr/>
+        </p:nvSpPr>
+        <p:spPr>
+          <a:xfrm>
+            <a:off x="8971136" y="972902"/>
+            <a:ext cx="1211807" cy="307777"/>
+          </a:xfrm>
+          <a:prstGeom prst="rect">
+            <a:avLst/>
+          </a:prstGeom>
+          <a:noFill/>
+        </p:spPr>
+        <p:txBody>
+          <a:bodyPr wrap="square" rtlCol="0">
+            <a:spAutoFit/>
+          </a:bodyPr>
+          <a:lstStyle/>
+          <a:p>
+            <a:r>
+              <a:rPr lang="en-US" sz="1400" u="sng" dirty="0" err="1"/>
+              <a:t>CustomerList</a:t>
+            </a:r>
+            <a:endParaRPr lang="en-US" sz="1400" u="sng" dirty="0"/>
+          </a:p>
+        </p:txBody>
+      </p:sp>
+      <p:sp>
+        <p:nvSpPr>
+          <p:cNvPr id="111" name="Rectangle 110">
+            <a:extLst>
+              <a:ext uri="{FF2B5EF4-FFF2-40B4-BE49-F238E27FC236}">
+                <a16:creationId xmlns:a16="http://schemas.microsoft.com/office/drawing/2014/main" id="{A75DC903-0C14-489F-A295-AABAF616D871}"/>
+              </a:ext>
+            </a:extLst>
+          </p:cNvPr>
+          <p:cNvSpPr/>
+          <p:nvPr/>
+        </p:nvSpPr>
+        <p:spPr>
+          <a:xfrm>
+            <a:off x="9510096" y="2823192"/>
+            <a:ext cx="174551" cy="736341"/>
+          </a:xfrm>
+          <a:prstGeom prst="rect">
+            <a:avLst/>
+          </a:prstGeom>
+          <a:solidFill>
+            <a:schemeClr val="bg2"/>
+          </a:solidFill>
+          <a:ln>
+            <a:solidFill>
+              <a:schemeClr val="tx1"/>
+            </a:solidFill>
+          </a:ln>
+        </p:spPr>
+        <p:style>
+          <a:lnRef idx="2">
+            <a:schemeClr val="accent1">
+              <a:shade val="50000"/>
+            </a:schemeClr>
+          </a:lnRef>
+          <a:fillRef idx="1">
+            <a:schemeClr val="accent1"/>
+          </a:fillRef>
+          <a:effectRef idx="0">
+            <a:schemeClr val="accent1"/>
+          </a:effectRef>
+          <a:fontRef idx="minor">
+            <a:schemeClr val="lt1"/>
+          </a:fontRef>
+        </p:style>
+        <p:txBody>
+          <a:bodyPr rtlCol="0" anchor="ctr"/>
+          <a:lstStyle/>
+          <a:p>
+            <a:pPr algn="ctr"/>
+            <a:endParaRPr lang="en-US"/>
+          </a:p>
+        </p:txBody>
+      </p:sp>
+      <p:cxnSp>
+        <p:nvCxnSpPr>
+          <p:cNvPr id="112" name="Straight Arrow Connector 111">
+            <a:extLst>
+              <a:ext uri="{FF2B5EF4-FFF2-40B4-BE49-F238E27FC236}">
+                <a16:creationId xmlns:a16="http://schemas.microsoft.com/office/drawing/2014/main" id="{71A32977-E0B3-46AA-81D2-76637786CFF7}"/>
+              </a:ext>
+            </a:extLst>
+          </p:cNvPr>
+          <p:cNvCxnSpPr>
+            <a:cxnSpLocks/>
+          </p:cNvCxnSpPr>
+          <p:nvPr/>
+        </p:nvCxnSpPr>
+        <p:spPr>
+          <a:xfrm>
+            <a:off x="6362080" y="2978773"/>
+            <a:ext cx="3136685" cy="0"/>
+          </a:xfrm>
+          <a:prstGeom prst="straightConnector1">
+            <a:avLst/>
+          </a:prstGeom>
+          <a:ln w="9525" cap="flat" cmpd="sng" algn="ctr">
+            <a:solidFill>
+              <a:schemeClr val="dk1"/>
+            </a:solidFill>
+            <a:prstDash val="solid"/>
+            <a:round/>
+            <a:headEnd type="none" w="med" len="med"/>
+            <a:tailEnd type="arrow" w="med" len="med"/>
+          </a:ln>
+        </p:spPr>
+        <p:style>
+          <a:lnRef idx="0">
+            <a:scrgbClr r="0" g="0" b="0"/>
+          </a:lnRef>
+          <a:fillRef idx="0">
+            <a:scrgbClr r="0" g="0" b="0"/>
+          </a:fillRef>
+          <a:effectRef idx="0">
+            <a:scrgbClr r="0" g="0" b="0"/>
+          </a:effectRef>
+          <a:fontRef idx="minor">
+            <a:schemeClr val="tx1"/>
+          </a:fontRef>
+        </p:style>
+      </p:cxnSp>
+      <p:cxnSp>
+        <p:nvCxnSpPr>
+          <p:cNvPr id="114" name="Straight Arrow Connector 113">
+            <a:extLst>
+              <a:ext uri="{FF2B5EF4-FFF2-40B4-BE49-F238E27FC236}">
+                <a16:creationId xmlns:a16="http://schemas.microsoft.com/office/drawing/2014/main" id="{1FE2B43C-A7A9-40DA-8D50-734B8A24F56D}"/>
+              </a:ext>
+            </a:extLst>
+          </p:cNvPr>
+          <p:cNvCxnSpPr>
+            <a:cxnSpLocks/>
+          </p:cNvCxnSpPr>
+          <p:nvPr/>
+        </p:nvCxnSpPr>
+        <p:spPr>
+          <a:xfrm flipH="1">
+            <a:off x="6310650" y="3243741"/>
+            <a:ext cx="3178512" cy="4038"/>
+          </a:xfrm>
+          <a:prstGeom prst="straightConnector1">
+            <a:avLst/>
+          </a:prstGeom>
+          <a:ln>
+            <a:prstDash val="lgDash"/>
+            <a:tailEnd type="triangle"/>
+          </a:ln>
+        </p:spPr>
+        <p:style>
+          <a:lnRef idx="1">
+            <a:schemeClr val="dk1"/>
+          </a:lnRef>
+          <a:fillRef idx="0">
+            <a:schemeClr val="dk1"/>
+          </a:fillRef>
+          <a:effectRef idx="0">
+            <a:schemeClr val="dk1"/>
+          </a:effectRef>
+          <a:fontRef idx="minor">
+            <a:schemeClr val="tx1"/>
+          </a:fontRef>
+        </p:style>
+      </p:cxnSp>
+      <p:sp>
+        <p:nvSpPr>
+          <p:cNvPr id="116" name="TextBox 115">
+            <a:extLst>
+              <a:ext uri="{FF2B5EF4-FFF2-40B4-BE49-F238E27FC236}">
+                <a16:creationId xmlns:a16="http://schemas.microsoft.com/office/drawing/2014/main" id="{98B59C2F-A6B8-4166-A0B9-F1633F2814C9}"/>
+              </a:ext>
+            </a:extLst>
+          </p:cNvPr>
+          <p:cNvSpPr txBox="1"/>
+          <p:nvPr/>
+        </p:nvSpPr>
+        <p:spPr>
+          <a:xfrm>
+            <a:off x="6959627" y="2964361"/>
+            <a:ext cx="1893142" cy="276999"/>
+          </a:xfrm>
+          <a:prstGeom prst="rect">
+            <a:avLst/>
+          </a:prstGeom>
+          <a:noFill/>
+        </p:spPr>
+        <p:txBody>
+          <a:bodyPr wrap="square" rtlCol="0">
+            <a:spAutoFit/>
+          </a:bodyPr>
+          <a:lstStyle/>
+          <a:p>
+            <a:r>
+              <a:rPr lang="en-US" sz="1200" dirty="0"/>
+              <a:t>[Exists] true or false</a:t>
+            </a:r>
+          </a:p>
+        </p:txBody>
+      </p:sp>
+      <p:sp>
+        <p:nvSpPr>
+          <p:cNvPr id="117" name="TextBox 116">
+            <a:extLst>
+              <a:ext uri="{FF2B5EF4-FFF2-40B4-BE49-F238E27FC236}">
+                <a16:creationId xmlns:a16="http://schemas.microsoft.com/office/drawing/2014/main" id="{D3A4F91C-92E6-4871-9F8A-9C9C6917AD32}"/>
+              </a:ext>
+            </a:extLst>
+          </p:cNvPr>
+          <p:cNvSpPr txBox="1"/>
+          <p:nvPr/>
+        </p:nvSpPr>
+        <p:spPr>
+          <a:xfrm>
+            <a:off x="6967495" y="2764745"/>
+            <a:ext cx="1992460" cy="276999"/>
+          </a:xfrm>
+          <a:prstGeom prst="rect">
+            <a:avLst/>
+          </a:prstGeom>
+          <a:noFill/>
+        </p:spPr>
+        <p:txBody>
+          <a:bodyPr wrap="square" rtlCol="0">
+            <a:spAutoFit/>
+          </a:bodyPr>
+          <a:lstStyle/>
+          <a:p>
+            <a:r>
+              <a:rPr lang="en-US" sz="1200" dirty="0" err="1"/>
+              <a:t>customerExists</a:t>
+            </a:r>
+            <a:r>
+              <a:rPr lang="en-US" sz="1200" dirty="0"/>
+              <a:t>(</a:t>
+            </a:r>
+            <a:r>
+              <a:rPr lang="en-US" sz="1200" dirty="0" err="1"/>
+              <a:t>customerID</a:t>
+            </a:r>
+            <a:r>
+              <a:rPr lang="en-US" sz="1200" dirty="0"/>
+              <a:t>)</a:t>
+            </a:r>
+          </a:p>
+        </p:txBody>
+      </p:sp>
+      <p:cxnSp>
+        <p:nvCxnSpPr>
+          <p:cNvPr id="118" name="Straight Arrow Connector 117">
+            <a:extLst>
+              <a:ext uri="{FF2B5EF4-FFF2-40B4-BE49-F238E27FC236}">
+                <a16:creationId xmlns:a16="http://schemas.microsoft.com/office/drawing/2014/main" id="{F2A6E628-B289-4854-862C-53CE96285F75}"/>
+              </a:ext>
+            </a:extLst>
+          </p:cNvPr>
+          <p:cNvCxnSpPr>
+            <a:cxnSpLocks/>
+          </p:cNvCxnSpPr>
+          <p:nvPr/>
+        </p:nvCxnSpPr>
+        <p:spPr>
+          <a:xfrm flipH="1" flipV="1">
+            <a:off x="3509558" y="3310111"/>
+            <a:ext cx="2679716" cy="6420"/>
+          </a:xfrm>
+          <a:prstGeom prst="straightConnector1">
+            <a:avLst/>
+          </a:prstGeom>
+          <a:ln>
+            <a:prstDash val="lgDash"/>
+            <a:tailEnd type="triangle"/>
+          </a:ln>
+        </p:spPr>
+        <p:style>
+          <a:lnRef idx="1">
+            <a:schemeClr val="dk1"/>
+          </a:lnRef>
+          <a:fillRef idx="0">
+            <a:schemeClr val="dk1"/>
+          </a:fillRef>
+          <a:effectRef idx="0">
+            <a:schemeClr val="dk1"/>
+          </a:effectRef>
+          <a:fontRef idx="minor">
+            <a:schemeClr val="tx1"/>
+          </a:fontRef>
+        </p:style>
+      </p:cxnSp>
+      <p:sp>
+        <p:nvSpPr>
+          <p:cNvPr id="120" name="TextBox 119">
+            <a:extLst>
+              <a:ext uri="{FF2B5EF4-FFF2-40B4-BE49-F238E27FC236}">
+                <a16:creationId xmlns:a16="http://schemas.microsoft.com/office/drawing/2014/main" id="{BF2DC492-9501-4ECE-B2F8-F55F5A4FB66F}"/>
+              </a:ext>
+            </a:extLst>
+          </p:cNvPr>
+          <p:cNvSpPr txBox="1"/>
+          <p:nvPr/>
+        </p:nvSpPr>
+        <p:spPr>
+          <a:xfrm>
+            <a:off x="4085069" y="3074909"/>
+            <a:ext cx="1893142" cy="276999"/>
+          </a:xfrm>
+          <a:prstGeom prst="rect">
+            <a:avLst/>
+          </a:prstGeom>
+          <a:noFill/>
+        </p:spPr>
+        <p:txBody>
+          <a:bodyPr wrap="square" rtlCol="0">
+            <a:spAutoFit/>
+          </a:bodyPr>
+          <a:lstStyle/>
+          <a:p>
+            <a:r>
+              <a:rPr lang="en-US" sz="1200" dirty="0"/>
+              <a:t>[Exists] true or false</a:t>
+            </a:r>
+          </a:p>
+        </p:txBody>
+      </p:sp>
+      <p:cxnSp>
+        <p:nvCxnSpPr>
+          <p:cNvPr id="121" name="Straight Arrow Connector 120">
+            <a:extLst>
+              <a:ext uri="{FF2B5EF4-FFF2-40B4-BE49-F238E27FC236}">
+                <a16:creationId xmlns:a16="http://schemas.microsoft.com/office/drawing/2014/main" id="{05D74F12-3267-4304-B8D6-D31696087319}"/>
+              </a:ext>
+            </a:extLst>
+          </p:cNvPr>
+          <p:cNvCxnSpPr>
+            <a:cxnSpLocks/>
+          </p:cNvCxnSpPr>
+          <p:nvPr/>
+        </p:nvCxnSpPr>
+        <p:spPr>
+          <a:xfrm flipH="1" flipV="1">
+            <a:off x="1295824" y="3439182"/>
+            <a:ext cx="2058961" cy="13668"/>
+          </a:xfrm>
+          <a:prstGeom prst="straightConnector1">
+            <a:avLst/>
+          </a:prstGeom>
+          <a:ln>
+            <a:tailEnd type="triangle"/>
+          </a:ln>
+        </p:spPr>
+        <p:style>
+          <a:lnRef idx="1">
+            <a:schemeClr val="dk1"/>
+          </a:lnRef>
+          <a:fillRef idx="0">
+            <a:schemeClr val="dk1"/>
+          </a:fillRef>
+          <a:effectRef idx="0">
+            <a:schemeClr val="dk1"/>
+          </a:effectRef>
+          <a:fontRef idx="minor">
+            <a:schemeClr val="tx1"/>
+          </a:fontRef>
+        </p:style>
+      </p:cxnSp>
+      <p:sp>
+        <p:nvSpPr>
+          <p:cNvPr id="122" name="TextBox 121">
+            <a:extLst>
+              <a:ext uri="{FF2B5EF4-FFF2-40B4-BE49-F238E27FC236}">
+                <a16:creationId xmlns:a16="http://schemas.microsoft.com/office/drawing/2014/main" id="{366036B3-6878-4635-8FAF-231F9D648436}"/>
+              </a:ext>
+            </a:extLst>
+          </p:cNvPr>
+          <p:cNvSpPr txBox="1"/>
+          <p:nvPr/>
+        </p:nvSpPr>
+        <p:spPr>
+          <a:xfrm>
+            <a:off x="1305837" y="3041744"/>
+            <a:ext cx="2142542" cy="461665"/>
+          </a:xfrm>
+          <a:prstGeom prst="rect">
+            <a:avLst/>
+          </a:prstGeom>
+          <a:noFill/>
+        </p:spPr>
+        <p:txBody>
+          <a:bodyPr wrap="square" rtlCol="0">
+            <a:spAutoFit/>
+          </a:bodyPr>
+          <a:lstStyle/>
+          <a:p>
+            <a:r>
+              <a:rPr lang="en-US" sz="1200" dirty="0"/>
+              <a:t>[If exists = false] Customer not found</a:t>
+            </a:r>
+          </a:p>
+        </p:txBody>
+      </p:sp>
     </p:spTree>
     <p:extLst>
       <p:ext uri="{BB962C8B-B14F-4D97-AF65-F5344CB8AC3E}">
@@ -13290,6 +15012,1711 @@
           </a:p>
         </p:txBody>
       </p:sp>
+      <p:sp>
+        <p:nvSpPr>
+          <p:cNvPr id="6" name="Rectangle 5">
+            <a:extLst>
+              <a:ext uri="{FF2B5EF4-FFF2-40B4-BE49-F238E27FC236}">
+                <a16:creationId xmlns:a16="http://schemas.microsoft.com/office/drawing/2014/main" id="{3B8C7384-A266-4FB9-A7F3-DDC73E45466C}"/>
+              </a:ext>
+            </a:extLst>
+          </p:cNvPr>
+          <p:cNvSpPr/>
+          <p:nvPr/>
+        </p:nvSpPr>
+        <p:spPr>
+          <a:xfrm>
+            <a:off x="523194" y="1387819"/>
+            <a:ext cx="10899228" cy="4934153"/>
+          </a:xfrm>
+          <a:prstGeom prst="rect">
+            <a:avLst/>
+          </a:prstGeom>
+          <a:solidFill>
+            <a:schemeClr val="bg1"/>
+          </a:solidFill>
+        </p:spPr>
+        <p:style>
+          <a:lnRef idx="2">
+            <a:schemeClr val="accent1">
+              <a:shade val="50000"/>
+            </a:schemeClr>
+          </a:lnRef>
+          <a:fillRef idx="1">
+            <a:schemeClr val="accent1"/>
+          </a:fillRef>
+          <a:effectRef idx="0">
+            <a:schemeClr val="accent1"/>
+          </a:effectRef>
+          <a:fontRef idx="minor">
+            <a:schemeClr val="lt1"/>
+          </a:fontRef>
+        </p:style>
+        <p:txBody>
+          <a:bodyPr rtlCol="0" anchor="ctr"/>
+          <a:lstStyle/>
+          <a:p>
+            <a:pPr algn="ctr"/>
+            <a:r>
+              <a:rPr lang="en-US" dirty="0"/>
+              <a:t>g</a:t>
+            </a:r>
+          </a:p>
+        </p:txBody>
+      </p:sp>
+      <p:sp>
+        <p:nvSpPr>
+          <p:cNvPr id="7" name="TextBox 6">
+            <a:extLst>
+              <a:ext uri="{FF2B5EF4-FFF2-40B4-BE49-F238E27FC236}">
+                <a16:creationId xmlns:a16="http://schemas.microsoft.com/office/drawing/2014/main" id="{96F93193-C149-48D1-9B73-8DD061FF44B2}"/>
+              </a:ext>
+            </a:extLst>
+          </p:cNvPr>
+          <p:cNvSpPr txBox="1"/>
+          <p:nvPr/>
+        </p:nvSpPr>
+        <p:spPr>
+          <a:xfrm>
+            <a:off x="2690625" y="991112"/>
+            <a:ext cx="1391728" cy="307777"/>
+          </a:xfrm>
+          <a:prstGeom prst="rect">
+            <a:avLst/>
+          </a:prstGeom>
+          <a:noFill/>
+        </p:spPr>
+        <p:txBody>
+          <a:bodyPr wrap="none" rtlCol="0">
+            <a:spAutoFit/>
+          </a:bodyPr>
+          <a:lstStyle/>
+          <a:p>
+            <a:r>
+              <a:rPr lang="en-US" sz="1400" u="sng" dirty="0">
+                <a:latin typeface="Georgia" panose="02040502050405020303" pitchFamily="18" charset="0"/>
+              </a:rPr>
+              <a:t>Command GUI</a:t>
+            </a:r>
+          </a:p>
+        </p:txBody>
+      </p:sp>
+      <p:pic>
+        <p:nvPicPr>
+          <p:cNvPr id="8" name="Graphic 7" descr="User">
+            <a:extLst>
+              <a:ext uri="{FF2B5EF4-FFF2-40B4-BE49-F238E27FC236}">
+                <a16:creationId xmlns:a16="http://schemas.microsoft.com/office/drawing/2014/main" id="{9B55CEFA-7A36-4820-9401-280CB86467C8}"/>
+              </a:ext>
+            </a:extLst>
+          </p:cNvPr>
+          <p:cNvPicPr>
+            <a:picLocks noChangeAspect="1"/>
+          </p:cNvPicPr>
+          <p:nvPr/>
+        </p:nvPicPr>
+        <p:blipFill>
+          <a:blip r:embed="rId2">
+            <a:extLst>
+              <a:ext uri="{28A0092B-C50C-407E-A947-70E740481C1C}">
+                <a14:useLocalDpi xmlns:a14="http://schemas.microsoft.com/office/drawing/2010/main" val="0"/>
+              </a:ext>
+              <a:ext uri="{96DAC541-7B7A-43D3-8B79-37D633B846F1}">
+                <asvg:svgBlip xmlns:asvg="http://schemas.microsoft.com/office/drawing/2016/SVG/main" r:embed="rId3"/>
+              </a:ext>
+            </a:extLst>
+          </a:blip>
+          <a:stretch>
+            <a:fillRect/>
+          </a:stretch>
+        </p:blipFill>
+        <p:spPr>
+          <a:xfrm>
+            <a:off x="468048" y="3284639"/>
+            <a:ext cx="914400" cy="914400"/>
+          </a:xfrm>
+          <a:prstGeom prst="rect">
+            <a:avLst/>
+          </a:prstGeom>
+        </p:spPr>
+      </p:pic>
+      <p:sp>
+        <p:nvSpPr>
+          <p:cNvPr id="11" name="TextBox 10">
+            <a:extLst>
+              <a:ext uri="{FF2B5EF4-FFF2-40B4-BE49-F238E27FC236}">
+                <a16:creationId xmlns:a16="http://schemas.microsoft.com/office/drawing/2014/main" id="{0996F8F5-78E4-4088-823A-1870A08272FC}"/>
+              </a:ext>
+            </a:extLst>
+          </p:cNvPr>
+          <p:cNvSpPr txBox="1"/>
+          <p:nvPr/>
+        </p:nvSpPr>
+        <p:spPr>
+          <a:xfrm>
+            <a:off x="612156" y="4063848"/>
+            <a:ext cx="607859" cy="307777"/>
+          </a:xfrm>
+          <a:prstGeom prst="rect">
+            <a:avLst/>
+          </a:prstGeom>
+          <a:noFill/>
+        </p:spPr>
+        <p:txBody>
+          <a:bodyPr wrap="none" rtlCol="0">
+            <a:spAutoFit/>
+          </a:bodyPr>
+          <a:lstStyle/>
+          <a:p>
+            <a:r>
+              <a:rPr lang="en-US" sz="1400" dirty="0">
+                <a:latin typeface="Georgia" panose="02040502050405020303" pitchFamily="18" charset="0"/>
+              </a:rPr>
+              <a:t>Clerk</a:t>
+            </a:r>
+          </a:p>
+        </p:txBody>
+      </p:sp>
+      <p:cxnSp>
+        <p:nvCxnSpPr>
+          <p:cNvPr id="12" name="Straight Connector 11">
+            <a:extLst>
+              <a:ext uri="{FF2B5EF4-FFF2-40B4-BE49-F238E27FC236}">
+                <a16:creationId xmlns:a16="http://schemas.microsoft.com/office/drawing/2014/main" id="{0EDEF8E8-EA95-44B8-AC3A-9EA71697569C}"/>
+              </a:ext>
+            </a:extLst>
+          </p:cNvPr>
+          <p:cNvCxnSpPr>
+            <a:cxnSpLocks/>
+          </p:cNvCxnSpPr>
+          <p:nvPr/>
+        </p:nvCxnSpPr>
+        <p:spPr>
+          <a:xfrm flipH="1">
+            <a:off x="6295266" y="1445171"/>
+            <a:ext cx="1" cy="4827579"/>
+          </a:xfrm>
+          <a:prstGeom prst="line">
+            <a:avLst/>
+          </a:prstGeom>
+          <a:ln w="9525" cap="flat" cmpd="sng" algn="ctr">
+            <a:solidFill>
+              <a:schemeClr val="dk1"/>
+            </a:solidFill>
+            <a:prstDash val="dash"/>
+            <a:round/>
+            <a:headEnd type="none" w="med" len="med"/>
+            <a:tailEnd type="none" w="med" len="med"/>
+          </a:ln>
+        </p:spPr>
+        <p:style>
+          <a:lnRef idx="0">
+            <a:scrgbClr r="0" g="0" b="0"/>
+          </a:lnRef>
+          <a:fillRef idx="0">
+            <a:scrgbClr r="0" g="0" b="0"/>
+          </a:fillRef>
+          <a:effectRef idx="0">
+            <a:scrgbClr r="0" g="0" b="0"/>
+          </a:effectRef>
+          <a:fontRef idx="minor">
+            <a:schemeClr val="tx1"/>
+          </a:fontRef>
+        </p:style>
+      </p:cxnSp>
+      <p:sp>
+        <p:nvSpPr>
+          <p:cNvPr id="13" name="Rectangle 12">
+            <a:extLst>
+              <a:ext uri="{FF2B5EF4-FFF2-40B4-BE49-F238E27FC236}">
+                <a16:creationId xmlns:a16="http://schemas.microsoft.com/office/drawing/2014/main" id="{6634B9C6-9D58-4156-BD1E-2BDEFAD6784F}"/>
+              </a:ext>
+            </a:extLst>
+          </p:cNvPr>
+          <p:cNvSpPr/>
+          <p:nvPr/>
+        </p:nvSpPr>
+        <p:spPr>
+          <a:xfrm>
+            <a:off x="6178527" y="2967187"/>
+            <a:ext cx="194755" cy="2687887"/>
+          </a:xfrm>
+          <a:prstGeom prst="rect">
+            <a:avLst/>
+          </a:prstGeom>
+          <a:solidFill>
+            <a:schemeClr val="bg2"/>
+          </a:solidFill>
+          <a:ln>
+            <a:solidFill>
+              <a:schemeClr val="tx1"/>
+            </a:solidFill>
+          </a:ln>
+        </p:spPr>
+        <p:style>
+          <a:lnRef idx="2">
+            <a:schemeClr val="accent1">
+              <a:shade val="50000"/>
+            </a:schemeClr>
+          </a:lnRef>
+          <a:fillRef idx="1">
+            <a:schemeClr val="accent1"/>
+          </a:fillRef>
+          <a:effectRef idx="0">
+            <a:schemeClr val="accent1"/>
+          </a:effectRef>
+          <a:fontRef idx="minor">
+            <a:schemeClr val="lt1"/>
+          </a:fontRef>
+        </p:style>
+        <p:txBody>
+          <a:bodyPr rtlCol="0" anchor="ctr"/>
+          <a:lstStyle/>
+          <a:p>
+            <a:pPr algn="ctr"/>
+            <a:endParaRPr lang="en-US"/>
+          </a:p>
+        </p:txBody>
+      </p:sp>
+      <p:sp>
+        <p:nvSpPr>
+          <p:cNvPr id="14" name="TextBox 13">
+            <a:extLst>
+              <a:ext uri="{FF2B5EF4-FFF2-40B4-BE49-F238E27FC236}">
+                <a16:creationId xmlns:a16="http://schemas.microsoft.com/office/drawing/2014/main" id="{7ECAA9A4-08CB-4B93-BCDA-314DB9F0123D}"/>
+              </a:ext>
+            </a:extLst>
+          </p:cNvPr>
+          <p:cNvSpPr txBox="1"/>
+          <p:nvPr/>
+        </p:nvSpPr>
+        <p:spPr>
+          <a:xfrm>
+            <a:off x="5877502" y="986563"/>
+            <a:ext cx="798617" cy="307777"/>
+          </a:xfrm>
+          <a:prstGeom prst="rect">
+            <a:avLst/>
+          </a:prstGeom>
+          <a:noFill/>
+        </p:spPr>
+        <p:txBody>
+          <a:bodyPr wrap="none" rtlCol="0">
+            <a:spAutoFit/>
+          </a:bodyPr>
+          <a:lstStyle/>
+          <a:p>
+            <a:r>
+              <a:rPr lang="en-US" sz="1400" u="sng" dirty="0">
+                <a:latin typeface="Georgia" panose="02040502050405020303" pitchFamily="18" charset="0"/>
+              </a:rPr>
+              <a:t>Theater</a:t>
+            </a:r>
+          </a:p>
+        </p:txBody>
+      </p:sp>
+      <p:cxnSp>
+        <p:nvCxnSpPr>
+          <p:cNvPr id="15" name="Straight Arrow Connector 14">
+            <a:extLst>
+              <a:ext uri="{FF2B5EF4-FFF2-40B4-BE49-F238E27FC236}">
+                <a16:creationId xmlns:a16="http://schemas.microsoft.com/office/drawing/2014/main" id="{4F4DA4F6-9691-456F-84D1-BBD416603688}"/>
+              </a:ext>
+            </a:extLst>
+          </p:cNvPr>
+          <p:cNvCxnSpPr>
+            <a:cxnSpLocks/>
+          </p:cNvCxnSpPr>
+          <p:nvPr/>
+        </p:nvCxnSpPr>
+        <p:spPr>
+          <a:xfrm>
+            <a:off x="3540221" y="3559478"/>
+            <a:ext cx="2647186" cy="0"/>
+          </a:xfrm>
+          <a:prstGeom prst="straightConnector1">
+            <a:avLst/>
+          </a:prstGeom>
+          <a:ln w="9525" cap="flat" cmpd="sng" algn="ctr">
+            <a:solidFill>
+              <a:schemeClr val="dk1"/>
+            </a:solidFill>
+            <a:prstDash val="solid"/>
+            <a:round/>
+            <a:headEnd type="none" w="med" len="med"/>
+            <a:tailEnd type="arrow" w="med" len="med"/>
+          </a:ln>
+        </p:spPr>
+        <p:style>
+          <a:lnRef idx="0">
+            <a:scrgbClr r="0" g="0" b="0"/>
+          </a:lnRef>
+          <a:fillRef idx="0">
+            <a:scrgbClr r="0" g="0" b="0"/>
+          </a:fillRef>
+          <a:effectRef idx="0">
+            <a:scrgbClr r="0" g="0" b="0"/>
+          </a:effectRef>
+          <a:fontRef idx="minor">
+            <a:schemeClr val="tx1"/>
+          </a:fontRef>
+        </p:style>
+      </p:cxnSp>
+      <p:cxnSp>
+        <p:nvCxnSpPr>
+          <p:cNvPr id="16" name="Straight Arrow Connector 15">
+            <a:extLst>
+              <a:ext uri="{FF2B5EF4-FFF2-40B4-BE49-F238E27FC236}">
+                <a16:creationId xmlns:a16="http://schemas.microsoft.com/office/drawing/2014/main" id="{0BC81D42-889C-4ACB-849A-E341093EE090}"/>
+              </a:ext>
+            </a:extLst>
+          </p:cNvPr>
+          <p:cNvCxnSpPr>
+            <a:cxnSpLocks/>
+          </p:cNvCxnSpPr>
+          <p:nvPr/>
+        </p:nvCxnSpPr>
+        <p:spPr>
+          <a:xfrm>
+            <a:off x="6357253" y="3651786"/>
+            <a:ext cx="2723269" cy="30533"/>
+          </a:xfrm>
+          <a:prstGeom prst="straightConnector1">
+            <a:avLst/>
+          </a:prstGeom>
+          <a:ln w="9525" cap="flat" cmpd="sng" algn="ctr">
+            <a:solidFill>
+              <a:schemeClr val="dk1"/>
+            </a:solidFill>
+            <a:prstDash val="solid"/>
+            <a:round/>
+            <a:headEnd type="none" w="med" len="med"/>
+            <a:tailEnd type="arrow" w="med" len="med"/>
+          </a:ln>
+        </p:spPr>
+        <p:style>
+          <a:lnRef idx="0">
+            <a:scrgbClr r="0" g="0" b="0"/>
+          </a:lnRef>
+          <a:fillRef idx="0">
+            <a:scrgbClr r="0" g="0" b="0"/>
+          </a:fillRef>
+          <a:effectRef idx="0">
+            <a:scrgbClr r="0" g="0" b="0"/>
+          </a:effectRef>
+          <a:fontRef idx="minor">
+            <a:schemeClr val="tx1"/>
+          </a:fontRef>
+        </p:style>
+      </p:cxnSp>
+      <p:cxnSp>
+        <p:nvCxnSpPr>
+          <p:cNvPr id="17" name="Straight Connector 16">
+            <a:extLst>
+              <a:ext uri="{FF2B5EF4-FFF2-40B4-BE49-F238E27FC236}">
+                <a16:creationId xmlns:a16="http://schemas.microsoft.com/office/drawing/2014/main" id="{5984C6FF-788D-4107-A096-3278AF198B63}"/>
+              </a:ext>
+            </a:extLst>
+          </p:cNvPr>
+          <p:cNvCxnSpPr>
+            <a:cxnSpLocks/>
+          </p:cNvCxnSpPr>
+          <p:nvPr/>
+        </p:nvCxnSpPr>
+        <p:spPr>
+          <a:xfrm flipH="1">
+            <a:off x="9153373" y="1450037"/>
+            <a:ext cx="25210" cy="4876801"/>
+          </a:xfrm>
+          <a:prstGeom prst="line">
+            <a:avLst/>
+          </a:prstGeom>
+          <a:ln w="9525" cap="flat" cmpd="sng" algn="ctr">
+            <a:solidFill>
+              <a:schemeClr val="dk1"/>
+            </a:solidFill>
+            <a:prstDash val="dash"/>
+            <a:round/>
+            <a:headEnd type="none" w="med" len="med"/>
+            <a:tailEnd type="none" w="med" len="med"/>
+          </a:ln>
+        </p:spPr>
+        <p:style>
+          <a:lnRef idx="0">
+            <a:scrgbClr r="0" g="0" b="0"/>
+          </a:lnRef>
+          <a:fillRef idx="0">
+            <a:scrgbClr r="0" g="0" b="0"/>
+          </a:fillRef>
+          <a:effectRef idx="0">
+            <a:scrgbClr r="0" g="0" b="0"/>
+          </a:effectRef>
+          <a:fontRef idx="minor">
+            <a:schemeClr val="tx1"/>
+          </a:fontRef>
+        </p:style>
+      </p:cxnSp>
+      <p:sp>
+        <p:nvSpPr>
+          <p:cNvPr id="18" name="TextBox 17">
+            <a:extLst>
+              <a:ext uri="{FF2B5EF4-FFF2-40B4-BE49-F238E27FC236}">
+                <a16:creationId xmlns:a16="http://schemas.microsoft.com/office/drawing/2014/main" id="{219A46DB-9683-461D-92BA-1FA22AD34E03}"/>
+              </a:ext>
+            </a:extLst>
+          </p:cNvPr>
+          <p:cNvSpPr txBox="1"/>
+          <p:nvPr/>
+        </p:nvSpPr>
+        <p:spPr>
+          <a:xfrm>
+            <a:off x="8568963" y="988371"/>
+            <a:ext cx="1211807" cy="307777"/>
+          </a:xfrm>
+          <a:prstGeom prst="rect">
+            <a:avLst/>
+          </a:prstGeom>
+          <a:noFill/>
+        </p:spPr>
+        <p:txBody>
+          <a:bodyPr wrap="none" rtlCol="0">
+            <a:spAutoFit/>
+          </a:bodyPr>
+          <a:lstStyle/>
+          <a:p>
+            <a:r>
+              <a:rPr lang="en-US" sz="1400" u="sng" dirty="0" err="1"/>
+              <a:t>CreditCardList</a:t>
+            </a:r>
+            <a:endParaRPr lang="en-US" sz="1400" u="sng" dirty="0"/>
+          </a:p>
+        </p:txBody>
+      </p:sp>
+      <p:sp>
+        <p:nvSpPr>
+          <p:cNvPr id="21" name="Rectangle 20">
+            <a:extLst>
+              <a:ext uri="{FF2B5EF4-FFF2-40B4-BE49-F238E27FC236}">
+                <a16:creationId xmlns:a16="http://schemas.microsoft.com/office/drawing/2014/main" id="{782FA6E8-9BCB-4B16-8FCC-D1E935893E0B}"/>
+              </a:ext>
+            </a:extLst>
+          </p:cNvPr>
+          <p:cNvSpPr/>
+          <p:nvPr/>
+        </p:nvSpPr>
+        <p:spPr>
+          <a:xfrm>
+            <a:off x="9090337" y="3270806"/>
+            <a:ext cx="152926" cy="2446409"/>
+          </a:xfrm>
+          <a:prstGeom prst="rect">
+            <a:avLst/>
+          </a:prstGeom>
+          <a:solidFill>
+            <a:schemeClr val="bg2"/>
+          </a:solidFill>
+          <a:ln>
+            <a:solidFill>
+              <a:schemeClr val="tx1"/>
+            </a:solidFill>
+          </a:ln>
+        </p:spPr>
+        <p:style>
+          <a:lnRef idx="2">
+            <a:schemeClr val="accent1">
+              <a:shade val="50000"/>
+            </a:schemeClr>
+          </a:lnRef>
+          <a:fillRef idx="1">
+            <a:schemeClr val="accent1"/>
+          </a:fillRef>
+          <a:effectRef idx="0">
+            <a:schemeClr val="accent1"/>
+          </a:effectRef>
+          <a:fontRef idx="minor">
+            <a:schemeClr val="lt1"/>
+          </a:fontRef>
+        </p:style>
+        <p:txBody>
+          <a:bodyPr rtlCol="0" anchor="ctr"/>
+          <a:lstStyle/>
+          <a:p>
+            <a:pPr algn="ctr"/>
+            <a:endParaRPr lang="en-US"/>
+          </a:p>
+        </p:txBody>
+      </p:sp>
+      <p:sp>
+        <p:nvSpPr>
+          <p:cNvPr id="23" name="TextBox 22">
+            <a:extLst>
+              <a:ext uri="{FF2B5EF4-FFF2-40B4-BE49-F238E27FC236}">
+                <a16:creationId xmlns:a16="http://schemas.microsoft.com/office/drawing/2014/main" id="{CAA1C0F9-1E07-4EB5-A62A-821F39B2FCD3}"/>
+              </a:ext>
+            </a:extLst>
+          </p:cNvPr>
+          <p:cNvSpPr txBox="1"/>
+          <p:nvPr/>
+        </p:nvSpPr>
+        <p:spPr>
+          <a:xfrm>
+            <a:off x="3478272" y="5235600"/>
+            <a:ext cx="2833024" cy="276999"/>
+          </a:xfrm>
+          <a:prstGeom prst="rect">
+            <a:avLst/>
+          </a:prstGeom>
+          <a:noFill/>
+        </p:spPr>
+        <p:txBody>
+          <a:bodyPr wrap="square" rtlCol="0">
+            <a:spAutoFit/>
+          </a:bodyPr>
+          <a:lstStyle/>
+          <a:p>
+            <a:r>
+              <a:rPr lang="en-US" sz="1200" dirty="0" err="1"/>
+              <a:t>removeCustomerCreditCard</a:t>
+            </a:r>
+            <a:r>
+              <a:rPr lang="en-US" sz="1200" dirty="0"/>
+              <a:t>(</a:t>
+            </a:r>
+            <a:r>
+              <a:rPr lang="en-US" sz="1200" dirty="0" err="1"/>
+              <a:t>cardNumber</a:t>
+            </a:r>
+            <a:r>
+              <a:rPr lang="en-US" sz="1200" dirty="0"/>
+              <a:t>)</a:t>
+            </a:r>
+          </a:p>
+        </p:txBody>
+      </p:sp>
+      <p:sp>
+        <p:nvSpPr>
+          <p:cNvPr id="24" name="TextBox 23">
+            <a:extLst>
+              <a:ext uri="{FF2B5EF4-FFF2-40B4-BE49-F238E27FC236}">
+                <a16:creationId xmlns:a16="http://schemas.microsoft.com/office/drawing/2014/main" id="{B85E72CB-CF29-437C-BF69-999CD66712BE}"/>
+              </a:ext>
+            </a:extLst>
+          </p:cNvPr>
+          <p:cNvSpPr txBox="1"/>
+          <p:nvPr/>
+        </p:nvSpPr>
+        <p:spPr>
+          <a:xfrm>
+            <a:off x="6323416" y="3396133"/>
+            <a:ext cx="2769996" cy="276999"/>
+          </a:xfrm>
+          <a:prstGeom prst="rect">
+            <a:avLst/>
+          </a:prstGeom>
+          <a:noFill/>
+        </p:spPr>
+        <p:txBody>
+          <a:bodyPr wrap="square" rtlCol="0">
+            <a:spAutoFit/>
+          </a:bodyPr>
+          <a:lstStyle/>
+          <a:p>
+            <a:r>
+              <a:rPr lang="en-US" sz="1200" dirty="0" err="1"/>
+              <a:t>creditCardExists</a:t>
+            </a:r>
+            <a:r>
+              <a:rPr lang="en-US" sz="1200" dirty="0"/>
+              <a:t>(</a:t>
+            </a:r>
+            <a:r>
+              <a:rPr lang="en-US" sz="1200" dirty="0" err="1"/>
+              <a:t>cardNumber</a:t>
+            </a:r>
+            <a:r>
+              <a:rPr lang="en-US" sz="1200" dirty="0"/>
+              <a:t>)</a:t>
+            </a:r>
+          </a:p>
+        </p:txBody>
+      </p:sp>
+      <p:cxnSp>
+        <p:nvCxnSpPr>
+          <p:cNvPr id="25" name="Straight Arrow Connector 24">
+            <a:extLst>
+              <a:ext uri="{FF2B5EF4-FFF2-40B4-BE49-F238E27FC236}">
+                <a16:creationId xmlns:a16="http://schemas.microsoft.com/office/drawing/2014/main" id="{A092AC5F-D235-4A1B-AD7F-E9EFDB6B4A72}"/>
+              </a:ext>
+            </a:extLst>
+          </p:cNvPr>
+          <p:cNvCxnSpPr>
+            <a:cxnSpLocks/>
+          </p:cNvCxnSpPr>
+          <p:nvPr/>
+        </p:nvCxnSpPr>
+        <p:spPr>
+          <a:xfrm flipH="1" flipV="1">
+            <a:off x="6353078" y="3884427"/>
+            <a:ext cx="2740334" cy="32970"/>
+          </a:xfrm>
+          <a:prstGeom prst="straightConnector1">
+            <a:avLst/>
+          </a:prstGeom>
+          <a:ln>
+            <a:prstDash val="lgDash"/>
+            <a:tailEnd type="triangle"/>
+          </a:ln>
+        </p:spPr>
+        <p:style>
+          <a:lnRef idx="1">
+            <a:schemeClr val="dk1"/>
+          </a:lnRef>
+          <a:fillRef idx="0">
+            <a:schemeClr val="dk1"/>
+          </a:fillRef>
+          <a:effectRef idx="0">
+            <a:schemeClr val="dk1"/>
+          </a:effectRef>
+          <a:fontRef idx="minor">
+            <a:schemeClr val="tx1"/>
+          </a:fontRef>
+        </p:style>
+      </p:cxnSp>
+      <p:cxnSp>
+        <p:nvCxnSpPr>
+          <p:cNvPr id="26" name="Straight Arrow Connector 25">
+            <a:extLst>
+              <a:ext uri="{FF2B5EF4-FFF2-40B4-BE49-F238E27FC236}">
+                <a16:creationId xmlns:a16="http://schemas.microsoft.com/office/drawing/2014/main" id="{515DCFE3-1B42-4B79-8A9A-A6318C86AC6C}"/>
+              </a:ext>
+            </a:extLst>
+          </p:cNvPr>
+          <p:cNvCxnSpPr>
+            <a:cxnSpLocks/>
+          </p:cNvCxnSpPr>
+          <p:nvPr/>
+        </p:nvCxnSpPr>
+        <p:spPr>
+          <a:xfrm flipH="1">
+            <a:off x="1403812" y="5929744"/>
+            <a:ext cx="1973993" cy="0"/>
+          </a:xfrm>
+          <a:prstGeom prst="straightConnector1">
+            <a:avLst/>
+          </a:prstGeom>
+          <a:ln>
+            <a:tailEnd type="triangle"/>
+          </a:ln>
+        </p:spPr>
+        <p:style>
+          <a:lnRef idx="1">
+            <a:schemeClr val="dk1"/>
+          </a:lnRef>
+          <a:fillRef idx="0">
+            <a:schemeClr val="dk1"/>
+          </a:fillRef>
+          <a:effectRef idx="0">
+            <a:schemeClr val="dk1"/>
+          </a:effectRef>
+          <a:fontRef idx="minor">
+            <a:schemeClr val="tx1"/>
+          </a:fontRef>
+        </p:style>
+      </p:cxnSp>
+      <p:cxnSp>
+        <p:nvCxnSpPr>
+          <p:cNvPr id="27" name="Straight Arrow Connector 26">
+            <a:extLst>
+              <a:ext uri="{FF2B5EF4-FFF2-40B4-BE49-F238E27FC236}">
+                <a16:creationId xmlns:a16="http://schemas.microsoft.com/office/drawing/2014/main" id="{29F35DB7-AEAE-4BDD-B54C-C38EB4E88EED}"/>
+              </a:ext>
+            </a:extLst>
+          </p:cNvPr>
+          <p:cNvCxnSpPr>
+            <a:cxnSpLocks/>
+          </p:cNvCxnSpPr>
+          <p:nvPr/>
+        </p:nvCxnSpPr>
+        <p:spPr>
+          <a:xfrm>
+            <a:off x="3540221" y="5512599"/>
+            <a:ext cx="2638306" cy="0"/>
+          </a:xfrm>
+          <a:prstGeom prst="straightConnector1">
+            <a:avLst/>
+          </a:prstGeom>
+          <a:ln>
+            <a:tailEnd type="triangle"/>
+          </a:ln>
+        </p:spPr>
+        <p:style>
+          <a:lnRef idx="1">
+            <a:schemeClr val="dk1"/>
+          </a:lnRef>
+          <a:fillRef idx="0">
+            <a:schemeClr val="dk1"/>
+          </a:fillRef>
+          <a:effectRef idx="0">
+            <a:schemeClr val="dk1"/>
+          </a:effectRef>
+          <a:fontRef idx="minor">
+            <a:schemeClr val="tx1"/>
+          </a:fontRef>
+        </p:style>
+      </p:cxnSp>
+      <p:sp>
+        <p:nvSpPr>
+          <p:cNvPr id="28" name="TextBox 27">
+            <a:extLst>
+              <a:ext uri="{FF2B5EF4-FFF2-40B4-BE49-F238E27FC236}">
+                <a16:creationId xmlns:a16="http://schemas.microsoft.com/office/drawing/2014/main" id="{7D1AE51C-E301-4768-AC25-E3699A5A1538}"/>
+              </a:ext>
+            </a:extLst>
+          </p:cNvPr>
+          <p:cNvSpPr txBox="1"/>
+          <p:nvPr/>
+        </p:nvSpPr>
+        <p:spPr>
+          <a:xfrm>
+            <a:off x="6687835" y="5292106"/>
+            <a:ext cx="2187038" cy="276999"/>
+          </a:xfrm>
+          <a:prstGeom prst="rect">
+            <a:avLst/>
+          </a:prstGeom>
+          <a:noFill/>
+        </p:spPr>
+        <p:txBody>
+          <a:bodyPr wrap="square" rtlCol="0">
+            <a:spAutoFit/>
+          </a:bodyPr>
+          <a:lstStyle/>
+          <a:p>
+            <a:r>
+              <a:rPr lang="en-US" sz="1200" dirty="0" err="1"/>
+              <a:t>removeCreditCard</a:t>
+            </a:r>
+            <a:r>
+              <a:rPr lang="en-US" sz="1200" dirty="0"/>
+              <a:t>(</a:t>
+            </a:r>
+            <a:r>
+              <a:rPr lang="en-US" sz="1200" dirty="0" err="1"/>
+              <a:t>cardNumber</a:t>
+            </a:r>
+            <a:r>
+              <a:rPr lang="en-US" sz="1200" dirty="0"/>
+              <a:t>)</a:t>
+            </a:r>
+          </a:p>
+        </p:txBody>
+      </p:sp>
+      <p:sp>
+        <p:nvSpPr>
+          <p:cNvPr id="29" name="TextBox 28">
+            <a:extLst>
+              <a:ext uri="{FF2B5EF4-FFF2-40B4-BE49-F238E27FC236}">
+                <a16:creationId xmlns:a16="http://schemas.microsoft.com/office/drawing/2014/main" id="{E610A8D4-ACC4-47C2-9010-BA04D7A139C3}"/>
+              </a:ext>
+            </a:extLst>
+          </p:cNvPr>
+          <p:cNvSpPr txBox="1"/>
+          <p:nvPr/>
+        </p:nvSpPr>
+        <p:spPr>
+          <a:xfrm>
+            <a:off x="6741672" y="3663735"/>
+            <a:ext cx="1893142" cy="276999"/>
+          </a:xfrm>
+          <a:prstGeom prst="rect">
+            <a:avLst/>
+          </a:prstGeom>
+          <a:noFill/>
+        </p:spPr>
+        <p:txBody>
+          <a:bodyPr wrap="square" rtlCol="0">
+            <a:spAutoFit/>
+          </a:bodyPr>
+          <a:lstStyle/>
+          <a:p>
+            <a:r>
+              <a:rPr lang="en-US" sz="1200" dirty="0"/>
+              <a:t>[Exists] true or false</a:t>
+            </a:r>
+          </a:p>
+        </p:txBody>
+      </p:sp>
+      <p:sp>
+        <p:nvSpPr>
+          <p:cNvPr id="30" name="TextBox 29">
+            <a:extLst>
+              <a:ext uri="{FF2B5EF4-FFF2-40B4-BE49-F238E27FC236}">
+                <a16:creationId xmlns:a16="http://schemas.microsoft.com/office/drawing/2014/main" id="{D2BE9A0A-E03E-4D21-8668-F97FF30645F0}"/>
+              </a:ext>
+            </a:extLst>
+          </p:cNvPr>
+          <p:cNvSpPr txBox="1"/>
+          <p:nvPr/>
+        </p:nvSpPr>
+        <p:spPr>
+          <a:xfrm>
+            <a:off x="1110946" y="5648106"/>
+            <a:ext cx="2234960" cy="276999"/>
+          </a:xfrm>
+          <a:prstGeom prst="rect">
+            <a:avLst/>
+          </a:prstGeom>
+          <a:noFill/>
+        </p:spPr>
+        <p:txBody>
+          <a:bodyPr wrap="square" rtlCol="0">
+            <a:spAutoFit/>
+          </a:bodyPr>
+          <a:lstStyle/>
+          <a:p>
+            <a:r>
+              <a:rPr lang="en-US" sz="1200" dirty="0" err="1"/>
+              <a:t>CreditCard</a:t>
+            </a:r>
+            <a:r>
+              <a:rPr lang="en-US" sz="1200" dirty="0"/>
+              <a:t> removed successfully</a:t>
+            </a:r>
+          </a:p>
+        </p:txBody>
+      </p:sp>
+      <p:sp>
+        <p:nvSpPr>
+          <p:cNvPr id="32" name="TextBox 31">
+            <a:extLst>
+              <a:ext uri="{FF2B5EF4-FFF2-40B4-BE49-F238E27FC236}">
+                <a16:creationId xmlns:a16="http://schemas.microsoft.com/office/drawing/2014/main" id="{263B44AE-D522-426E-817F-13755DD922C6}"/>
+              </a:ext>
+            </a:extLst>
+          </p:cNvPr>
+          <p:cNvSpPr txBox="1"/>
+          <p:nvPr/>
+        </p:nvSpPr>
+        <p:spPr>
+          <a:xfrm>
+            <a:off x="1295824" y="4034808"/>
+            <a:ext cx="2723277" cy="276999"/>
+          </a:xfrm>
+          <a:prstGeom prst="rect">
+            <a:avLst/>
+          </a:prstGeom>
+          <a:noFill/>
+        </p:spPr>
+        <p:txBody>
+          <a:bodyPr wrap="square" rtlCol="0">
+            <a:spAutoFit/>
+          </a:bodyPr>
+          <a:lstStyle/>
+          <a:p>
+            <a:r>
+              <a:rPr lang="en-US" sz="1200" dirty="0"/>
+              <a:t>[If exists = false] Card not found</a:t>
+            </a:r>
+          </a:p>
+        </p:txBody>
+      </p:sp>
+      <p:cxnSp>
+        <p:nvCxnSpPr>
+          <p:cNvPr id="33" name="Straight Arrow Connector 32">
+            <a:extLst>
+              <a:ext uri="{FF2B5EF4-FFF2-40B4-BE49-F238E27FC236}">
+                <a16:creationId xmlns:a16="http://schemas.microsoft.com/office/drawing/2014/main" id="{7AB1E007-EBD9-424E-98B4-07487895C034}"/>
+              </a:ext>
+            </a:extLst>
+          </p:cNvPr>
+          <p:cNvCxnSpPr>
+            <a:cxnSpLocks/>
+          </p:cNvCxnSpPr>
+          <p:nvPr/>
+        </p:nvCxnSpPr>
+        <p:spPr>
+          <a:xfrm>
+            <a:off x="1793289" y="2967188"/>
+            <a:ext cx="1561496" cy="0"/>
+          </a:xfrm>
+          <a:prstGeom prst="straightConnector1">
+            <a:avLst/>
+          </a:prstGeom>
+          <a:ln>
+            <a:tailEnd type="triangle"/>
+          </a:ln>
+        </p:spPr>
+        <p:style>
+          <a:lnRef idx="1">
+            <a:schemeClr val="dk1"/>
+          </a:lnRef>
+          <a:fillRef idx="0">
+            <a:schemeClr val="dk1"/>
+          </a:fillRef>
+          <a:effectRef idx="0">
+            <a:schemeClr val="dk1"/>
+          </a:effectRef>
+          <a:fontRef idx="minor">
+            <a:schemeClr val="tx1"/>
+          </a:fontRef>
+        </p:style>
+      </p:cxnSp>
+      <p:sp>
+        <p:nvSpPr>
+          <p:cNvPr id="34" name="TextBox 33">
+            <a:extLst>
+              <a:ext uri="{FF2B5EF4-FFF2-40B4-BE49-F238E27FC236}">
+                <a16:creationId xmlns:a16="http://schemas.microsoft.com/office/drawing/2014/main" id="{A939A637-008B-4F07-A760-E28498BEFBB9}"/>
+              </a:ext>
+            </a:extLst>
+          </p:cNvPr>
+          <p:cNvSpPr txBox="1"/>
+          <p:nvPr/>
+        </p:nvSpPr>
+        <p:spPr>
+          <a:xfrm>
+            <a:off x="1189613" y="2719096"/>
+            <a:ext cx="2209910" cy="276999"/>
+          </a:xfrm>
+          <a:prstGeom prst="rect">
+            <a:avLst/>
+          </a:prstGeom>
+          <a:noFill/>
+        </p:spPr>
+        <p:txBody>
+          <a:bodyPr wrap="square" rtlCol="0">
+            <a:spAutoFit/>
+          </a:bodyPr>
+          <a:lstStyle/>
+          <a:p>
+            <a:r>
+              <a:rPr lang="en-US" sz="1200" dirty="0" err="1"/>
+              <a:t>removeCreditCard</a:t>
+            </a:r>
+            <a:r>
+              <a:rPr lang="en-US" sz="1200" dirty="0"/>
+              <a:t>(</a:t>
+            </a:r>
+            <a:r>
+              <a:rPr lang="en-US" sz="1200" dirty="0" err="1"/>
+              <a:t>cardNumber</a:t>
+            </a:r>
+            <a:r>
+              <a:rPr lang="en-US" sz="1200" dirty="0"/>
+              <a:t>)</a:t>
+            </a:r>
+          </a:p>
+        </p:txBody>
+      </p:sp>
+      <p:cxnSp>
+        <p:nvCxnSpPr>
+          <p:cNvPr id="35" name="Straight Connector 34">
+            <a:extLst>
+              <a:ext uri="{FF2B5EF4-FFF2-40B4-BE49-F238E27FC236}">
+                <a16:creationId xmlns:a16="http://schemas.microsoft.com/office/drawing/2014/main" id="{7DF09EE4-1297-4776-BD05-F146CCF28516}"/>
+              </a:ext>
+            </a:extLst>
+          </p:cNvPr>
+          <p:cNvCxnSpPr>
+            <a:cxnSpLocks/>
+          </p:cNvCxnSpPr>
+          <p:nvPr/>
+        </p:nvCxnSpPr>
+        <p:spPr>
+          <a:xfrm flipH="1">
+            <a:off x="3457444" y="1391883"/>
+            <a:ext cx="1" cy="4827579"/>
+          </a:xfrm>
+          <a:prstGeom prst="line">
+            <a:avLst/>
+          </a:prstGeom>
+          <a:ln w="9525" cap="flat" cmpd="sng" algn="ctr">
+            <a:solidFill>
+              <a:schemeClr val="dk1"/>
+            </a:solidFill>
+            <a:prstDash val="dash"/>
+            <a:round/>
+            <a:headEnd type="none" w="med" len="med"/>
+            <a:tailEnd type="none" w="med" len="med"/>
+          </a:ln>
+        </p:spPr>
+        <p:style>
+          <a:lnRef idx="0">
+            <a:scrgbClr r="0" g="0" b="0"/>
+          </a:lnRef>
+          <a:fillRef idx="0">
+            <a:scrgbClr r="0" g="0" b="0"/>
+          </a:fillRef>
+          <a:effectRef idx="0">
+            <a:scrgbClr r="0" g="0" b="0"/>
+          </a:effectRef>
+          <a:fontRef idx="minor">
+            <a:schemeClr val="tx1"/>
+          </a:fontRef>
+        </p:style>
+      </p:cxnSp>
+      <p:sp>
+        <p:nvSpPr>
+          <p:cNvPr id="36" name="Rectangle 35">
+            <a:extLst>
+              <a:ext uri="{FF2B5EF4-FFF2-40B4-BE49-F238E27FC236}">
+                <a16:creationId xmlns:a16="http://schemas.microsoft.com/office/drawing/2014/main" id="{1A354F8D-8170-4FD1-B9FF-B6EF771D8DAF}"/>
+              </a:ext>
+            </a:extLst>
+          </p:cNvPr>
+          <p:cNvSpPr/>
+          <p:nvPr/>
+        </p:nvSpPr>
+        <p:spPr>
+          <a:xfrm>
+            <a:off x="3354785" y="1445172"/>
+            <a:ext cx="169056" cy="4876800"/>
+          </a:xfrm>
+          <a:prstGeom prst="rect">
+            <a:avLst/>
+          </a:prstGeom>
+          <a:solidFill>
+            <a:schemeClr val="bg2"/>
+          </a:solidFill>
+          <a:ln>
+            <a:solidFill>
+              <a:schemeClr val="tx1"/>
+            </a:solidFill>
+          </a:ln>
+        </p:spPr>
+        <p:style>
+          <a:lnRef idx="2">
+            <a:schemeClr val="accent1">
+              <a:shade val="50000"/>
+            </a:schemeClr>
+          </a:lnRef>
+          <a:fillRef idx="1">
+            <a:schemeClr val="accent1"/>
+          </a:fillRef>
+          <a:effectRef idx="0">
+            <a:schemeClr val="accent1"/>
+          </a:effectRef>
+          <a:fontRef idx="minor">
+            <a:schemeClr val="lt1"/>
+          </a:fontRef>
+        </p:style>
+        <p:txBody>
+          <a:bodyPr rtlCol="0" anchor="ctr"/>
+          <a:lstStyle/>
+          <a:p>
+            <a:pPr algn="ctr"/>
+            <a:endParaRPr lang="en-US"/>
+          </a:p>
+        </p:txBody>
+      </p:sp>
+      <p:sp>
+        <p:nvSpPr>
+          <p:cNvPr id="37" name="TextBox 36">
+            <a:extLst>
+              <a:ext uri="{FF2B5EF4-FFF2-40B4-BE49-F238E27FC236}">
+                <a16:creationId xmlns:a16="http://schemas.microsoft.com/office/drawing/2014/main" id="{6F894974-0017-4791-A4AA-E42BEF24BFFB}"/>
+              </a:ext>
+            </a:extLst>
+          </p:cNvPr>
+          <p:cNvSpPr txBox="1"/>
+          <p:nvPr/>
+        </p:nvSpPr>
+        <p:spPr>
+          <a:xfrm>
+            <a:off x="3829558" y="3741839"/>
+            <a:ext cx="1893142" cy="276999"/>
+          </a:xfrm>
+          <a:prstGeom prst="rect">
+            <a:avLst/>
+          </a:prstGeom>
+          <a:noFill/>
+        </p:spPr>
+        <p:txBody>
+          <a:bodyPr wrap="square" rtlCol="0">
+            <a:spAutoFit/>
+          </a:bodyPr>
+          <a:lstStyle/>
+          <a:p>
+            <a:r>
+              <a:rPr lang="en-US" sz="1200" dirty="0"/>
+              <a:t>[Exists] true or false</a:t>
+            </a:r>
+          </a:p>
+        </p:txBody>
+      </p:sp>
+      <p:cxnSp>
+        <p:nvCxnSpPr>
+          <p:cNvPr id="38" name="Straight Arrow Connector 37">
+            <a:extLst>
+              <a:ext uri="{FF2B5EF4-FFF2-40B4-BE49-F238E27FC236}">
+                <a16:creationId xmlns:a16="http://schemas.microsoft.com/office/drawing/2014/main" id="{8E85CB31-2FF8-4E90-AD08-BDE499929803}"/>
+              </a:ext>
+            </a:extLst>
+          </p:cNvPr>
+          <p:cNvCxnSpPr>
+            <a:cxnSpLocks/>
+          </p:cNvCxnSpPr>
+          <p:nvPr/>
+        </p:nvCxnSpPr>
+        <p:spPr>
+          <a:xfrm flipH="1" flipV="1">
+            <a:off x="1286945" y="4063848"/>
+            <a:ext cx="2058961" cy="13668"/>
+          </a:xfrm>
+          <a:prstGeom prst="straightConnector1">
+            <a:avLst/>
+          </a:prstGeom>
+          <a:ln>
+            <a:tailEnd type="triangle"/>
+          </a:ln>
+        </p:spPr>
+        <p:style>
+          <a:lnRef idx="1">
+            <a:schemeClr val="dk1"/>
+          </a:lnRef>
+          <a:fillRef idx="0">
+            <a:schemeClr val="dk1"/>
+          </a:fillRef>
+          <a:effectRef idx="0">
+            <a:schemeClr val="dk1"/>
+          </a:effectRef>
+          <a:fontRef idx="minor">
+            <a:schemeClr val="tx1"/>
+          </a:fontRef>
+        </p:style>
+      </p:cxnSp>
+      <p:sp>
+        <p:nvSpPr>
+          <p:cNvPr id="42" name="TextBox 41">
+            <a:extLst>
+              <a:ext uri="{FF2B5EF4-FFF2-40B4-BE49-F238E27FC236}">
+                <a16:creationId xmlns:a16="http://schemas.microsoft.com/office/drawing/2014/main" id="{F987D067-3437-47D5-A0BA-56EE573C4BFF}"/>
+              </a:ext>
+            </a:extLst>
+          </p:cNvPr>
+          <p:cNvSpPr txBox="1"/>
+          <p:nvPr/>
+        </p:nvSpPr>
+        <p:spPr>
+          <a:xfrm>
+            <a:off x="4082353" y="3284639"/>
+            <a:ext cx="1667067" cy="276999"/>
+          </a:xfrm>
+          <a:prstGeom prst="rect">
+            <a:avLst/>
+          </a:prstGeom>
+          <a:noFill/>
+        </p:spPr>
+        <p:txBody>
+          <a:bodyPr wrap="square" rtlCol="0">
+            <a:spAutoFit/>
+          </a:bodyPr>
+          <a:lstStyle/>
+          <a:p>
+            <a:r>
+              <a:rPr lang="en-US" sz="1200" dirty="0" err="1"/>
+              <a:t>getCreditCardList</a:t>
+            </a:r>
+            <a:r>
+              <a:rPr lang="en-US" sz="1200" dirty="0"/>
+              <a:t>()</a:t>
+            </a:r>
+          </a:p>
+        </p:txBody>
+      </p:sp>
+      <p:sp>
+        <p:nvSpPr>
+          <p:cNvPr id="43" name="TextBox 42">
+            <a:extLst>
+              <a:ext uri="{FF2B5EF4-FFF2-40B4-BE49-F238E27FC236}">
+                <a16:creationId xmlns:a16="http://schemas.microsoft.com/office/drawing/2014/main" id="{9B56E2AC-CBE7-4B11-9D7A-FE5DF6D363CB}"/>
+              </a:ext>
+            </a:extLst>
+          </p:cNvPr>
+          <p:cNvSpPr txBox="1"/>
+          <p:nvPr/>
+        </p:nvSpPr>
+        <p:spPr>
+          <a:xfrm>
+            <a:off x="4016201" y="4094626"/>
+            <a:ext cx="1667067" cy="276999"/>
+          </a:xfrm>
+          <a:prstGeom prst="rect">
+            <a:avLst/>
+          </a:prstGeom>
+          <a:noFill/>
+        </p:spPr>
+        <p:txBody>
+          <a:bodyPr wrap="square" rtlCol="0">
+            <a:spAutoFit/>
+          </a:bodyPr>
+          <a:lstStyle/>
+          <a:p>
+            <a:r>
+              <a:rPr lang="en-US" sz="1200" dirty="0" err="1"/>
+              <a:t>getCreditCardList</a:t>
+            </a:r>
+            <a:r>
+              <a:rPr lang="en-US" sz="1200" dirty="0"/>
+              <a:t>()</a:t>
+            </a:r>
+          </a:p>
+        </p:txBody>
+      </p:sp>
+      <p:cxnSp>
+        <p:nvCxnSpPr>
+          <p:cNvPr id="44" name="Straight Arrow Connector 43">
+            <a:extLst>
+              <a:ext uri="{FF2B5EF4-FFF2-40B4-BE49-F238E27FC236}">
+                <a16:creationId xmlns:a16="http://schemas.microsoft.com/office/drawing/2014/main" id="{9A2F9BEC-D37F-4825-9E9D-F0659032BB04}"/>
+              </a:ext>
+            </a:extLst>
+          </p:cNvPr>
+          <p:cNvCxnSpPr>
+            <a:cxnSpLocks/>
+          </p:cNvCxnSpPr>
+          <p:nvPr/>
+        </p:nvCxnSpPr>
+        <p:spPr>
+          <a:xfrm>
+            <a:off x="3540221" y="4385293"/>
+            <a:ext cx="2647186" cy="0"/>
+          </a:xfrm>
+          <a:prstGeom prst="straightConnector1">
+            <a:avLst/>
+          </a:prstGeom>
+          <a:ln w="9525" cap="flat" cmpd="sng" algn="ctr">
+            <a:solidFill>
+              <a:schemeClr val="dk1"/>
+            </a:solidFill>
+            <a:prstDash val="solid"/>
+            <a:round/>
+            <a:headEnd type="none" w="med" len="med"/>
+            <a:tailEnd type="arrow" w="med" len="med"/>
+          </a:ln>
+        </p:spPr>
+        <p:style>
+          <a:lnRef idx="0">
+            <a:scrgbClr r="0" g="0" b="0"/>
+          </a:lnRef>
+          <a:fillRef idx="0">
+            <a:scrgbClr r="0" g="0" b="0"/>
+          </a:fillRef>
+          <a:effectRef idx="0">
+            <a:scrgbClr r="0" g="0" b="0"/>
+          </a:effectRef>
+          <a:fontRef idx="minor">
+            <a:schemeClr val="tx1"/>
+          </a:fontRef>
+        </p:style>
+      </p:cxnSp>
+      <p:cxnSp>
+        <p:nvCxnSpPr>
+          <p:cNvPr id="45" name="Straight Arrow Connector 44">
+            <a:extLst>
+              <a:ext uri="{FF2B5EF4-FFF2-40B4-BE49-F238E27FC236}">
+                <a16:creationId xmlns:a16="http://schemas.microsoft.com/office/drawing/2014/main" id="{56A21B5C-56A8-42AC-89AF-158585B876FD}"/>
+              </a:ext>
+            </a:extLst>
+          </p:cNvPr>
+          <p:cNvCxnSpPr>
+            <a:cxnSpLocks/>
+          </p:cNvCxnSpPr>
+          <p:nvPr/>
+        </p:nvCxnSpPr>
+        <p:spPr>
+          <a:xfrm>
+            <a:off x="6383973" y="4493113"/>
+            <a:ext cx="2696549" cy="0"/>
+          </a:xfrm>
+          <a:prstGeom prst="straightConnector1">
+            <a:avLst/>
+          </a:prstGeom>
+          <a:ln w="9525" cap="flat" cmpd="sng" algn="ctr">
+            <a:solidFill>
+              <a:schemeClr val="dk1"/>
+            </a:solidFill>
+            <a:prstDash val="solid"/>
+            <a:round/>
+            <a:headEnd type="none" w="med" len="med"/>
+            <a:tailEnd type="arrow" w="med" len="med"/>
+          </a:ln>
+        </p:spPr>
+        <p:style>
+          <a:lnRef idx="0">
+            <a:scrgbClr r="0" g="0" b="0"/>
+          </a:lnRef>
+          <a:fillRef idx="0">
+            <a:scrgbClr r="0" g="0" b="0"/>
+          </a:fillRef>
+          <a:effectRef idx="0">
+            <a:scrgbClr r="0" g="0" b="0"/>
+          </a:effectRef>
+          <a:fontRef idx="minor">
+            <a:schemeClr val="tx1"/>
+          </a:fontRef>
+        </p:style>
+      </p:cxnSp>
+      <p:sp>
+        <p:nvSpPr>
+          <p:cNvPr id="47" name="TextBox 46">
+            <a:extLst>
+              <a:ext uri="{FF2B5EF4-FFF2-40B4-BE49-F238E27FC236}">
+                <a16:creationId xmlns:a16="http://schemas.microsoft.com/office/drawing/2014/main" id="{B9FA585B-5951-42A9-A2F1-4AA7A110BE0E}"/>
+              </a:ext>
+            </a:extLst>
+          </p:cNvPr>
+          <p:cNvSpPr txBox="1"/>
+          <p:nvPr/>
+        </p:nvSpPr>
+        <p:spPr>
+          <a:xfrm>
+            <a:off x="6361662" y="4237541"/>
+            <a:ext cx="2982895" cy="276999"/>
+          </a:xfrm>
+          <a:prstGeom prst="rect">
+            <a:avLst/>
+          </a:prstGeom>
+          <a:noFill/>
+        </p:spPr>
+        <p:txBody>
+          <a:bodyPr wrap="square" rtlCol="0">
+            <a:spAutoFit/>
+          </a:bodyPr>
+          <a:lstStyle/>
+          <a:p>
+            <a:r>
+              <a:rPr lang="en-US" sz="1200" dirty="0" err="1"/>
+              <a:t>isCustomersOnlyCreditCard</a:t>
+            </a:r>
+            <a:r>
+              <a:rPr lang="en-US" sz="1200" dirty="0"/>
+              <a:t>(</a:t>
+            </a:r>
+            <a:r>
+              <a:rPr lang="en-US" sz="1200" dirty="0" err="1"/>
+              <a:t>cardnumber</a:t>
+            </a:r>
+            <a:r>
+              <a:rPr lang="en-US" sz="1200" dirty="0"/>
+              <a:t>)</a:t>
+            </a:r>
+          </a:p>
+        </p:txBody>
+      </p:sp>
+      <p:sp>
+        <p:nvSpPr>
+          <p:cNvPr id="51" name="TextBox 50">
+            <a:extLst>
+              <a:ext uri="{FF2B5EF4-FFF2-40B4-BE49-F238E27FC236}">
+                <a16:creationId xmlns:a16="http://schemas.microsoft.com/office/drawing/2014/main" id="{097610C4-6D8E-4CF2-B573-A7CE243C62CD}"/>
+              </a:ext>
+            </a:extLst>
+          </p:cNvPr>
+          <p:cNvSpPr txBox="1"/>
+          <p:nvPr/>
+        </p:nvSpPr>
+        <p:spPr>
+          <a:xfrm>
+            <a:off x="6906538" y="4509109"/>
+            <a:ext cx="1893142" cy="276999"/>
+          </a:xfrm>
+          <a:prstGeom prst="rect">
+            <a:avLst/>
+          </a:prstGeom>
+          <a:noFill/>
+        </p:spPr>
+        <p:txBody>
+          <a:bodyPr wrap="square" rtlCol="0">
+            <a:spAutoFit/>
+          </a:bodyPr>
+          <a:lstStyle/>
+          <a:p>
+            <a:r>
+              <a:rPr lang="en-US" sz="1200" dirty="0"/>
+              <a:t>[Only card] true or false</a:t>
+            </a:r>
+          </a:p>
+        </p:txBody>
+      </p:sp>
+      <p:sp>
+        <p:nvSpPr>
+          <p:cNvPr id="52" name="TextBox 51">
+            <a:extLst>
+              <a:ext uri="{FF2B5EF4-FFF2-40B4-BE49-F238E27FC236}">
+                <a16:creationId xmlns:a16="http://schemas.microsoft.com/office/drawing/2014/main" id="{4B3ABBE9-1CDA-49E4-891C-92C93BF47E6E}"/>
+              </a:ext>
+            </a:extLst>
+          </p:cNvPr>
+          <p:cNvSpPr txBox="1"/>
+          <p:nvPr/>
+        </p:nvSpPr>
+        <p:spPr>
+          <a:xfrm>
+            <a:off x="4182640" y="4667704"/>
+            <a:ext cx="1893142" cy="276999"/>
+          </a:xfrm>
+          <a:prstGeom prst="rect">
+            <a:avLst/>
+          </a:prstGeom>
+          <a:noFill/>
+        </p:spPr>
+        <p:txBody>
+          <a:bodyPr wrap="square" rtlCol="0">
+            <a:spAutoFit/>
+          </a:bodyPr>
+          <a:lstStyle/>
+          <a:p>
+            <a:r>
+              <a:rPr lang="en-US" sz="1200" dirty="0"/>
+              <a:t>[Only card] true or false</a:t>
+            </a:r>
+          </a:p>
+        </p:txBody>
+      </p:sp>
+      <p:cxnSp>
+        <p:nvCxnSpPr>
+          <p:cNvPr id="53" name="Straight Arrow Connector 52">
+            <a:extLst>
+              <a:ext uri="{FF2B5EF4-FFF2-40B4-BE49-F238E27FC236}">
+                <a16:creationId xmlns:a16="http://schemas.microsoft.com/office/drawing/2014/main" id="{6EFB1420-05C6-497A-8366-DF2E62144AB9}"/>
+              </a:ext>
+            </a:extLst>
+          </p:cNvPr>
+          <p:cNvCxnSpPr>
+            <a:cxnSpLocks/>
+          </p:cNvCxnSpPr>
+          <p:nvPr/>
+        </p:nvCxnSpPr>
+        <p:spPr>
+          <a:xfrm flipH="1" flipV="1">
+            <a:off x="6362080" y="4729801"/>
+            <a:ext cx="2740334" cy="32970"/>
+          </a:xfrm>
+          <a:prstGeom prst="straightConnector1">
+            <a:avLst/>
+          </a:prstGeom>
+          <a:ln>
+            <a:prstDash val="lgDash"/>
+            <a:tailEnd type="triangle"/>
+          </a:ln>
+        </p:spPr>
+        <p:style>
+          <a:lnRef idx="1">
+            <a:schemeClr val="dk1"/>
+          </a:lnRef>
+          <a:fillRef idx="0">
+            <a:schemeClr val="dk1"/>
+          </a:fillRef>
+          <a:effectRef idx="0">
+            <a:schemeClr val="dk1"/>
+          </a:effectRef>
+          <a:fontRef idx="minor">
+            <a:schemeClr val="tx1"/>
+          </a:fontRef>
+        </p:style>
+      </p:cxnSp>
+      <p:cxnSp>
+        <p:nvCxnSpPr>
+          <p:cNvPr id="54" name="Straight Arrow Connector 53">
+            <a:extLst>
+              <a:ext uri="{FF2B5EF4-FFF2-40B4-BE49-F238E27FC236}">
+                <a16:creationId xmlns:a16="http://schemas.microsoft.com/office/drawing/2014/main" id="{5FC39931-F2C9-415A-85CB-301A4F26343C}"/>
+              </a:ext>
+            </a:extLst>
+          </p:cNvPr>
+          <p:cNvCxnSpPr>
+            <a:cxnSpLocks/>
+          </p:cNvCxnSpPr>
+          <p:nvPr/>
+        </p:nvCxnSpPr>
+        <p:spPr>
+          <a:xfrm flipH="1" flipV="1">
+            <a:off x="3523841" y="4930651"/>
+            <a:ext cx="2622455" cy="13221"/>
+          </a:xfrm>
+          <a:prstGeom prst="straightConnector1">
+            <a:avLst/>
+          </a:prstGeom>
+          <a:ln>
+            <a:prstDash val="lgDash"/>
+            <a:tailEnd type="triangle"/>
+          </a:ln>
+        </p:spPr>
+        <p:style>
+          <a:lnRef idx="1">
+            <a:schemeClr val="dk1"/>
+          </a:lnRef>
+          <a:fillRef idx="0">
+            <a:schemeClr val="dk1"/>
+          </a:fillRef>
+          <a:effectRef idx="0">
+            <a:schemeClr val="dk1"/>
+          </a:effectRef>
+          <a:fontRef idx="minor">
+            <a:schemeClr val="tx1"/>
+          </a:fontRef>
+        </p:style>
+      </p:cxnSp>
+      <p:cxnSp>
+        <p:nvCxnSpPr>
+          <p:cNvPr id="56" name="Straight Arrow Connector 55">
+            <a:extLst>
+              <a:ext uri="{FF2B5EF4-FFF2-40B4-BE49-F238E27FC236}">
+                <a16:creationId xmlns:a16="http://schemas.microsoft.com/office/drawing/2014/main" id="{A991B57C-9084-4252-ADCF-6B53BB0578CC}"/>
+              </a:ext>
+            </a:extLst>
+          </p:cNvPr>
+          <p:cNvCxnSpPr>
+            <a:cxnSpLocks/>
+          </p:cNvCxnSpPr>
+          <p:nvPr/>
+        </p:nvCxnSpPr>
+        <p:spPr>
+          <a:xfrm flipH="1" flipV="1">
+            <a:off x="3515366" y="3991678"/>
+            <a:ext cx="2622455" cy="13221"/>
+          </a:xfrm>
+          <a:prstGeom prst="straightConnector1">
+            <a:avLst/>
+          </a:prstGeom>
+          <a:ln>
+            <a:prstDash val="lgDash"/>
+            <a:tailEnd type="triangle"/>
+          </a:ln>
+        </p:spPr>
+        <p:style>
+          <a:lnRef idx="1">
+            <a:schemeClr val="dk1"/>
+          </a:lnRef>
+          <a:fillRef idx="0">
+            <a:schemeClr val="dk1"/>
+          </a:fillRef>
+          <a:effectRef idx="0">
+            <a:schemeClr val="dk1"/>
+          </a:effectRef>
+          <a:fontRef idx="minor">
+            <a:schemeClr val="tx1"/>
+          </a:fontRef>
+        </p:style>
+      </p:cxnSp>
+      <p:sp>
+        <p:nvSpPr>
+          <p:cNvPr id="58" name="TextBox 57">
+            <a:extLst>
+              <a:ext uri="{FF2B5EF4-FFF2-40B4-BE49-F238E27FC236}">
+                <a16:creationId xmlns:a16="http://schemas.microsoft.com/office/drawing/2014/main" id="{B48DF405-1DEC-4B64-945C-6EBF8F8A66A4}"/>
+              </a:ext>
+            </a:extLst>
+          </p:cNvPr>
+          <p:cNvSpPr txBox="1"/>
+          <p:nvPr/>
+        </p:nvSpPr>
+        <p:spPr>
+          <a:xfrm>
+            <a:off x="1359321" y="4747415"/>
+            <a:ext cx="2274073" cy="461665"/>
+          </a:xfrm>
+          <a:prstGeom prst="rect">
+            <a:avLst/>
+          </a:prstGeom>
+          <a:noFill/>
+        </p:spPr>
+        <p:txBody>
+          <a:bodyPr wrap="square" rtlCol="0">
+            <a:spAutoFit/>
+          </a:bodyPr>
+          <a:lstStyle/>
+          <a:p>
+            <a:r>
+              <a:rPr lang="en-US" sz="1200" dirty="0"/>
+              <a:t>[If only card = true] Customer must have at least one card</a:t>
+            </a:r>
+          </a:p>
+        </p:txBody>
+      </p:sp>
+      <p:cxnSp>
+        <p:nvCxnSpPr>
+          <p:cNvPr id="59" name="Straight Arrow Connector 58">
+            <a:extLst>
+              <a:ext uri="{FF2B5EF4-FFF2-40B4-BE49-F238E27FC236}">
+                <a16:creationId xmlns:a16="http://schemas.microsoft.com/office/drawing/2014/main" id="{B147F34D-8B67-456A-BC1A-A2F7948E1A5B}"/>
+              </a:ext>
+            </a:extLst>
+          </p:cNvPr>
+          <p:cNvCxnSpPr>
+            <a:cxnSpLocks/>
+          </p:cNvCxnSpPr>
+          <p:nvPr/>
+        </p:nvCxnSpPr>
+        <p:spPr>
+          <a:xfrm flipH="1" flipV="1">
+            <a:off x="1279494" y="5191854"/>
+            <a:ext cx="2058961" cy="13668"/>
+          </a:xfrm>
+          <a:prstGeom prst="straightConnector1">
+            <a:avLst/>
+          </a:prstGeom>
+          <a:ln>
+            <a:tailEnd type="triangle"/>
+          </a:ln>
+        </p:spPr>
+        <p:style>
+          <a:lnRef idx="1">
+            <a:schemeClr val="dk1"/>
+          </a:lnRef>
+          <a:fillRef idx="0">
+            <a:schemeClr val="dk1"/>
+          </a:fillRef>
+          <a:effectRef idx="0">
+            <a:schemeClr val="dk1"/>
+          </a:effectRef>
+          <a:fontRef idx="minor">
+            <a:schemeClr val="tx1"/>
+          </a:fontRef>
+        </p:style>
+      </p:cxnSp>
+      <p:cxnSp>
+        <p:nvCxnSpPr>
+          <p:cNvPr id="61" name="Straight Arrow Connector 60">
+            <a:extLst>
+              <a:ext uri="{FF2B5EF4-FFF2-40B4-BE49-F238E27FC236}">
+                <a16:creationId xmlns:a16="http://schemas.microsoft.com/office/drawing/2014/main" id="{FF5FA054-266A-4CC0-9FCC-1FF7C100D67C}"/>
+              </a:ext>
+            </a:extLst>
+          </p:cNvPr>
+          <p:cNvCxnSpPr>
+            <a:cxnSpLocks/>
+          </p:cNvCxnSpPr>
+          <p:nvPr/>
+        </p:nvCxnSpPr>
+        <p:spPr>
+          <a:xfrm>
+            <a:off x="6382271" y="5638364"/>
+            <a:ext cx="2707240" cy="0"/>
+          </a:xfrm>
+          <a:prstGeom prst="straightConnector1">
+            <a:avLst/>
+          </a:prstGeom>
+          <a:ln>
+            <a:tailEnd type="triangle"/>
+          </a:ln>
+        </p:spPr>
+        <p:style>
+          <a:lnRef idx="1">
+            <a:schemeClr val="dk1"/>
+          </a:lnRef>
+          <a:fillRef idx="0">
+            <a:schemeClr val="dk1"/>
+          </a:fillRef>
+          <a:effectRef idx="0">
+            <a:schemeClr val="dk1"/>
+          </a:effectRef>
+          <a:fontRef idx="minor">
+            <a:schemeClr val="tx1"/>
+          </a:fontRef>
+        </p:style>
+      </p:cxnSp>
     </p:spTree>
     <p:extLst>
       <p:ext uri="{BB962C8B-B14F-4D97-AF65-F5344CB8AC3E}">

--- a/Diagrams and Charts/Sequence Charts.pptx
+++ b/Diagrams and Charts/Sequence Charts.pptx
@@ -10,7 +10,7 @@
     <p:sldId id="258" r:id="rId4"/>
     <p:sldId id="259" r:id="rId5"/>
     <p:sldId id="270" r:id="rId6"/>
-    <p:sldId id="261" r:id="rId7"/>
+    <p:sldId id="271" r:id="rId7"/>
     <p:sldId id="262" r:id="rId8"/>
     <p:sldId id="263" r:id="rId9"/>
     <p:sldId id="264" r:id="rId10"/>
@@ -11474,97 +11474,6 @@
           </a:p>
         </p:txBody>
       </p:sp>
-      <p:sp>
-        <p:nvSpPr>
-          <p:cNvPr id="6" name="Rectangle 5">
-            <a:extLst>
-              <a:ext uri="{FF2B5EF4-FFF2-40B4-BE49-F238E27FC236}">
-                <a16:creationId xmlns:a16="http://schemas.microsoft.com/office/drawing/2014/main" id="{5993E7F0-A172-4838-883D-6CEFEA31C010}"/>
-              </a:ext>
-            </a:extLst>
-          </p:cNvPr>
-          <p:cNvSpPr/>
-          <p:nvPr/>
-        </p:nvSpPr>
-        <p:spPr>
-          <a:xfrm>
-            <a:off x="2001329" y="1114021"/>
-            <a:ext cx="169057" cy="4913656"/>
-          </a:xfrm>
-          <a:prstGeom prst="rect">
-            <a:avLst/>
-          </a:prstGeom>
-          <a:solidFill>
-            <a:schemeClr val="bg2"/>
-          </a:solidFill>
-          <a:ln>
-            <a:solidFill>
-              <a:schemeClr val="tx1"/>
-            </a:solidFill>
-          </a:ln>
-        </p:spPr>
-        <p:style>
-          <a:lnRef idx="2">
-            <a:schemeClr val="accent1">
-              <a:shade val="50000"/>
-            </a:schemeClr>
-          </a:lnRef>
-          <a:fillRef idx="1">
-            <a:schemeClr val="accent1"/>
-          </a:fillRef>
-          <a:effectRef idx="0">
-            <a:schemeClr val="accent1"/>
-          </a:effectRef>
-          <a:fontRef idx="minor">
-            <a:schemeClr val="lt1"/>
-          </a:fontRef>
-        </p:style>
-        <p:txBody>
-          <a:bodyPr rtlCol="0" anchor="ctr"/>
-          <a:lstStyle/>
-          <a:p>
-            <a:pPr algn="ctr"/>
-            <a:endParaRPr lang="en-US"/>
-          </a:p>
-        </p:txBody>
-      </p:sp>
-      <p:sp>
-        <p:nvSpPr>
-          <p:cNvPr id="7" name="TextBox 6">
-            <a:extLst>
-              <a:ext uri="{FF2B5EF4-FFF2-40B4-BE49-F238E27FC236}">
-                <a16:creationId xmlns:a16="http://schemas.microsoft.com/office/drawing/2014/main" id="{8D400405-8429-45D0-A6D6-38BE802C9D65}"/>
-              </a:ext>
-            </a:extLst>
-          </p:cNvPr>
-          <p:cNvSpPr txBox="1"/>
-          <p:nvPr/>
-        </p:nvSpPr>
-        <p:spPr>
-          <a:xfrm>
-            <a:off x="1389993" y="783735"/>
-            <a:ext cx="1391728" cy="307777"/>
-          </a:xfrm>
-          <a:prstGeom prst="rect">
-            <a:avLst/>
-          </a:prstGeom>
-          <a:noFill/>
-        </p:spPr>
-        <p:txBody>
-          <a:bodyPr wrap="none" rtlCol="0">
-            <a:spAutoFit/>
-          </a:bodyPr>
-          <a:lstStyle/>
-          <a:p>
-            <a:r>
-              <a:rPr lang="en-US" sz="1400" u="sng" dirty="0">
-                <a:latin typeface="Georgia" panose="02040502050405020303" pitchFamily="18" charset="0"/>
-              </a:rPr>
-              <a:t>Command GUI</a:t>
-            </a:r>
-          </a:p>
-        </p:txBody>
-      </p:sp>
       <p:pic>
         <p:nvPicPr>
           <p:cNvPr id="9" name="Graphic 8" descr="User">
@@ -11641,954 +11550,46 @@
           </a:p>
         </p:txBody>
       </p:sp>
-      <p:cxnSp>
-        <p:nvCxnSpPr>
-          <p:cNvPr id="13" name="Straight Arrow Connector 12">
-            <a:extLst>
-              <a:ext uri="{FF2B5EF4-FFF2-40B4-BE49-F238E27FC236}">
-                <a16:creationId xmlns:a16="http://schemas.microsoft.com/office/drawing/2014/main" id="{C92A00A1-D5F3-47EB-A5AB-07025FE787B1}"/>
-              </a:ext>
-            </a:extLst>
-          </p:cNvPr>
-          <p:cNvCxnSpPr>
-            <a:cxnSpLocks/>
-          </p:cNvCxnSpPr>
-          <p:nvPr/>
-        </p:nvCxnSpPr>
-        <p:spPr>
-          <a:xfrm>
-            <a:off x="940676" y="1334813"/>
-            <a:ext cx="1060653" cy="0"/>
-          </a:xfrm>
-          <a:prstGeom prst="straightConnector1">
-            <a:avLst/>
-          </a:prstGeom>
-          <a:ln>
-            <a:headEnd type="none" w="med" len="med"/>
-            <a:tailEnd type="arrow" w="med" len="med"/>
-          </a:ln>
-        </p:spPr>
-        <p:style>
-          <a:lnRef idx="3">
-            <a:schemeClr val="dk1"/>
-          </a:lnRef>
-          <a:fillRef idx="0">
-            <a:schemeClr val="dk1"/>
-          </a:fillRef>
-          <a:effectRef idx="2">
-            <a:schemeClr val="dk1"/>
-          </a:effectRef>
-          <a:fontRef idx="minor">
-            <a:schemeClr val="tx1"/>
-          </a:fontRef>
-        </p:style>
-      </p:cxnSp>
-      <p:sp>
-        <p:nvSpPr>
-          <p:cNvPr id="16" name="Rectangle 15">
-            <a:extLst>
-              <a:ext uri="{FF2B5EF4-FFF2-40B4-BE49-F238E27FC236}">
-                <a16:creationId xmlns:a16="http://schemas.microsoft.com/office/drawing/2014/main" id="{0285C4BD-12F1-4D93-81B0-4B81C5DE0ACF}"/>
-              </a:ext>
-            </a:extLst>
-          </p:cNvPr>
-          <p:cNvSpPr/>
-          <p:nvPr/>
-        </p:nvSpPr>
-        <p:spPr>
-          <a:xfrm>
-            <a:off x="4544870" y="1283680"/>
-            <a:ext cx="169057" cy="4391855"/>
-          </a:xfrm>
-          <a:prstGeom prst="rect">
-            <a:avLst/>
-          </a:prstGeom>
-          <a:solidFill>
-            <a:schemeClr val="bg2"/>
-          </a:solidFill>
-          <a:ln>
-            <a:solidFill>
-              <a:schemeClr val="tx1"/>
-            </a:solidFill>
-          </a:ln>
-        </p:spPr>
-        <p:style>
-          <a:lnRef idx="2">
-            <a:schemeClr val="accent1">
-              <a:shade val="50000"/>
-            </a:schemeClr>
-          </a:lnRef>
-          <a:fillRef idx="1">
-            <a:schemeClr val="accent1"/>
-          </a:fillRef>
-          <a:effectRef idx="0">
-            <a:schemeClr val="accent1"/>
-          </a:effectRef>
-          <a:fontRef idx="minor">
-            <a:schemeClr val="lt1"/>
-          </a:fontRef>
-        </p:style>
-        <p:txBody>
-          <a:bodyPr rtlCol="0" anchor="ctr"/>
-          <a:lstStyle/>
-          <a:p>
-            <a:pPr algn="ctr"/>
-            <a:endParaRPr lang="en-US"/>
-          </a:p>
-        </p:txBody>
-      </p:sp>
-      <p:sp>
-        <p:nvSpPr>
-          <p:cNvPr id="17" name="TextBox 16">
-            <a:extLst>
-              <a:ext uri="{FF2B5EF4-FFF2-40B4-BE49-F238E27FC236}">
-                <a16:creationId xmlns:a16="http://schemas.microsoft.com/office/drawing/2014/main" id="{5F14A1DD-3841-44CD-81BB-FC50BB190866}"/>
-              </a:ext>
-            </a:extLst>
-          </p:cNvPr>
-          <p:cNvSpPr txBox="1"/>
-          <p:nvPr/>
-        </p:nvSpPr>
-        <p:spPr>
-          <a:xfrm>
-            <a:off x="4230088" y="780958"/>
-            <a:ext cx="798617" cy="307777"/>
-          </a:xfrm>
-          <a:prstGeom prst="rect">
-            <a:avLst/>
-          </a:prstGeom>
-          <a:noFill/>
-        </p:spPr>
-        <p:txBody>
-          <a:bodyPr wrap="none" rtlCol="0">
-            <a:spAutoFit/>
-          </a:bodyPr>
-          <a:lstStyle/>
-          <a:p>
-            <a:r>
-              <a:rPr lang="en-US" sz="1400" u="sng" dirty="0">
-                <a:latin typeface="Georgia" panose="02040502050405020303" pitchFamily="18" charset="0"/>
-              </a:rPr>
-              <a:t>Theater</a:t>
-            </a:r>
-          </a:p>
-        </p:txBody>
-      </p:sp>
-      <p:cxnSp>
-        <p:nvCxnSpPr>
-          <p:cNvPr id="19" name="Straight Connector 18">
-            <a:extLst>
-              <a:ext uri="{FF2B5EF4-FFF2-40B4-BE49-F238E27FC236}">
-                <a16:creationId xmlns:a16="http://schemas.microsoft.com/office/drawing/2014/main" id="{3145678D-8CB4-4933-BC4C-B105C5495678}"/>
-              </a:ext>
-            </a:extLst>
-          </p:cNvPr>
-          <p:cNvCxnSpPr/>
-          <p:nvPr/>
-        </p:nvCxnSpPr>
-        <p:spPr>
-          <a:xfrm>
-            <a:off x="2065283" y="6027677"/>
-            <a:ext cx="0" cy="294295"/>
-          </a:xfrm>
-          <a:prstGeom prst="line">
-            <a:avLst/>
-          </a:prstGeom>
-          <a:ln w="9525" cap="flat" cmpd="sng" algn="ctr">
-            <a:solidFill>
-              <a:schemeClr val="dk1"/>
-            </a:solidFill>
-            <a:prstDash val="dash"/>
-            <a:round/>
-            <a:headEnd type="none" w="med" len="med"/>
-            <a:tailEnd type="none" w="med" len="med"/>
-          </a:ln>
-        </p:spPr>
-        <p:style>
-          <a:lnRef idx="0">
-            <a:scrgbClr r="0" g="0" b="0"/>
-          </a:lnRef>
-          <a:fillRef idx="0">
-            <a:scrgbClr r="0" g="0" b="0"/>
-          </a:fillRef>
-          <a:effectRef idx="0">
-            <a:scrgbClr r="0" g="0" b="0"/>
-          </a:effectRef>
-          <a:fontRef idx="minor">
-            <a:schemeClr val="tx1"/>
-          </a:fontRef>
-        </p:style>
-      </p:cxnSp>
-      <p:cxnSp>
-        <p:nvCxnSpPr>
-          <p:cNvPr id="20" name="Straight Connector 19">
-            <a:extLst>
-              <a:ext uri="{FF2B5EF4-FFF2-40B4-BE49-F238E27FC236}">
-                <a16:creationId xmlns:a16="http://schemas.microsoft.com/office/drawing/2014/main" id="{093D5B23-CD8E-4B7F-9953-8B4E721B9BC0}"/>
-              </a:ext>
-            </a:extLst>
-          </p:cNvPr>
-          <p:cNvCxnSpPr>
-            <a:cxnSpLocks/>
-          </p:cNvCxnSpPr>
-          <p:nvPr/>
-        </p:nvCxnSpPr>
-        <p:spPr>
-          <a:xfrm>
-            <a:off x="4619333" y="5675535"/>
-            <a:ext cx="0" cy="646437"/>
-          </a:xfrm>
-          <a:prstGeom prst="line">
-            <a:avLst/>
-          </a:prstGeom>
-          <a:ln w="9525" cap="flat" cmpd="sng" algn="ctr">
-            <a:solidFill>
-              <a:schemeClr val="dk1"/>
-            </a:solidFill>
-            <a:prstDash val="dash"/>
-            <a:round/>
-            <a:headEnd type="none" w="med" len="med"/>
-            <a:tailEnd type="none" w="med" len="med"/>
-          </a:ln>
-        </p:spPr>
-        <p:style>
-          <a:lnRef idx="0">
-            <a:scrgbClr r="0" g="0" b="0"/>
-          </a:lnRef>
-          <a:fillRef idx="0">
-            <a:scrgbClr r="0" g="0" b="0"/>
-          </a:fillRef>
-          <a:effectRef idx="0">
-            <a:scrgbClr r="0" g="0" b="0"/>
-          </a:effectRef>
-          <a:fontRef idx="minor">
-            <a:schemeClr val="tx1"/>
-          </a:fontRef>
-        </p:style>
-      </p:cxnSp>
-      <p:sp>
-        <p:nvSpPr>
-          <p:cNvPr id="2" name="TextBox 1">
-            <a:extLst>
-              <a:ext uri="{FF2B5EF4-FFF2-40B4-BE49-F238E27FC236}">
-                <a16:creationId xmlns:a16="http://schemas.microsoft.com/office/drawing/2014/main" id="{83ADB76A-5987-4181-B4F4-D057D6E6076C}"/>
-              </a:ext>
-            </a:extLst>
-          </p:cNvPr>
-          <p:cNvSpPr txBox="1"/>
-          <p:nvPr/>
-        </p:nvSpPr>
-        <p:spPr>
-          <a:xfrm>
-            <a:off x="330515" y="1040100"/>
-            <a:ext cx="1683474" cy="307777"/>
-          </a:xfrm>
-          <a:prstGeom prst="rect">
-            <a:avLst/>
-          </a:prstGeom>
-          <a:noFill/>
-        </p:spPr>
-        <p:txBody>
-          <a:bodyPr wrap="none" rtlCol="0">
-            <a:spAutoFit/>
-          </a:bodyPr>
-          <a:lstStyle/>
-          <a:p>
-            <a:r>
-              <a:rPr lang="en-US" sz="1400" dirty="0" err="1">
-                <a:latin typeface="Georgia" panose="02040502050405020303" pitchFamily="18" charset="0"/>
-              </a:rPr>
-              <a:t>removeCustomer</a:t>
-            </a:r>
-            <a:r>
-              <a:rPr lang="en-US" sz="1400" dirty="0">
-                <a:latin typeface="Georgia" panose="02040502050405020303" pitchFamily="18" charset="0"/>
-              </a:rPr>
-              <a:t>()</a:t>
-            </a:r>
-          </a:p>
-        </p:txBody>
-      </p:sp>
-      <p:cxnSp>
-        <p:nvCxnSpPr>
-          <p:cNvPr id="8" name="Straight Arrow Connector 7">
-            <a:extLst>
-              <a:ext uri="{FF2B5EF4-FFF2-40B4-BE49-F238E27FC236}">
-                <a16:creationId xmlns:a16="http://schemas.microsoft.com/office/drawing/2014/main" id="{654816B3-ADA2-45CA-AA92-3CEADAC81496}"/>
-              </a:ext>
-            </a:extLst>
-          </p:cNvPr>
-          <p:cNvCxnSpPr/>
-          <p:nvPr/>
-        </p:nvCxnSpPr>
-        <p:spPr>
-          <a:xfrm flipH="1">
-            <a:off x="1192696" y="1762318"/>
-            <a:ext cx="808633" cy="0"/>
-          </a:xfrm>
-          <a:prstGeom prst="straightConnector1">
-            <a:avLst/>
-          </a:prstGeom>
-          <a:ln>
-            <a:tailEnd type="triangle"/>
-          </a:ln>
-        </p:spPr>
-        <p:style>
-          <a:lnRef idx="3">
-            <a:schemeClr val="dk1"/>
-          </a:lnRef>
-          <a:fillRef idx="0">
-            <a:schemeClr val="dk1"/>
-          </a:fillRef>
-          <a:effectRef idx="2">
-            <a:schemeClr val="dk1"/>
-          </a:effectRef>
-          <a:fontRef idx="minor">
-            <a:schemeClr val="tx1"/>
-          </a:fontRef>
-        </p:style>
-      </p:cxnSp>
-      <p:sp>
-        <p:nvSpPr>
-          <p:cNvPr id="11" name="TextBox 10">
-            <a:extLst>
-              <a:ext uri="{FF2B5EF4-FFF2-40B4-BE49-F238E27FC236}">
-                <a16:creationId xmlns:a16="http://schemas.microsoft.com/office/drawing/2014/main" id="{86A5E434-3B58-4D8B-959C-D4A1C0D86BD9}"/>
-              </a:ext>
-            </a:extLst>
-          </p:cNvPr>
-          <p:cNvSpPr txBox="1"/>
-          <p:nvPr/>
-        </p:nvSpPr>
-        <p:spPr>
-          <a:xfrm>
-            <a:off x="772935" y="1458236"/>
-            <a:ext cx="1194558" cy="307777"/>
-          </a:xfrm>
-          <a:prstGeom prst="rect">
-            <a:avLst/>
-          </a:prstGeom>
-          <a:noFill/>
-        </p:spPr>
-        <p:txBody>
-          <a:bodyPr wrap="none" rtlCol="0">
-            <a:spAutoFit/>
-          </a:bodyPr>
-          <a:lstStyle/>
-          <a:p>
-            <a:r>
-              <a:rPr lang="en-US" sz="1400" dirty="0">
-                <a:latin typeface="Georgia" panose="02040502050405020303" pitchFamily="18" charset="0"/>
-              </a:rPr>
-              <a:t>Data request</a:t>
-            </a:r>
-          </a:p>
-        </p:txBody>
-      </p:sp>
-      <p:cxnSp>
-        <p:nvCxnSpPr>
-          <p:cNvPr id="18" name="Straight Arrow Connector 17">
-            <a:extLst>
-              <a:ext uri="{FF2B5EF4-FFF2-40B4-BE49-F238E27FC236}">
-                <a16:creationId xmlns:a16="http://schemas.microsoft.com/office/drawing/2014/main" id="{EAFACEE2-E314-4550-BBFD-230E356FE298}"/>
-              </a:ext>
-            </a:extLst>
-          </p:cNvPr>
-          <p:cNvCxnSpPr>
-            <a:cxnSpLocks/>
-          </p:cNvCxnSpPr>
-          <p:nvPr/>
-        </p:nvCxnSpPr>
-        <p:spPr>
-          <a:xfrm>
-            <a:off x="1340177" y="2232592"/>
-            <a:ext cx="661152" cy="5012"/>
-          </a:xfrm>
-          <a:prstGeom prst="straightConnector1">
-            <a:avLst/>
-          </a:prstGeom>
-          <a:ln>
-            <a:tailEnd type="triangle"/>
-          </a:ln>
-        </p:spPr>
-        <p:style>
-          <a:lnRef idx="3">
-            <a:schemeClr val="dk1"/>
-          </a:lnRef>
-          <a:fillRef idx="0">
-            <a:schemeClr val="dk1"/>
-          </a:fillRef>
-          <a:effectRef idx="2">
-            <a:schemeClr val="dk1"/>
-          </a:effectRef>
-          <a:fontRef idx="minor">
-            <a:schemeClr val="tx1"/>
-          </a:fontRef>
-        </p:style>
-      </p:cxnSp>
-      <p:sp>
-        <p:nvSpPr>
-          <p:cNvPr id="21" name="TextBox 20">
-            <a:extLst>
-              <a:ext uri="{FF2B5EF4-FFF2-40B4-BE49-F238E27FC236}">
-                <a16:creationId xmlns:a16="http://schemas.microsoft.com/office/drawing/2014/main" id="{0C46E3DB-9E01-4AA1-A621-D15237CED1DF}"/>
-              </a:ext>
-            </a:extLst>
-          </p:cNvPr>
-          <p:cNvSpPr txBox="1"/>
-          <p:nvPr/>
-        </p:nvSpPr>
-        <p:spPr>
-          <a:xfrm>
-            <a:off x="832406" y="1920671"/>
-            <a:ext cx="1096775" cy="307777"/>
-          </a:xfrm>
-          <a:prstGeom prst="rect">
-            <a:avLst/>
-          </a:prstGeom>
-          <a:noFill/>
-        </p:spPr>
-        <p:txBody>
-          <a:bodyPr wrap="none" rtlCol="0">
-            <a:spAutoFit/>
-          </a:bodyPr>
-          <a:lstStyle/>
-          <a:p>
-            <a:r>
-              <a:rPr lang="en-US" sz="1400" dirty="0" err="1">
-                <a:latin typeface="Georgia" panose="02040502050405020303" pitchFamily="18" charset="0"/>
-              </a:rPr>
-              <a:t>customerId</a:t>
-            </a:r>
-            <a:endParaRPr lang="en-US" sz="1400" dirty="0">
-              <a:latin typeface="Georgia" panose="02040502050405020303" pitchFamily="18" charset="0"/>
-            </a:endParaRPr>
-          </a:p>
-        </p:txBody>
-      </p:sp>
-      <p:sp>
-        <p:nvSpPr>
-          <p:cNvPr id="22" name="Rectangle 21">
-            <a:extLst>
-              <a:ext uri="{FF2B5EF4-FFF2-40B4-BE49-F238E27FC236}">
-                <a16:creationId xmlns:a16="http://schemas.microsoft.com/office/drawing/2014/main" id="{769DC167-AA6B-409A-9AAF-269A530FDA02}"/>
-              </a:ext>
-            </a:extLst>
-          </p:cNvPr>
-          <p:cNvSpPr/>
-          <p:nvPr/>
-        </p:nvSpPr>
-        <p:spPr>
-          <a:xfrm>
-            <a:off x="7393545" y="2030837"/>
-            <a:ext cx="169057" cy="2470208"/>
-          </a:xfrm>
-          <a:prstGeom prst="rect">
-            <a:avLst/>
-          </a:prstGeom>
-          <a:solidFill>
-            <a:schemeClr val="bg2"/>
-          </a:solidFill>
-          <a:ln>
-            <a:solidFill>
-              <a:schemeClr val="tx1"/>
-            </a:solidFill>
-          </a:ln>
-        </p:spPr>
-        <p:style>
-          <a:lnRef idx="2">
-            <a:schemeClr val="accent1">
-              <a:shade val="50000"/>
-            </a:schemeClr>
-          </a:lnRef>
-          <a:fillRef idx="1">
-            <a:schemeClr val="accent1"/>
-          </a:fillRef>
-          <a:effectRef idx="0">
-            <a:schemeClr val="accent1"/>
-          </a:effectRef>
-          <a:fontRef idx="minor">
-            <a:schemeClr val="lt1"/>
-          </a:fontRef>
-        </p:style>
-        <p:txBody>
-          <a:bodyPr rtlCol="0" anchor="ctr"/>
-          <a:lstStyle/>
-          <a:p>
-            <a:pPr algn="ctr"/>
-            <a:endParaRPr lang="en-US"/>
-          </a:p>
-        </p:txBody>
-      </p:sp>
-      <p:sp>
-        <p:nvSpPr>
-          <p:cNvPr id="23" name="TextBox 22">
-            <a:extLst>
-              <a:ext uri="{FF2B5EF4-FFF2-40B4-BE49-F238E27FC236}">
-                <a16:creationId xmlns:a16="http://schemas.microsoft.com/office/drawing/2014/main" id="{A6A25776-FBD0-435F-BA0D-F7BEEC3A4013}"/>
-              </a:ext>
-            </a:extLst>
-          </p:cNvPr>
-          <p:cNvSpPr txBox="1"/>
-          <p:nvPr/>
-        </p:nvSpPr>
-        <p:spPr>
-          <a:xfrm>
-            <a:off x="9612137" y="762789"/>
-            <a:ext cx="1258678" cy="307777"/>
-          </a:xfrm>
-          <a:prstGeom prst="rect">
-            <a:avLst/>
-          </a:prstGeom>
-          <a:noFill/>
-        </p:spPr>
-        <p:txBody>
-          <a:bodyPr wrap="none" rtlCol="0">
-            <a:spAutoFit/>
-          </a:bodyPr>
-          <a:lstStyle/>
-          <a:p>
-            <a:r>
-              <a:rPr lang="en-US" sz="1400" u="sng" dirty="0" err="1">
-                <a:latin typeface="Georgia" panose="02040502050405020303" pitchFamily="18" charset="0"/>
-              </a:rPr>
-              <a:t>CustomerList</a:t>
-            </a:r>
-            <a:endParaRPr lang="en-US" sz="1400" u="sng" dirty="0">
-              <a:latin typeface="Georgia" panose="02040502050405020303" pitchFamily="18" charset="0"/>
-            </a:endParaRPr>
-          </a:p>
-        </p:txBody>
-      </p:sp>
-      <p:sp>
-        <p:nvSpPr>
-          <p:cNvPr id="24" name="Rectangle 23">
-            <a:extLst>
-              <a:ext uri="{FF2B5EF4-FFF2-40B4-BE49-F238E27FC236}">
-                <a16:creationId xmlns:a16="http://schemas.microsoft.com/office/drawing/2014/main" id="{5090F218-6A7D-41BE-9401-6E5F23793C90}"/>
-              </a:ext>
-            </a:extLst>
-          </p:cNvPr>
-          <p:cNvSpPr/>
-          <p:nvPr/>
-        </p:nvSpPr>
-        <p:spPr>
-          <a:xfrm>
-            <a:off x="10190671" y="2869039"/>
-            <a:ext cx="169058" cy="2160059"/>
-          </a:xfrm>
-          <a:prstGeom prst="rect">
-            <a:avLst/>
-          </a:prstGeom>
-          <a:solidFill>
-            <a:schemeClr val="bg2"/>
-          </a:solidFill>
-          <a:ln>
-            <a:solidFill>
-              <a:schemeClr val="tx1"/>
-            </a:solidFill>
-          </a:ln>
-        </p:spPr>
-        <p:style>
-          <a:lnRef idx="2">
-            <a:schemeClr val="accent1">
-              <a:shade val="50000"/>
-            </a:schemeClr>
-          </a:lnRef>
-          <a:fillRef idx="1">
-            <a:schemeClr val="accent1"/>
-          </a:fillRef>
-          <a:effectRef idx="0">
-            <a:schemeClr val="accent1"/>
-          </a:effectRef>
-          <a:fontRef idx="minor">
-            <a:schemeClr val="lt1"/>
-          </a:fontRef>
-        </p:style>
-        <p:txBody>
-          <a:bodyPr rtlCol="0" anchor="ctr"/>
-          <a:lstStyle/>
-          <a:p>
-            <a:pPr algn="ctr"/>
-            <a:endParaRPr lang="en-US"/>
-          </a:p>
-        </p:txBody>
-      </p:sp>
-      <p:cxnSp>
-        <p:nvCxnSpPr>
-          <p:cNvPr id="25" name="Straight Connector 24">
-            <a:extLst>
-              <a:ext uri="{FF2B5EF4-FFF2-40B4-BE49-F238E27FC236}">
-                <a16:creationId xmlns:a16="http://schemas.microsoft.com/office/drawing/2014/main" id="{FAE76E5D-6C63-4C1C-9724-2570B479D5CE}"/>
-              </a:ext>
-            </a:extLst>
-          </p:cNvPr>
-          <p:cNvCxnSpPr>
-            <a:cxnSpLocks/>
-          </p:cNvCxnSpPr>
-          <p:nvPr/>
-        </p:nvCxnSpPr>
-        <p:spPr>
-          <a:xfrm>
-            <a:off x="7462652" y="1214741"/>
-            <a:ext cx="0" cy="816096"/>
-          </a:xfrm>
-          <a:prstGeom prst="line">
-            <a:avLst/>
-          </a:prstGeom>
-          <a:ln w="9525" cap="flat" cmpd="sng" algn="ctr">
-            <a:solidFill>
-              <a:schemeClr val="dk1"/>
-            </a:solidFill>
-            <a:prstDash val="dash"/>
-            <a:round/>
-            <a:headEnd type="none" w="med" len="med"/>
-            <a:tailEnd type="none" w="med" len="med"/>
-          </a:ln>
-        </p:spPr>
-        <p:style>
-          <a:lnRef idx="0">
-            <a:scrgbClr r="0" g="0" b="0"/>
-          </a:lnRef>
-          <a:fillRef idx="0">
-            <a:scrgbClr r="0" g="0" b="0"/>
-          </a:fillRef>
-          <a:effectRef idx="0">
-            <a:scrgbClr r="0" g="0" b="0"/>
-          </a:effectRef>
-          <a:fontRef idx="minor">
-            <a:schemeClr val="tx1"/>
-          </a:fontRef>
-        </p:style>
-      </p:cxnSp>
-      <p:cxnSp>
-        <p:nvCxnSpPr>
-          <p:cNvPr id="26" name="Straight Connector 25">
-            <a:extLst>
-              <a:ext uri="{FF2B5EF4-FFF2-40B4-BE49-F238E27FC236}">
-                <a16:creationId xmlns:a16="http://schemas.microsoft.com/office/drawing/2014/main" id="{B81124A9-4D58-4417-BF4F-1D1A2A2E44FF}"/>
-              </a:ext>
-            </a:extLst>
-          </p:cNvPr>
-          <p:cNvCxnSpPr>
-            <a:cxnSpLocks/>
-          </p:cNvCxnSpPr>
-          <p:nvPr/>
-        </p:nvCxnSpPr>
-        <p:spPr>
-          <a:xfrm>
-            <a:off x="7495451" y="4542501"/>
-            <a:ext cx="45175" cy="1827308"/>
-          </a:xfrm>
-          <a:prstGeom prst="line">
-            <a:avLst/>
-          </a:prstGeom>
-          <a:ln w="9525" cap="flat" cmpd="sng" algn="ctr">
-            <a:solidFill>
-              <a:schemeClr val="dk1"/>
-            </a:solidFill>
-            <a:prstDash val="dash"/>
-            <a:round/>
-            <a:headEnd type="none" w="med" len="med"/>
-            <a:tailEnd type="none" w="med" len="med"/>
-          </a:ln>
-        </p:spPr>
-        <p:style>
-          <a:lnRef idx="0">
-            <a:scrgbClr r="0" g="0" b="0"/>
-          </a:lnRef>
-          <a:fillRef idx="0">
-            <a:scrgbClr r="0" g="0" b="0"/>
-          </a:fillRef>
-          <a:effectRef idx="0">
-            <a:scrgbClr r="0" g="0" b="0"/>
-          </a:effectRef>
-          <a:fontRef idx="minor">
-            <a:schemeClr val="tx1"/>
-          </a:fontRef>
-        </p:style>
-      </p:cxnSp>
-      <p:cxnSp>
-        <p:nvCxnSpPr>
-          <p:cNvPr id="27" name="Straight Connector 26">
-            <a:extLst>
-              <a:ext uri="{FF2B5EF4-FFF2-40B4-BE49-F238E27FC236}">
-                <a16:creationId xmlns:a16="http://schemas.microsoft.com/office/drawing/2014/main" id="{969FB2FF-FA42-4C20-8466-B2BA1E996FFF}"/>
-              </a:ext>
-            </a:extLst>
-          </p:cNvPr>
-          <p:cNvCxnSpPr>
-            <a:cxnSpLocks/>
-            <a:endCxn id="24" idx="0"/>
-          </p:cNvCxnSpPr>
-          <p:nvPr/>
-        </p:nvCxnSpPr>
-        <p:spPr>
-          <a:xfrm flipH="1">
-            <a:off x="10275200" y="1114021"/>
-            <a:ext cx="2" cy="1755018"/>
-          </a:xfrm>
-          <a:prstGeom prst="line">
-            <a:avLst/>
-          </a:prstGeom>
-          <a:ln w="9525" cap="flat" cmpd="sng" algn="ctr">
-            <a:solidFill>
-              <a:schemeClr val="dk1"/>
-            </a:solidFill>
-            <a:prstDash val="dash"/>
-            <a:round/>
-            <a:headEnd type="none" w="med" len="med"/>
-            <a:tailEnd type="none" w="med" len="med"/>
-          </a:ln>
-        </p:spPr>
-        <p:style>
-          <a:lnRef idx="0">
-            <a:scrgbClr r="0" g="0" b="0"/>
-          </a:lnRef>
-          <a:fillRef idx="0">
-            <a:scrgbClr r="0" g="0" b="0"/>
-          </a:fillRef>
-          <a:effectRef idx="0">
-            <a:scrgbClr r="0" g="0" b="0"/>
-          </a:effectRef>
-          <a:fontRef idx="minor">
-            <a:schemeClr val="tx1"/>
-          </a:fontRef>
-        </p:style>
-      </p:cxnSp>
-      <p:cxnSp>
-        <p:nvCxnSpPr>
-          <p:cNvPr id="28" name="Straight Connector 27">
-            <a:extLst>
-              <a:ext uri="{FF2B5EF4-FFF2-40B4-BE49-F238E27FC236}">
-                <a16:creationId xmlns:a16="http://schemas.microsoft.com/office/drawing/2014/main" id="{8F7B3924-8ADE-4E24-8F52-EF9F171CA264}"/>
-              </a:ext>
-            </a:extLst>
-          </p:cNvPr>
-          <p:cNvCxnSpPr>
-            <a:cxnSpLocks/>
-            <a:stCxn id="24" idx="2"/>
-          </p:cNvCxnSpPr>
-          <p:nvPr/>
-        </p:nvCxnSpPr>
-        <p:spPr>
-          <a:xfrm>
-            <a:off x="10275200" y="5029098"/>
-            <a:ext cx="0" cy="1292874"/>
-          </a:xfrm>
-          <a:prstGeom prst="line">
-            <a:avLst/>
-          </a:prstGeom>
-          <a:ln w="9525" cap="flat" cmpd="sng" algn="ctr">
-            <a:solidFill>
-              <a:schemeClr val="dk1"/>
-            </a:solidFill>
-            <a:prstDash val="dash"/>
-            <a:round/>
-            <a:headEnd type="none" w="med" len="med"/>
-            <a:tailEnd type="none" w="med" len="med"/>
-          </a:ln>
-        </p:spPr>
-        <p:style>
-          <a:lnRef idx="0">
-            <a:scrgbClr r="0" g="0" b="0"/>
-          </a:lnRef>
-          <a:fillRef idx="0">
-            <a:scrgbClr r="0" g="0" b="0"/>
-          </a:fillRef>
-          <a:effectRef idx="0">
-            <a:scrgbClr r="0" g="0" b="0"/>
-          </a:effectRef>
-          <a:fontRef idx="minor">
-            <a:schemeClr val="tx1"/>
-          </a:fontRef>
-        </p:style>
-      </p:cxnSp>
-      <p:sp>
-        <p:nvSpPr>
-          <p:cNvPr id="40" name="TextBox 39">
-            <a:extLst>
-              <a:ext uri="{FF2B5EF4-FFF2-40B4-BE49-F238E27FC236}">
-                <a16:creationId xmlns:a16="http://schemas.microsoft.com/office/drawing/2014/main" id="{E756C5C5-2CCA-4C2F-ADF1-5F88000B3F91}"/>
-              </a:ext>
-            </a:extLst>
-          </p:cNvPr>
-          <p:cNvSpPr txBox="1"/>
-          <p:nvPr/>
-        </p:nvSpPr>
-        <p:spPr>
-          <a:xfrm>
-            <a:off x="6983995" y="845660"/>
-            <a:ext cx="957313" cy="307777"/>
-          </a:xfrm>
-          <a:prstGeom prst="rect">
-            <a:avLst/>
-          </a:prstGeom>
-          <a:noFill/>
-        </p:spPr>
-        <p:txBody>
-          <a:bodyPr wrap="none" rtlCol="0">
-            <a:spAutoFit/>
-          </a:bodyPr>
-          <a:lstStyle/>
-          <a:p>
-            <a:r>
-              <a:rPr lang="en-US" sz="1400" u="sng" dirty="0">
-                <a:latin typeface="Georgia" panose="02040502050405020303" pitchFamily="18" charset="0"/>
-              </a:rPr>
-              <a:t>Customer</a:t>
-            </a:r>
-          </a:p>
-        </p:txBody>
-      </p:sp>
-      <p:cxnSp>
-        <p:nvCxnSpPr>
-          <p:cNvPr id="43" name="Straight Connector 42">
-            <a:extLst>
-              <a:ext uri="{FF2B5EF4-FFF2-40B4-BE49-F238E27FC236}">
-                <a16:creationId xmlns:a16="http://schemas.microsoft.com/office/drawing/2014/main" id="{045ACB1A-D336-4433-8197-36942DDA8816}"/>
-              </a:ext>
-            </a:extLst>
-          </p:cNvPr>
-          <p:cNvCxnSpPr>
-            <a:cxnSpLocks/>
-          </p:cNvCxnSpPr>
-          <p:nvPr/>
-        </p:nvCxnSpPr>
-        <p:spPr>
-          <a:xfrm>
-            <a:off x="4629396" y="1043153"/>
-            <a:ext cx="0" cy="240527"/>
-          </a:xfrm>
-          <a:prstGeom prst="line">
-            <a:avLst/>
-          </a:prstGeom>
-          <a:ln w="9525" cap="flat" cmpd="sng" algn="ctr">
-            <a:solidFill>
-              <a:schemeClr val="dk1"/>
-            </a:solidFill>
-            <a:prstDash val="dash"/>
-            <a:round/>
-            <a:headEnd type="none" w="med" len="med"/>
-            <a:tailEnd type="none" w="med" len="med"/>
-          </a:ln>
-        </p:spPr>
-        <p:style>
-          <a:lnRef idx="0">
-            <a:scrgbClr r="0" g="0" b="0"/>
-          </a:lnRef>
-          <a:fillRef idx="0">
-            <a:scrgbClr r="0" g="0" b="0"/>
-          </a:fillRef>
-          <a:effectRef idx="0">
-            <a:scrgbClr r="0" g="0" b="0"/>
-          </a:effectRef>
-          <a:fontRef idx="minor">
-            <a:schemeClr val="tx1"/>
-          </a:fontRef>
-        </p:style>
-      </p:cxnSp>
-      <p:sp>
-        <p:nvSpPr>
-          <p:cNvPr id="46" name="TextBox 45">
-            <a:extLst>
-              <a:ext uri="{FF2B5EF4-FFF2-40B4-BE49-F238E27FC236}">
-                <a16:creationId xmlns:a16="http://schemas.microsoft.com/office/drawing/2014/main" id="{C8E3622D-B120-462A-A74E-93D1A1FF6AAC}"/>
-              </a:ext>
-            </a:extLst>
-          </p:cNvPr>
-          <p:cNvSpPr txBox="1"/>
-          <p:nvPr/>
-        </p:nvSpPr>
-        <p:spPr>
-          <a:xfrm>
-            <a:off x="2137282" y="2344073"/>
-            <a:ext cx="2249334" cy="276999"/>
-          </a:xfrm>
-          <a:prstGeom prst="rect">
-            <a:avLst/>
-          </a:prstGeom>
-          <a:noFill/>
-        </p:spPr>
-        <p:txBody>
-          <a:bodyPr wrap="none" rtlCol="0">
-            <a:spAutoFit/>
-          </a:bodyPr>
-          <a:lstStyle/>
-          <a:p>
-            <a:r>
-              <a:rPr lang="en-US" sz="1200" dirty="0" err="1">
-                <a:latin typeface="Georgia" panose="02040502050405020303" pitchFamily="18" charset="0"/>
-              </a:rPr>
-              <a:t>removeCustomer</a:t>
-            </a:r>
-            <a:r>
-              <a:rPr lang="en-US" sz="1200" dirty="0">
-                <a:latin typeface="Georgia" panose="02040502050405020303" pitchFamily="18" charset="0"/>
-              </a:rPr>
-              <a:t>(</a:t>
-            </a:r>
-            <a:r>
-              <a:rPr lang="en-US" sz="1200" dirty="0" err="1">
-                <a:latin typeface="Georgia" panose="02040502050405020303" pitchFamily="18" charset="0"/>
-              </a:rPr>
-              <a:t>customerId</a:t>
-            </a:r>
-            <a:r>
-              <a:rPr lang="en-US" sz="1200" dirty="0">
-                <a:latin typeface="Georgia" panose="02040502050405020303" pitchFamily="18" charset="0"/>
-              </a:rPr>
-              <a:t>)</a:t>
-            </a:r>
-          </a:p>
-        </p:txBody>
-      </p:sp>
-      <p:cxnSp>
-        <p:nvCxnSpPr>
-          <p:cNvPr id="47" name="Straight Arrow Connector 46">
-            <a:extLst>
-              <a:ext uri="{FF2B5EF4-FFF2-40B4-BE49-F238E27FC236}">
-                <a16:creationId xmlns:a16="http://schemas.microsoft.com/office/drawing/2014/main" id="{11EB37F8-D52F-4BBF-941A-3BE8A4825B06}"/>
-              </a:ext>
-            </a:extLst>
-          </p:cNvPr>
-          <p:cNvCxnSpPr>
-            <a:cxnSpLocks/>
-          </p:cNvCxnSpPr>
-          <p:nvPr/>
-        </p:nvCxnSpPr>
-        <p:spPr>
-          <a:xfrm>
-            <a:off x="2170386" y="2649439"/>
-            <a:ext cx="2324029" cy="0"/>
-          </a:xfrm>
-          <a:prstGeom prst="straightConnector1">
-            <a:avLst/>
-          </a:prstGeom>
-          <a:ln>
-            <a:headEnd type="none" w="med" len="med"/>
-            <a:tailEnd type="arrow" w="med" len="med"/>
-          </a:ln>
-        </p:spPr>
-        <p:style>
-          <a:lnRef idx="3">
-            <a:schemeClr val="dk1"/>
-          </a:lnRef>
-          <a:fillRef idx="0">
-            <a:schemeClr val="dk1"/>
-          </a:fillRef>
-          <a:effectRef idx="2">
-            <a:schemeClr val="dk1"/>
-          </a:effectRef>
-          <a:fontRef idx="minor">
-            <a:schemeClr val="tx1"/>
-          </a:fontRef>
-        </p:style>
-      </p:cxnSp>
+      <p:pic>
+        <p:nvPicPr>
+          <p:cNvPr id="15" name="Picture 14">
+            <a:extLst>
+              <a:ext uri="{FF2B5EF4-FFF2-40B4-BE49-F238E27FC236}">
+                <a16:creationId xmlns:a16="http://schemas.microsoft.com/office/drawing/2014/main" id="{39EC8BD1-614C-4167-8E0A-44DA16066FB8}"/>
+              </a:ext>
+            </a:extLst>
+          </p:cNvPr>
+          <p:cNvPicPr>
+            <a:picLocks noChangeAspect="1"/>
+          </p:cNvPicPr>
+          <p:nvPr/>
+        </p:nvPicPr>
+        <p:blipFill>
+          <a:blip r:embed="rId4">
+            <a:extLst>
+              <a:ext uri="{28A0092B-C50C-407E-A947-70E740481C1C}">
+                <a14:useLocalDpi xmlns:a14="http://schemas.microsoft.com/office/drawing/2010/main" val="0"/>
+              </a:ext>
+            </a:extLst>
+          </a:blip>
+          <a:stretch>
+            <a:fillRect/>
+          </a:stretch>
+        </p:blipFill>
+        <p:spPr>
+          <a:xfrm>
+            <a:off x="2233387" y="1685636"/>
+            <a:ext cx="8093987" cy="4395872"/>
+          </a:xfrm>
+          <a:prstGeom prst="rect">
+            <a:avLst/>
+          </a:prstGeom>
+        </p:spPr>
+      </p:pic>
     </p:spTree>
     <p:extLst>
       <p:ext uri="{BB962C8B-B14F-4D97-AF65-F5344CB8AC3E}">
-        <p14:creationId xmlns:p14="http://schemas.microsoft.com/office/powerpoint/2010/main" val="3991185906"/>
+        <p14:creationId xmlns:p14="http://schemas.microsoft.com/office/powerpoint/2010/main" val="1359492295"/>
       </p:ext>
     </p:extLst>
   </p:cSld>

--- a/Diagrams and Charts/Sequence Charts.pptx
+++ b/Diagrams and Charts/Sequence Charts.pptx
@@ -19,6 +19,8 @@
     <p:sldId id="267" r:id="rId13"/>
     <p:sldId id="268" r:id="rId14"/>
     <p:sldId id="269" r:id="rId15"/>
+    <p:sldId id="272" r:id="rId16"/>
+    <p:sldId id="273" r:id="rId17"/>
   </p:sldIdLst>
   <p:sldSz cx="12192000" cy="6858000"/>
   <p:notesSz cx="6858000" cy="9144000"/>
@@ -272,7 +274,7 @@
           <a:p>
             <a:fld id="{1C1F3817-498B-459A-928B-153134D14AF2}" type="datetimeFigureOut">
               <a:rPr lang="en-US" smtClean="0"/>
-              <a:t>2/27/2018</a:t>
+              <a:t>3/21/2018</a:t>
             </a:fld>
             <a:endParaRPr lang="en-US"/>
           </a:p>
@@ -470,7 +472,7 @@
           <a:p>
             <a:fld id="{1C1F3817-498B-459A-928B-153134D14AF2}" type="datetimeFigureOut">
               <a:rPr lang="en-US" smtClean="0"/>
-              <a:t>2/27/2018</a:t>
+              <a:t>3/21/2018</a:t>
             </a:fld>
             <a:endParaRPr lang="en-US"/>
           </a:p>
@@ -678,7 +680,7 @@
           <a:p>
             <a:fld id="{1C1F3817-498B-459A-928B-153134D14AF2}" type="datetimeFigureOut">
               <a:rPr lang="en-US" smtClean="0"/>
-              <a:t>2/27/2018</a:t>
+              <a:t>3/21/2018</a:t>
             </a:fld>
             <a:endParaRPr lang="en-US"/>
           </a:p>
@@ -876,7 +878,7 @@
           <a:p>
             <a:fld id="{1C1F3817-498B-459A-928B-153134D14AF2}" type="datetimeFigureOut">
               <a:rPr lang="en-US" smtClean="0"/>
-              <a:t>2/27/2018</a:t>
+              <a:t>3/21/2018</a:t>
             </a:fld>
             <a:endParaRPr lang="en-US"/>
           </a:p>
@@ -1151,7 +1153,7 @@
           <a:p>
             <a:fld id="{1C1F3817-498B-459A-928B-153134D14AF2}" type="datetimeFigureOut">
               <a:rPr lang="en-US" smtClean="0"/>
-              <a:t>2/27/2018</a:t>
+              <a:t>3/21/2018</a:t>
             </a:fld>
             <a:endParaRPr lang="en-US"/>
           </a:p>
@@ -1416,7 +1418,7 @@
           <a:p>
             <a:fld id="{1C1F3817-498B-459A-928B-153134D14AF2}" type="datetimeFigureOut">
               <a:rPr lang="en-US" smtClean="0"/>
-              <a:t>2/27/2018</a:t>
+              <a:t>3/21/2018</a:t>
             </a:fld>
             <a:endParaRPr lang="en-US"/>
           </a:p>
@@ -1828,7 +1830,7 @@
           <a:p>
             <a:fld id="{1C1F3817-498B-459A-928B-153134D14AF2}" type="datetimeFigureOut">
               <a:rPr lang="en-US" smtClean="0"/>
-              <a:t>2/27/2018</a:t>
+              <a:t>3/21/2018</a:t>
             </a:fld>
             <a:endParaRPr lang="en-US"/>
           </a:p>
@@ -1969,7 +1971,7 @@
           <a:p>
             <a:fld id="{1C1F3817-498B-459A-928B-153134D14AF2}" type="datetimeFigureOut">
               <a:rPr lang="en-US" smtClean="0"/>
-              <a:t>2/27/2018</a:t>
+              <a:t>3/21/2018</a:t>
             </a:fld>
             <a:endParaRPr lang="en-US"/>
           </a:p>
@@ -2082,7 +2084,7 @@
           <a:p>
             <a:fld id="{1C1F3817-498B-459A-928B-153134D14AF2}" type="datetimeFigureOut">
               <a:rPr lang="en-US" smtClean="0"/>
-              <a:t>2/27/2018</a:t>
+              <a:t>3/21/2018</a:t>
             </a:fld>
             <a:endParaRPr lang="en-US"/>
           </a:p>
@@ -2393,7 +2395,7 @@
           <a:p>
             <a:fld id="{1C1F3817-498B-459A-928B-153134D14AF2}" type="datetimeFigureOut">
               <a:rPr lang="en-US" smtClean="0"/>
-              <a:t>2/27/2018</a:t>
+              <a:t>3/21/2018</a:t>
             </a:fld>
             <a:endParaRPr lang="en-US"/>
           </a:p>
@@ -2681,7 +2683,7 @@
           <a:p>
             <a:fld id="{1C1F3817-498B-459A-928B-153134D14AF2}" type="datetimeFigureOut">
               <a:rPr lang="en-US" smtClean="0"/>
-              <a:t>2/27/2018</a:t>
+              <a:t>3/21/2018</a:t>
             </a:fld>
             <a:endParaRPr lang="en-US"/>
           </a:p>
@@ -2922,7 +2924,7 @@
           <a:p>
             <a:fld id="{1C1F3817-498B-459A-928B-153134D14AF2}" type="datetimeFigureOut">
               <a:rPr lang="en-US" smtClean="0"/>
-              <a:t>2/27/2018</a:t>
+              <a:t>3/21/2018</a:t>
             </a:fld>
             <a:endParaRPr lang="en-US"/>
           </a:p>
@@ -4731,6 +4733,277 @@
 </p:sld>
 </file>
 
+<file path=ppt/slides/slide15.xml><?xml version="1.0" encoding="utf-8"?>
+<p:sld xmlns:a="http://schemas.openxmlformats.org/drawingml/2006/main" xmlns:r="http://schemas.openxmlformats.org/officeDocument/2006/relationships" xmlns:p="http://schemas.openxmlformats.org/presentationml/2006/main">
+  <p:cSld>
+    <p:spTree>
+      <p:nvGrpSpPr>
+        <p:cNvPr id="1" name=""/>
+        <p:cNvGrpSpPr/>
+        <p:nvPr/>
+      </p:nvGrpSpPr>
+      <p:grpSpPr>
+        <a:xfrm>
+          <a:off x="0" y="0"/>
+          <a:ext cx="0" cy="0"/>
+          <a:chOff x="0" y="0"/>
+          <a:chExt cx="0" cy="0"/>
+        </a:xfrm>
+      </p:grpSpPr>
+      <p:sp>
+        <p:nvSpPr>
+          <p:cNvPr id="2" name="Title 1">
+            <a:extLst>
+              <a:ext uri="{FF2B5EF4-FFF2-40B4-BE49-F238E27FC236}">
+                <a16:creationId xmlns:a16="http://schemas.microsoft.com/office/drawing/2014/main" id="{848D51BA-3476-422A-9E15-7E65C86D0431}"/>
+              </a:ext>
+            </a:extLst>
+          </p:cNvPr>
+          <p:cNvSpPr>
+            <a:spLocks noGrp="1"/>
+          </p:cNvSpPr>
+          <p:nvPr>
+            <p:ph type="title"/>
+          </p:nvPr>
+        </p:nvSpPr>
+        <p:spPr/>
+        <p:txBody>
+          <a:bodyPr/>
+          <a:lstStyle/>
+          <a:p>
+            <a:endParaRPr lang="en-US"/>
+          </a:p>
+        </p:txBody>
+      </p:sp>
+      <p:sp>
+        <p:nvSpPr>
+          <p:cNvPr id="3" name="Content Placeholder 2">
+            <a:extLst>
+              <a:ext uri="{FF2B5EF4-FFF2-40B4-BE49-F238E27FC236}">
+                <a16:creationId xmlns:a16="http://schemas.microsoft.com/office/drawing/2014/main" id="{E8240F65-1FB4-47E7-8FAE-737EE0F81C1F}"/>
+              </a:ext>
+            </a:extLst>
+          </p:cNvPr>
+          <p:cNvSpPr>
+            <a:spLocks noGrp="1"/>
+          </p:cNvSpPr>
+          <p:nvPr>
+            <p:ph idx="1"/>
+          </p:nvPr>
+        </p:nvSpPr>
+        <p:spPr/>
+        <p:txBody>
+          <a:bodyPr/>
+          <a:lstStyle/>
+          <a:p>
+            <a:endParaRPr lang="en-US"/>
+          </a:p>
+        </p:txBody>
+      </p:sp>
+    </p:spTree>
+    <p:extLst>
+      <p:ext uri="{BB962C8B-B14F-4D97-AF65-F5344CB8AC3E}">
+        <p14:creationId xmlns:p14="http://schemas.microsoft.com/office/powerpoint/2010/main" val="473342560"/>
+      </p:ext>
+    </p:extLst>
+  </p:cSld>
+  <p:clrMapOvr>
+    <a:masterClrMapping/>
+  </p:clrMapOvr>
+</p:sld>
+</file>
+
+<file path=ppt/slides/slide16.xml><?xml version="1.0" encoding="utf-8"?>
+<p:sld xmlns:a="http://schemas.openxmlformats.org/drawingml/2006/main" xmlns:r="http://schemas.openxmlformats.org/officeDocument/2006/relationships" xmlns:p="http://schemas.openxmlformats.org/presentationml/2006/main">
+  <p:cSld>
+    <p:spTree>
+      <p:nvGrpSpPr>
+        <p:cNvPr id="1" name=""/>
+        <p:cNvGrpSpPr/>
+        <p:nvPr/>
+      </p:nvGrpSpPr>
+      <p:grpSpPr>
+        <a:xfrm>
+          <a:off x="0" y="0"/>
+          <a:ext cx="0" cy="0"/>
+          <a:chOff x="0" y="0"/>
+          <a:chExt cx="0" cy="0"/>
+        </a:xfrm>
+      </p:grpSpPr>
+      <p:sp>
+        <p:nvSpPr>
+          <p:cNvPr id="4" name="Rectangle 3">
+            <a:extLst>
+              <a:ext uri="{FF2B5EF4-FFF2-40B4-BE49-F238E27FC236}">
+                <a16:creationId xmlns:a16="http://schemas.microsoft.com/office/drawing/2014/main" id="{5E4728A9-43B4-4413-8980-CA41E40E12A2}"/>
+              </a:ext>
+            </a:extLst>
+          </p:cNvPr>
+          <p:cNvSpPr/>
+          <p:nvPr/>
+        </p:nvSpPr>
+        <p:spPr>
+          <a:xfrm>
+            <a:off x="619666" y="1020563"/>
+            <a:ext cx="10899228" cy="5477891"/>
+          </a:xfrm>
+          <a:prstGeom prst="rect">
+            <a:avLst/>
+          </a:prstGeom>
+          <a:solidFill>
+            <a:schemeClr val="bg1"/>
+          </a:solidFill>
+        </p:spPr>
+        <p:style>
+          <a:lnRef idx="2">
+            <a:schemeClr val="accent1">
+              <a:shade val="50000"/>
+            </a:schemeClr>
+          </a:lnRef>
+          <a:fillRef idx="1">
+            <a:schemeClr val="accent1"/>
+          </a:fillRef>
+          <a:effectRef idx="0">
+            <a:schemeClr val="accent1"/>
+          </a:effectRef>
+          <a:fontRef idx="minor">
+            <a:schemeClr val="lt1"/>
+          </a:fontRef>
+        </p:style>
+        <p:txBody>
+          <a:bodyPr rtlCol="0" anchor="ctr"/>
+          <a:lstStyle/>
+          <a:p>
+            <a:pPr algn="ctr"/>
+            <a:endParaRPr lang="en-US" dirty="0"/>
+          </a:p>
+        </p:txBody>
+      </p:sp>
+      <p:sp>
+        <p:nvSpPr>
+          <p:cNvPr id="5" name="TextBox 4">
+            <a:extLst>
+              <a:ext uri="{FF2B5EF4-FFF2-40B4-BE49-F238E27FC236}">
+                <a16:creationId xmlns:a16="http://schemas.microsoft.com/office/drawing/2014/main" id="{EED46A86-C106-4596-9342-011EAB247CB0}"/>
+              </a:ext>
+            </a:extLst>
+          </p:cNvPr>
+          <p:cNvSpPr txBox="1"/>
+          <p:nvPr/>
+        </p:nvSpPr>
+        <p:spPr>
+          <a:xfrm>
+            <a:off x="4156586" y="651231"/>
+            <a:ext cx="3570208" cy="369332"/>
+          </a:xfrm>
+          <a:prstGeom prst="rect">
+            <a:avLst/>
+          </a:prstGeom>
+          <a:noFill/>
+        </p:spPr>
+        <p:txBody>
+          <a:bodyPr wrap="none" rtlCol="0">
+            <a:spAutoFit/>
+          </a:bodyPr>
+          <a:lstStyle/>
+          <a:p>
+            <a:r>
+              <a:rPr lang="en-US" b="1" dirty="0">
+                <a:latin typeface="Georgia" panose="02040502050405020303" pitchFamily="18" charset="0"/>
+              </a:rPr>
+              <a:t>List All Ticket on certain day</a:t>
+            </a:r>
+          </a:p>
+        </p:txBody>
+      </p:sp>
+      <p:pic>
+        <p:nvPicPr>
+          <p:cNvPr id="7" name="Picture 6">
+            <a:extLst>
+              <a:ext uri="{FF2B5EF4-FFF2-40B4-BE49-F238E27FC236}">
+                <a16:creationId xmlns:a16="http://schemas.microsoft.com/office/drawing/2014/main" id="{181C5139-EB33-49A3-9CA2-00B25F200C5E}"/>
+              </a:ext>
+            </a:extLst>
+          </p:cNvPr>
+          <p:cNvPicPr>
+            <a:picLocks noChangeAspect="1"/>
+          </p:cNvPicPr>
+          <p:nvPr/>
+        </p:nvPicPr>
+        <p:blipFill>
+          <a:blip r:embed="rId2">
+            <a:extLst>
+              <a:ext uri="{28A0092B-C50C-407E-A947-70E740481C1C}">
+                <a14:useLocalDpi xmlns:a14="http://schemas.microsoft.com/office/drawing/2010/main" val="0"/>
+              </a:ext>
+            </a:extLst>
+          </a:blip>
+          <a:stretch>
+            <a:fillRect/>
+          </a:stretch>
+        </p:blipFill>
+        <p:spPr>
+          <a:xfrm>
+            <a:off x="1393795" y="1199016"/>
+            <a:ext cx="9349572" cy="5201784"/>
+          </a:xfrm>
+          <a:prstGeom prst="rect">
+            <a:avLst/>
+          </a:prstGeom>
+        </p:spPr>
+      </p:pic>
+      <p:pic>
+        <p:nvPicPr>
+          <p:cNvPr id="9" name="Graphic 8" descr="User">
+            <a:extLst>
+              <a:ext uri="{FF2B5EF4-FFF2-40B4-BE49-F238E27FC236}">
+                <a16:creationId xmlns:a16="http://schemas.microsoft.com/office/drawing/2014/main" id="{8CBF6EE1-F802-4256-A0A6-A52931E0F7B8}"/>
+              </a:ext>
+            </a:extLst>
+          </p:cNvPr>
+          <p:cNvPicPr>
+            <a:picLocks noChangeAspect="1"/>
+          </p:cNvPicPr>
+          <p:nvPr/>
+        </p:nvPicPr>
+        <p:blipFill>
+          <a:blip r:embed="rId3">
+            <a:extLst>
+              <a:ext uri="{28A0092B-C50C-407E-A947-70E740481C1C}">
+                <a14:useLocalDpi xmlns:a14="http://schemas.microsoft.com/office/drawing/2010/main" val="0"/>
+              </a:ext>
+              <a:ext uri="{96DAC541-7B7A-43D3-8B79-37D633B846F1}">
+                <asvg:svgBlip xmlns:asvg="http://schemas.microsoft.com/office/drawing/2016/SVG/main" r:embed="rId4"/>
+              </a:ext>
+            </a:extLst>
+          </a:blip>
+          <a:stretch>
+            <a:fillRect/>
+          </a:stretch>
+        </p:blipFill>
+        <p:spPr>
+          <a:xfrm>
+            <a:off x="1528532" y="2911512"/>
+            <a:ext cx="1034975" cy="1034975"/>
+          </a:xfrm>
+          <a:prstGeom prst="rect">
+            <a:avLst/>
+          </a:prstGeom>
+        </p:spPr>
+      </p:pic>
+    </p:spTree>
+    <p:extLst>
+      <p:ext uri="{BB962C8B-B14F-4D97-AF65-F5344CB8AC3E}">
+        <p14:creationId xmlns:p14="http://schemas.microsoft.com/office/powerpoint/2010/main" val="3024549772"/>
+      </p:ext>
+    </p:extLst>
+  </p:cSld>
+  <p:clrMapOvr>
+    <a:masterClrMapping/>
+  </p:clrMapOvr>
+</p:sld>
+</file>
+
 <file path=ppt/slides/slide2.xml><?xml version="1.0" encoding="utf-8"?>
 <p:sld xmlns:a="http://schemas.openxmlformats.org/drawingml/2006/main" xmlns:r="http://schemas.openxmlformats.org/officeDocument/2006/relationships" xmlns:p="http://schemas.openxmlformats.org/presentationml/2006/main">
   <p:cSld>
